--- a/output/10weeks/졸업작품 제안서.pptx
+++ b/output/10weeks/졸업작품 제안서.pptx
@@ -2,26 +2,31 @@
 <file path=ppt/presentation.xml><?xml version="1.0" encoding="utf-8"?>
 <p:presentation xmlns:a="http://schemas.openxmlformats.org/drawingml/2006/main" xmlns:r="http://schemas.openxmlformats.org/officeDocument/2006/relationships" xmlns:p="http://schemas.openxmlformats.org/presentationml/2006/main" saveSubsetFonts="1">
   <p:sldMasterIdLst>
-    <p:sldMasterId id="2147483648" r:id="rId1"/>
+    <p:sldMasterId id="2147483660" r:id="rId1"/>
   </p:sldMasterIdLst>
   <p:sldIdLst>
     <p:sldId id="256" r:id="rId2"/>
     <p:sldId id="257" r:id="rId3"/>
-    <p:sldId id="258" r:id="rId4"/>
-    <p:sldId id="260" r:id="rId5"/>
-    <p:sldId id="261" r:id="rId6"/>
-    <p:sldId id="262" r:id="rId7"/>
-    <p:sldId id="263" r:id="rId8"/>
-    <p:sldId id="264" r:id="rId9"/>
-    <p:sldId id="265" r:id="rId10"/>
+    <p:sldId id="266" r:id="rId4"/>
+    <p:sldId id="258" r:id="rId5"/>
+    <p:sldId id="260" r:id="rId6"/>
+    <p:sldId id="261" r:id="rId7"/>
+    <p:sldId id="262" r:id="rId8"/>
+    <p:sldId id="263" r:id="rId9"/>
+    <p:sldId id="264" r:id="rId10"/>
+    <p:sldId id="265" r:id="rId11"/>
+    <p:sldId id="267" r:id="rId12"/>
+    <p:sldId id="268" r:id="rId13"/>
+    <p:sldId id="269" r:id="rId14"/>
+    <p:sldId id="270" r:id="rId15"/>
   </p:sldIdLst>
   <p:sldSz cx="12192000" cy="6858000"/>
   <p:notesSz cx="6858000" cy="9144000"/>
   <p:defaultTextStyle>
     <a:defPPr>
-      <a:defRPr lang="ko-KR"/>
+      <a:defRPr lang="en-US"/>
     </a:defPPr>
-    <a:lvl1pPr marL="0" algn="l" defTabSz="914400" rtl="0" eaLnBrk="1" latinLnBrk="1" hangingPunct="1">
+    <a:lvl1pPr marL="0" algn="l" defTabSz="457200" rtl="0" eaLnBrk="1" latinLnBrk="0" hangingPunct="1">
       <a:defRPr sz="1800" kern="1200">
         <a:solidFill>
           <a:schemeClr val="tx1"/>
@@ -31,7 +36,7 @@
         <a:cs typeface="+mn-cs"/>
       </a:defRPr>
     </a:lvl1pPr>
-    <a:lvl2pPr marL="457200" algn="l" defTabSz="914400" rtl="0" eaLnBrk="1" latinLnBrk="1" hangingPunct="1">
+    <a:lvl2pPr marL="457200" algn="l" defTabSz="457200" rtl="0" eaLnBrk="1" latinLnBrk="0" hangingPunct="1">
       <a:defRPr sz="1800" kern="1200">
         <a:solidFill>
           <a:schemeClr val="tx1"/>
@@ -41,7 +46,7 @@
         <a:cs typeface="+mn-cs"/>
       </a:defRPr>
     </a:lvl2pPr>
-    <a:lvl3pPr marL="914400" algn="l" defTabSz="914400" rtl="0" eaLnBrk="1" latinLnBrk="1" hangingPunct="1">
+    <a:lvl3pPr marL="914400" algn="l" defTabSz="457200" rtl="0" eaLnBrk="1" latinLnBrk="0" hangingPunct="1">
       <a:defRPr sz="1800" kern="1200">
         <a:solidFill>
           <a:schemeClr val="tx1"/>
@@ -51,7 +56,7 @@
         <a:cs typeface="+mn-cs"/>
       </a:defRPr>
     </a:lvl3pPr>
-    <a:lvl4pPr marL="1371600" algn="l" defTabSz="914400" rtl="0" eaLnBrk="1" latinLnBrk="1" hangingPunct="1">
+    <a:lvl4pPr marL="1371600" algn="l" defTabSz="457200" rtl="0" eaLnBrk="1" latinLnBrk="0" hangingPunct="1">
       <a:defRPr sz="1800" kern="1200">
         <a:solidFill>
           <a:schemeClr val="tx1"/>
@@ -61,7 +66,7 @@
         <a:cs typeface="+mn-cs"/>
       </a:defRPr>
     </a:lvl4pPr>
-    <a:lvl5pPr marL="1828800" algn="l" defTabSz="914400" rtl="0" eaLnBrk="1" latinLnBrk="1" hangingPunct="1">
+    <a:lvl5pPr marL="1828800" algn="l" defTabSz="457200" rtl="0" eaLnBrk="1" latinLnBrk="0" hangingPunct="1">
       <a:defRPr sz="1800" kern="1200">
         <a:solidFill>
           <a:schemeClr val="tx1"/>
@@ -71,7 +76,7 @@
         <a:cs typeface="+mn-cs"/>
       </a:defRPr>
     </a:lvl5pPr>
-    <a:lvl6pPr marL="2286000" algn="l" defTabSz="914400" rtl="0" eaLnBrk="1" latinLnBrk="1" hangingPunct="1">
+    <a:lvl6pPr marL="2286000" algn="l" defTabSz="457200" rtl="0" eaLnBrk="1" latinLnBrk="0" hangingPunct="1">
       <a:defRPr sz="1800" kern="1200">
         <a:solidFill>
           <a:schemeClr val="tx1"/>
@@ -81,7 +86,7 @@
         <a:cs typeface="+mn-cs"/>
       </a:defRPr>
     </a:lvl6pPr>
-    <a:lvl7pPr marL="2743200" algn="l" defTabSz="914400" rtl="0" eaLnBrk="1" latinLnBrk="1" hangingPunct="1">
+    <a:lvl7pPr marL="2743200" algn="l" defTabSz="457200" rtl="0" eaLnBrk="1" latinLnBrk="0" hangingPunct="1">
       <a:defRPr sz="1800" kern="1200">
         <a:solidFill>
           <a:schemeClr val="tx1"/>
@@ -91,7 +96,7 @@
         <a:cs typeface="+mn-cs"/>
       </a:defRPr>
     </a:lvl7pPr>
-    <a:lvl8pPr marL="3200400" algn="l" defTabSz="914400" rtl="0" eaLnBrk="1" latinLnBrk="1" hangingPunct="1">
+    <a:lvl8pPr marL="3200400" algn="l" defTabSz="457200" rtl="0" eaLnBrk="1" latinLnBrk="0" hangingPunct="1">
       <a:defRPr sz="1800" kern="1200">
         <a:solidFill>
           <a:schemeClr val="tx1"/>
@@ -101,7 +106,7 @@
         <a:cs typeface="+mn-cs"/>
       </a:defRPr>
     </a:lvl8pPr>
-    <a:lvl9pPr marL="3657600" algn="l" defTabSz="914400" rtl="0" eaLnBrk="1" latinLnBrk="1" hangingPunct="1">
+    <a:lvl9pPr marL="3657600" algn="l" defTabSz="457200" rtl="0" eaLnBrk="1" latinLnBrk="0" hangingPunct="1">
       <a:defRPr sz="1800" kern="1200">
         <a:solidFill>
           <a:schemeClr val="tx1"/>
@@ -139,13 +144,7 @@
       </p:grpSpPr>
       <p:sp>
         <p:nvSpPr>
-          <p:cNvPr id="2" name="제목 1">
-            <a:extLst>
-              <a:ext uri="{FF2B5EF4-FFF2-40B4-BE49-F238E27FC236}">
-                <a16:creationId xmlns:a16="http://schemas.microsoft.com/office/drawing/2014/main" id="{97030400-3420-4FFE-90E7-05BF804B2FF9}"/>
-              </a:ext>
-            </a:extLst>
-          </p:cNvPr>
+          <p:cNvPr id="2" name="Title 1"/>
           <p:cNvSpPr>
             <a:spLocks noGrp="1"/>
           </p:cNvSpPr>
@@ -155,15 +154,17 @@
         </p:nvSpPr>
         <p:spPr>
           <a:xfrm>
-            <a:off x="1524000" y="1122363"/>
-            <a:ext cx="9144000" cy="2387600"/>
-          </a:xfrm>
-        </p:spPr>
-        <p:txBody>
-          <a:bodyPr anchor="b"/>
+            <a:off x="2417779" y="802298"/>
+            <a:ext cx="8637073" cy="2541431"/>
+          </a:xfrm>
+        </p:spPr>
+        <p:txBody>
+          <a:bodyPr bIns="0" anchor="b">
+            <a:normAutofit/>
+          </a:bodyPr>
           <a:lstStyle>
-            <a:lvl1pPr algn="ctr">
-              <a:defRPr sz="6000"/>
+            <a:lvl1pPr algn="l">
+              <a:defRPr sz="6600"/>
             </a:lvl1pPr>
           </a:lstStyle>
           <a:p>
@@ -171,18 +172,13 @@
               <a:rPr lang="ko-KR" altLang="en-US"/>
               <a:t>마스터 제목 스타일 편집</a:t>
             </a:r>
-          </a:p>
-        </p:txBody>
-      </p:sp>
-      <p:sp>
-        <p:nvSpPr>
-          <p:cNvPr id="3" name="부제목 2">
-            <a:extLst>
-              <a:ext uri="{FF2B5EF4-FFF2-40B4-BE49-F238E27FC236}">
-                <a16:creationId xmlns:a16="http://schemas.microsoft.com/office/drawing/2014/main" id="{5293BBBC-3437-4F3A-91A3-3478439F2491}"/>
-              </a:ext>
-            </a:extLst>
-          </p:cNvPr>
+            <a:endParaRPr lang="en-US" dirty="0"/>
+          </a:p>
+        </p:txBody>
+      </p:sp>
+      <p:sp>
+        <p:nvSpPr>
+          <p:cNvPr id="3" name="Subtitle 2"/>
           <p:cNvSpPr>
             <a:spLocks noGrp="1"/>
           </p:cNvSpPr>
@@ -192,20 +188,26 @@
         </p:nvSpPr>
         <p:spPr>
           <a:xfrm>
-            <a:off x="1524000" y="3602038"/>
-            <a:ext cx="9144000" cy="1655762"/>
-          </a:xfrm>
-        </p:spPr>
-        <p:txBody>
-          <a:bodyPr/>
+            <a:off x="2417780" y="3531204"/>
+            <a:ext cx="8637072" cy="977621"/>
+          </a:xfrm>
+        </p:spPr>
+        <p:txBody>
+          <a:bodyPr tIns="91440" bIns="91440">
+            <a:normAutofit/>
+          </a:bodyPr>
           <a:lstStyle>
-            <a:lvl1pPr marL="0" indent="0" algn="ctr">
+            <a:lvl1pPr marL="0" indent="0" algn="l">
               <a:buNone/>
-              <a:defRPr sz="2400"/>
+              <a:defRPr sz="1800" b="0" cap="all" baseline="0">
+                <a:solidFill>
+                  <a:schemeClr val="tx1"/>
+                </a:solidFill>
+              </a:defRPr>
             </a:lvl1pPr>
             <a:lvl2pPr marL="457200" indent="0" algn="ctr">
               <a:buNone/>
-              <a:defRPr sz="2000"/>
+              <a:defRPr sz="1800"/>
             </a:lvl2pPr>
             <a:lvl3pPr marL="914400" indent="0" algn="ctr">
               <a:buNone/>
@@ -241,18 +243,13 @@
               <a:rPr lang="ko-KR" altLang="en-US"/>
               <a:t>클릭하여 마스터 부제목 스타일 편집</a:t>
             </a:r>
-          </a:p>
-        </p:txBody>
-      </p:sp>
-      <p:sp>
-        <p:nvSpPr>
-          <p:cNvPr id="4" name="날짜 개체 틀 3">
-            <a:extLst>
-              <a:ext uri="{FF2B5EF4-FFF2-40B4-BE49-F238E27FC236}">
-                <a16:creationId xmlns:a16="http://schemas.microsoft.com/office/drawing/2014/main" id="{75DA538B-62DB-42BE-AA09-04B7B05C33C8}"/>
-              </a:ext>
-            </a:extLst>
-          </p:cNvPr>
+            <a:endParaRPr lang="en-US" dirty="0"/>
+          </a:p>
+        </p:txBody>
+      </p:sp>
+      <p:sp>
+        <p:nvSpPr>
+          <p:cNvPr id="4" name="Date Placeholder 3"/>
           <p:cNvSpPr>
             <a:spLocks noGrp="1"/>
           </p:cNvSpPr>
@@ -275,13 +272,7 @@
       </p:sp>
       <p:sp>
         <p:nvSpPr>
-          <p:cNvPr id="5" name="바닥글 개체 틀 4">
-            <a:extLst>
-              <a:ext uri="{FF2B5EF4-FFF2-40B4-BE49-F238E27FC236}">
-                <a16:creationId xmlns:a16="http://schemas.microsoft.com/office/drawing/2014/main" id="{D2FA561A-CC8C-48DF-AB00-DF1F511A43B6}"/>
-              </a:ext>
-            </a:extLst>
-          </p:cNvPr>
+          <p:cNvPr id="5" name="Footer Placeholder 4"/>
           <p:cNvSpPr>
             <a:spLocks noGrp="1"/>
           </p:cNvSpPr>
@@ -289,7 +280,12 @@
             <p:ph type="ftr" sz="quarter" idx="11"/>
           </p:nvPr>
         </p:nvSpPr>
-        <p:spPr/>
+        <p:spPr>
+          <a:xfrm>
+            <a:off x="2416500" y="329307"/>
+            <a:ext cx="4973915" cy="309201"/>
+          </a:xfrm>
+        </p:spPr>
         <p:txBody>
           <a:bodyPr/>
           <a:lstStyle/>
@@ -300,13 +296,7 @@
       </p:sp>
       <p:sp>
         <p:nvSpPr>
-          <p:cNvPr id="6" name="슬라이드 번호 개체 틀 5">
-            <a:extLst>
-              <a:ext uri="{FF2B5EF4-FFF2-40B4-BE49-F238E27FC236}">
-                <a16:creationId xmlns:a16="http://schemas.microsoft.com/office/drawing/2014/main" id="{D8CC79A9-C4A8-4541-B0E1-DE415578AB13}"/>
-              </a:ext>
-            </a:extLst>
-          </p:cNvPr>
+          <p:cNvPr id="6" name="Slide Number Placeholder 5"/>
           <p:cNvSpPr>
             <a:spLocks noGrp="1"/>
           </p:cNvSpPr>
@@ -314,7 +304,12 @@
             <p:ph type="sldNum" sz="quarter" idx="12"/>
           </p:nvPr>
         </p:nvSpPr>
-        <p:spPr/>
+        <p:spPr>
+          <a:xfrm>
+            <a:off x="1437664" y="798973"/>
+            <a:ext cx="811019" cy="503578"/>
+          </a:xfrm>
+        </p:spPr>
         <p:txBody>
           <a:bodyPr/>
           <a:lstStyle/>
@@ -327,10 +322,41 @@
           </a:p>
         </p:txBody>
       </p:sp>
+      <p:cxnSp>
+        <p:nvCxnSpPr>
+          <p:cNvPr id="15" name="Straight Connector 14"/>
+          <p:cNvCxnSpPr/>
+          <p:nvPr/>
+        </p:nvCxnSpPr>
+        <p:spPr>
+          <a:xfrm>
+            <a:off x="2417780" y="3528542"/>
+            <a:ext cx="8637072" cy="0"/>
+          </a:xfrm>
+          <a:prstGeom prst="line">
+            <a:avLst/>
+          </a:prstGeom>
+          <a:ln w="31750"/>
+        </p:spPr>
+        <p:style>
+          <a:lnRef idx="3">
+            <a:schemeClr val="accent1"/>
+          </a:lnRef>
+          <a:fillRef idx="0">
+            <a:schemeClr val="accent1"/>
+          </a:fillRef>
+          <a:effectRef idx="2">
+            <a:schemeClr val="accent1"/>
+          </a:effectRef>
+          <a:fontRef idx="minor">
+            <a:schemeClr val="tx1"/>
+          </a:fontRef>
+        </p:style>
+      </p:cxnSp>
     </p:spTree>
     <p:extLst>
       <p:ext uri="{BB962C8B-B14F-4D97-AF65-F5344CB8AC3E}">
-        <p14:creationId xmlns:p14="http://schemas.microsoft.com/office/powerpoint/2010/main" val="2644933497"/>
+        <p14:creationId xmlns:p14="http://schemas.microsoft.com/office/powerpoint/2010/main" val="2483188553"/>
       </p:ext>
     </p:extLst>
   </p:cSld>
@@ -359,13 +385,7 @@
       </p:grpSpPr>
       <p:sp>
         <p:nvSpPr>
-          <p:cNvPr id="2" name="제목 1">
-            <a:extLst>
-              <a:ext uri="{FF2B5EF4-FFF2-40B4-BE49-F238E27FC236}">
-                <a16:creationId xmlns:a16="http://schemas.microsoft.com/office/drawing/2014/main" id="{2BC7633A-8130-4D36-B231-D054FDA9BB06}"/>
-              </a:ext>
-            </a:extLst>
-          </p:cNvPr>
+          <p:cNvPr id="2" name="Title 1"/>
           <p:cNvSpPr>
             <a:spLocks noGrp="1"/>
           </p:cNvSpPr>
@@ -382,18 +402,13 @@
               <a:rPr lang="ko-KR" altLang="en-US"/>
               <a:t>마스터 제목 스타일 편집</a:t>
             </a:r>
-          </a:p>
-        </p:txBody>
-      </p:sp>
-      <p:sp>
-        <p:nvSpPr>
-          <p:cNvPr id="3" name="세로 텍스트 개체 틀 2">
-            <a:extLst>
-              <a:ext uri="{FF2B5EF4-FFF2-40B4-BE49-F238E27FC236}">
-                <a16:creationId xmlns:a16="http://schemas.microsoft.com/office/drawing/2014/main" id="{17B25AA6-9000-454A-9A26-3BACBA4B5B23}"/>
-              </a:ext>
-            </a:extLst>
-          </p:cNvPr>
+            <a:endParaRPr lang="en-US" dirty="0"/>
+          </a:p>
+        </p:txBody>
+      </p:sp>
+      <p:sp>
+        <p:nvSpPr>
+          <p:cNvPr id="3" name="Vertical Text Placeholder 2"/>
           <p:cNvSpPr>
             <a:spLocks noGrp="1"/>
           </p:cNvSpPr>
@@ -439,18 +454,13 @@
               <a:rPr lang="ko-KR" altLang="en-US"/>
               <a:t>다섯 번째 수준</a:t>
             </a:r>
-          </a:p>
-        </p:txBody>
-      </p:sp>
-      <p:sp>
-        <p:nvSpPr>
-          <p:cNvPr id="4" name="날짜 개체 틀 3">
-            <a:extLst>
-              <a:ext uri="{FF2B5EF4-FFF2-40B4-BE49-F238E27FC236}">
-                <a16:creationId xmlns:a16="http://schemas.microsoft.com/office/drawing/2014/main" id="{C7C85D5C-D867-40A6-902C-6B4CD1C6EAC0}"/>
-              </a:ext>
-            </a:extLst>
-          </p:cNvPr>
+            <a:endParaRPr lang="en-US" dirty="0"/>
+          </a:p>
+        </p:txBody>
+      </p:sp>
+      <p:sp>
+        <p:nvSpPr>
+          <p:cNvPr id="4" name="Date Placeholder 3"/>
           <p:cNvSpPr>
             <a:spLocks noGrp="1"/>
           </p:cNvSpPr>
@@ -473,13 +483,7 @@
       </p:sp>
       <p:sp>
         <p:nvSpPr>
-          <p:cNvPr id="5" name="바닥글 개체 틀 4">
-            <a:extLst>
-              <a:ext uri="{FF2B5EF4-FFF2-40B4-BE49-F238E27FC236}">
-                <a16:creationId xmlns:a16="http://schemas.microsoft.com/office/drawing/2014/main" id="{CF6C9B2A-AB81-4F26-B6C8-14A48E88B1CD}"/>
-              </a:ext>
-            </a:extLst>
-          </p:cNvPr>
+          <p:cNvPr id="5" name="Footer Placeholder 4"/>
           <p:cNvSpPr>
             <a:spLocks noGrp="1"/>
           </p:cNvSpPr>
@@ -498,13 +502,7 @@
       </p:sp>
       <p:sp>
         <p:nvSpPr>
-          <p:cNvPr id="6" name="슬라이드 번호 개체 틀 5">
-            <a:extLst>
-              <a:ext uri="{FF2B5EF4-FFF2-40B4-BE49-F238E27FC236}">
-                <a16:creationId xmlns:a16="http://schemas.microsoft.com/office/drawing/2014/main" id="{5297C1D2-7052-4739-A66F-0F3ACC83CB9B}"/>
-              </a:ext>
-            </a:extLst>
-          </p:cNvPr>
+          <p:cNvPr id="6" name="Slide Number Placeholder 5"/>
           <p:cNvSpPr>
             <a:spLocks noGrp="1"/>
           </p:cNvSpPr>
@@ -525,10 +523,41 @@
           </a:p>
         </p:txBody>
       </p:sp>
+      <p:cxnSp>
+        <p:nvCxnSpPr>
+          <p:cNvPr id="26" name="Straight Connector 25"/>
+          <p:cNvCxnSpPr/>
+          <p:nvPr/>
+        </p:nvCxnSpPr>
+        <p:spPr>
+          <a:xfrm>
+            <a:off x="1453896" y="1847088"/>
+            <a:ext cx="9607522" cy="0"/>
+          </a:xfrm>
+          <a:prstGeom prst="line">
+            <a:avLst/>
+          </a:prstGeom>
+          <a:ln w="31750"/>
+        </p:spPr>
+        <p:style>
+          <a:lnRef idx="3">
+            <a:schemeClr val="accent1"/>
+          </a:lnRef>
+          <a:fillRef idx="0">
+            <a:schemeClr val="accent1"/>
+          </a:fillRef>
+          <a:effectRef idx="2">
+            <a:schemeClr val="accent1"/>
+          </a:effectRef>
+          <a:fontRef idx="minor">
+            <a:schemeClr val="tx1"/>
+          </a:fontRef>
+        </p:style>
+      </p:cxnSp>
     </p:spTree>
     <p:extLst>
       <p:ext uri="{BB962C8B-B14F-4D97-AF65-F5344CB8AC3E}">
-        <p14:creationId xmlns:p14="http://schemas.microsoft.com/office/powerpoint/2010/main" val="1970572291"/>
+        <p14:creationId xmlns:p14="http://schemas.microsoft.com/office/powerpoint/2010/main" val="3672819052"/>
       </p:ext>
     </p:extLst>
   </p:cSld>
@@ -557,13 +586,7 @@
       </p:grpSpPr>
       <p:sp>
         <p:nvSpPr>
-          <p:cNvPr id="2" name="세로 제목 1">
-            <a:extLst>
-              <a:ext uri="{FF2B5EF4-FFF2-40B4-BE49-F238E27FC236}">
-                <a16:creationId xmlns:a16="http://schemas.microsoft.com/office/drawing/2014/main" id="{A054B2F6-112B-4966-A0E6-F511896B2162}"/>
-              </a:ext>
-            </a:extLst>
-          </p:cNvPr>
+          <p:cNvPr id="2" name="Vertical Title 1"/>
           <p:cNvSpPr>
             <a:spLocks noGrp="1"/>
           </p:cNvSpPr>
@@ -573,30 +596,29 @@
         </p:nvSpPr>
         <p:spPr>
           <a:xfrm>
-            <a:off x="8724900" y="365125"/>
-            <a:ext cx="2628900" cy="5811838"/>
+            <a:off x="9439111" y="798973"/>
+            <a:ext cx="1615742" cy="4659889"/>
           </a:xfrm>
         </p:spPr>
         <p:txBody>
           <a:bodyPr vert="eaVert"/>
-          <a:lstStyle/>
+          <a:lstStyle>
+            <a:lvl1pPr algn="l">
+              <a:defRPr/>
+            </a:lvl1pPr>
+          </a:lstStyle>
           <a:p>
             <a:r>
               <a:rPr lang="ko-KR" altLang="en-US"/>
               <a:t>마스터 제목 스타일 편집</a:t>
             </a:r>
-          </a:p>
-        </p:txBody>
-      </p:sp>
-      <p:sp>
-        <p:nvSpPr>
-          <p:cNvPr id="3" name="세로 텍스트 개체 틀 2">
-            <a:extLst>
-              <a:ext uri="{FF2B5EF4-FFF2-40B4-BE49-F238E27FC236}">
-                <a16:creationId xmlns:a16="http://schemas.microsoft.com/office/drawing/2014/main" id="{5D1F5C87-9039-4478-BB9B-933D2F041010}"/>
-              </a:ext>
-            </a:extLst>
-          </p:cNvPr>
+            <a:endParaRPr lang="en-US" dirty="0"/>
+          </a:p>
+        </p:txBody>
+      </p:sp>
+      <p:sp>
+        <p:nvSpPr>
+          <p:cNvPr id="3" name="Vertical Text Placeholder 2"/>
           <p:cNvSpPr>
             <a:spLocks noGrp="1"/>
           </p:cNvSpPr>
@@ -606,8 +628,8 @@
         </p:nvSpPr>
         <p:spPr>
           <a:xfrm>
-            <a:off x="838200" y="365125"/>
-            <a:ext cx="7734300" cy="5811838"/>
+            <a:off x="1444672" y="798973"/>
+            <a:ext cx="7828830" cy="4659889"/>
           </a:xfrm>
         </p:spPr>
         <p:txBody>
@@ -647,18 +669,13 @@
               <a:rPr lang="ko-KR" altLang="en-US"/>
               <a:t>다섯 번째 수준</a:t>
             </a:r>
-          </a:p>
-        </p:txBody>
-      </p:sp>
-      <p:sp>
-        <p:nvSpPr>
-          <p:cNvPr id="4" name="날짜 개체 틀 3">
-            <a:extLst>
-              <a:ext uri="{FF2B5EF4-FFF2-40B4-BE49-F238E27FC236}">
-                <a16:creationId xmlns:a16="http://schemas.microsoft.com/office/drawing/2014/main" id="{CB435028-C3EE-460C-A91E-163B7B45F571}"/>
-              </a:ext>
-            </a:extLst>
-          </p:cNvPr>
+            <a:endParaRPr lang="en-US" dirty="0"/>
+          </a:p>
+        </p:txBody>
+      </p:sp>
+      <p:sp>
+        <p:nvSpPr>
+          <p:cNvPr id="4" name="Date Placeholder 3"/>
           <p:cNvSpPr>
             <a:spLocks noGrp="1"/>
           </p:cNvSpPr>
@@ -681,13 +698,7 @@
       </p:sp>
       <p:sp>
         <p:nvSpPr>
-          <p:cNvPr id="5" name="바닥글 개체 틀 4">
-            <a:extLst>
-              <a:ext uri="{FF2B5EF4-FFF2-40B4-BE49-F238E27FC236}">
-                <a16:creationId xmlns:a16="http://schemas.microsoft.com/office/drawing/2014/main" id="{8638725F-5C2A-438D-8BD6-1C503D7CFCAE}"/>
-              </a:ext>
-            </a:extLst>
-          </p:cNvPr>
+          <p:cNvPr id="5" name="Footer Placeholder 4"/>
           <p:cNvSpPr>
             <a:spLocks noGrp="1"/>
           </p:cNvSpPr>
@@ -706,13 +717,7 @@
       </p:sp>
       <p:sp>
         <p:nvSpPr>
-          <p:cNvPr id="6" name="슬라이드 번호 개체 틀 5">
-            <a:extLst>
-              <a:ext uri="{FF2B5EF4-FFF2-40B4-BE49-F238E27FC236}">
-                <a16:creationId xmlns:a16="http://schemas.microsoft.com/office/drawing/2014/main" id="{1814E2BC-765D-4749-8B40-9D3EB6C64535}"/>
-              </a:ext>
-            </a:extLst>
-          </p:cNvPr>
+          <p:cNvPr id="6" name="Slide Number Placeholder 5"/>
           <p:cNvSpPr>
             <a:spLocks noGrp="1"/>
           </p:cNvSpPr>
@@ -733,10 +738,41 @@
           </a:p>
         </p:txBody>
       </p:sp>
+      <p:cxnSp>
+        <p:nvCxnSpPr>
+          <p:cNvPr id="15" name="Straight Connector 14"/>
+          <p:cNvCxnSpPr/>
+          <p:nvPr/>
+        </p:nvCxnSpPr>
+        <p:spPr>
+          <a:xfrm>
+            <a:off x="9439111" y="798973"/>
+            <a:ext cx="0" cy="4659889"/>
+          </a:xfrm>
+          <a:prstGeom prst="line">
+            <a:avLst/>
+          </a:prstGeom>
+          <a:ln w="31750"/>
+        </p:spPr>
+        <p:style>
+          <a:lnRef idx="3">
+            <a:schemeClr val="accent1"/>
+          </a:lnRef>
+          <a:fillRef idx="0">
+            <a:schemeClr val="accent1"/>
+          </a:fillRef>
+          <a:effectRef idx="2">
+            <a:schemeClr val="accent1"/>
+          </a:effectRef>
+          <a:fontRef idx="minor">
+            <a:schemeClr val="tx1"/>
+          </a:fontRef>
+        </p:style>
+      </p:cxnSp>
     </p:spTree>
     <p:extLst>
       <p:ext uri="{BB962C8B-B14F-4D97-AF65-F5344CB8AC3E}">
-        <p14:creationId xmlns:p14="http://schemas.microsoft.com/office/powerpoint/2010/main" val="1753419247"/>
+        <p14:creationId xmlns:p14="http://schemas.microsoft.com/office/powerpoint/2010/main" val="1340178454"/>
       </p:ext>
     </p:extLst>
   </p:cSld>
@@ -765,13 +801,7 @@
       </p:grpSpPr>
       <p:sp>
         <p:nvSpPr>
-          <p:cNvPr id="2" name="제목 1">
-            <a:extLst>
-              <a:ext uri="{FF2B5EF4-FFF2-40B4-BE49-F238E27FC236}">
-                <a16:creationId xmlns:a16="http://schemas.microsoft.com/office/drawing/2014/main" id="{09E633C6-2309-4C44-8695-4B4AFB6CE122}"/>
-              </a:ext>
-            </a:extLst>
-          </p:cNvPr>
+          <p:cNvPr id="2" name="Title 1"/>
           <p:cNvSpPr>
             <a:spLocks noGrp="1"/>
           </p:cNvSpPr>
@@ -788,18 +818,13 @@
               <a:rPr lang="ko-KR" altLang="en-US"/>
               <a:t>마스터 제목 스타일 편집</a:t>
             </a:r>
-          </a:p>
-        </p:txBody>
-      </p:sp>
-      <p:sp>
-        <p:nvSpPr>
-          <p:cNvPr id="3" name="내용 개체 틀 2">
-            <a:extLst>
-              <a:ext uri="{FF2B5EF4-FFF2-40B4-BE49-F238E27FC236}">
-                <a16:creationId xmlns:a16="http://schemas.microsoft.com/office/drawing/2014/main" id="{A46BDA19-1206-4371-93A1-59F9C5A220A5}"/>
-              </a:ext>
-            </a:extLst>
-          </p:cNvPr>
+            <a:endParaRPr lang="en-US" dirty="0"/>
+          </a:p>
+        </p:txBody>
+      </p:sp>
+      <p:sp>
+        <p:nvSpPr>
+          <p:cNvPr id="3" name="Content Placeholder 2"/>
           <p:cNvSpPr>
             <a:spLocks noGrp="1"/>
           </p:cNvSpPr>
@@ -809,7 +834,7 @@
         </p:nvSpPr>
         <p:spPr/>
         <p:txBody>
-          <a:bodyPr/>
+          <a:bodyPr anchor="t"/>
           <a:lstStyle/>
           <a:p>
             <a:pPr lvl="0"/>
@@ -845,18 +870,13 @@
               <a:rPr lang="ko-KR" altLang="en-US"/>
               <a:t>다섯 번째 수준</a:t>
             </a:r>
-          </a:p>
-        </p:txBody>
-      </p:sp>
-      <p:sp>
-        <p:nvSpPr>
-          <p:cNvPr id="4" name="날짜 개체 틀 3">
-            <a:extLst>
-              <a:ext uri="{FF2B5EF4-FFF2-40B4-BE49-F238E27FC236}">
-                <a16:creationId xmlns:a16="http://schemas.microsoft.com/office/drawing/2014/main" id="{AA9B6496-8891-4BD9-A61B-0080CACB17AF}"/>
-              </a:ext>
-            </a:extLst>
-          </p:cNvPr>
+            <a:endParaRPr lang="en-US" dirty="0"/>
+          </a:p>
+        </p:txBody>
+      </p:sp>
+      <p:sp>
+        <p:nvSpPr>
+          <p:cNvPr id="4" name="Date Placeholder 3"/>
           <p:cNvSpPr>
             <a:spLocks noGrp="1"/>
           </p:cNvSpPr>
@@ -879,13 +899,7 @@
       </p:sp>
       <p:sp>
         <p:nvSpPr>
-          <p:cNvPr id="5" name="바닥글 개체 틀 4">
-            <a:extLst>
-              <a:ext uri="{FF2B5EF4-FFF2-40B4-BE49-F238E27FC236}">
-                <a16:creationId xmlns:a16="http://schemas.microsoft.com/office/drawing/2014/main" id="{C8F783EA-ECAF-466C-977F-0DAB3A6283B8}"/>
-              </a:ext>
-            </a:extLst>
-          </p:cNvPr>
+          <p:cNvPr id="5" name="Footer Placeholder 4"/>
           <p:cNvSpPr>
             <a:spLocks noGrp="1"/>
           </p:cNvSpPr>
@@ -904,13 +918,7 @@
       </p:sp>
       <p:sp>
         <p:nvSpPr>
-          <p:cNvPr id="6" name="슬라이드 번호 개체 틀 5">
-            <a:extLst>
-              <a:ext uri="{FF2B5EF4-FFF2-40B4-BE49-F238E27FC236}">
-                <a16:creationId xmlns:a16="http://schemas.microsoft.com/office/drawing/2014/main" id="{D3BACBC9-2F13-4A3D-B1F3-4C25369D078C}"/>
-              </a:ext>
-            </a:extLst>
-          </p:cNvPr>
+          <p:cNvPr id="6" name="Slide Number Placeholder 5"/>
           <p:cNvSpPr>
             <a:spLocks noGrp="1"/>
           </p:cNvSpPr>
@@ -931,10 +939,41 @@
           </a:p>
         </p:txBody>
       </p:sp>
+      <p:cxnSp>
+        <p:nvCxnSpPr>
+          <p:cNvPr id="33" name="Straight Connector 32"/>
+          <p:cNvCxnSpPr/>
+          <p:nvPr/>
+        </p:nvCxnSpPr>
+        <p:spPr>
+          <a:xfrm>
+            <a:off x="1453896" y="1847088"/>
+            <a:ext cx="9607522" cy="0"/>
+          </a:xfrm>
+          <a:prstGeom prst="line">
+            <a:avLst/>
+          </a:prstGeom>
+          <a:ln w="31750"/>
+        </p:spPr>
+        <p:style>
+          <a:lnRef idx="3">
+            <a:schemeClr val="accent1"/>
+          </a:lnRef>
+          <a:fillRef idx="0">
+            <a:schemeClr val="accent1"/>
+          </a:fillRef>
+          <a:effectRef idx="2">
+            <a:schemeClr val="accent1"/>
+          </a:effectRef>
+          <a:fontRef idx="minor">
+            <a:schemeClr val="tx1"/>
+          </a:fontRef>
+        </p:style>
+      </p:cxnSp>
     </p:spTree>
     <p:extLst>
       <p:ext uri="{BB962C8B-B14F-4D97-AF65-F5344CB8AC3E}">
-        <p14:creationId xmlns:p14="http://schemas.microsoft.com/office/powerpoint/2010/main" val="4011984726"/>
+        <p14:creationId xmlns:p14="http://schemas.microsoft.com/office/powerpoint/2010/main" val="65119"/>
       </p:ext>
     </p:extLst>
   </p:cSld>
@@ -963,13 +1002,7 @@
       </p:grpSpPr>
       <p:sp>
         <p:nvSpPr>
-          <p:cNvPr id="2" name="제목 1">
-            <a:extLst>
-              <a:ext uri="{FF2B5EF4-FFF2-40B4-BE49-F238E27FC236}">
-                <a16:creationId xmlns:a16="http://schemas.microsoft.com/office/drawing/2014/main" id="{C2FADBCC-8A96-4AC3-A5AF-D6EBD056B5C1}"/>
-              </a:ext>
-            </a:extLst>
-          </p:cNvPr>
+          <p:cNvPr id="2" name="Title 1"/>
           <p:cNvSpPr>
             <a:spLocks noGrp="1"/>
           </p:cNvSpPr>
@@ -979,15 +1012,17 @@
         </p:nvSpPr>
         <p:spPr>
           <a:xfrm>
-            <a:off x="831850" y="1709738"/>
-            <a:ext cx="10515600" cy="2852737"/>
-          </a:xfrm>
-        </p:spPr>
-        <p:txBody>
-          <a:bodyPr anchor="b"/>
+            <a:off x="1454239" y="1756130"/>
+            <a:ext cx="8643154" cy="1887950"/>
+          </a:xfrm>
+        </p:spPr>
+        <p:txBody>
+          <a:bodyPr anchor="b">
+            <a:normAutofit/>
+          </a:bodyPr>
           <a:lstStyle>
-            <a:lvl1pPr>
-              <a:defRPr sz="6000"/>
+            <a:lvl1pPr algn="l">
+              <a:defRPr sz="3600"/>
             </a:lvl1pPr>
           </a:lstStyle>
           <a:p>
@@ -995,18 +1030,13 @@
               <a:rPr lang="ko-KR" altLang="en-US"/>
               <a:t>마스터 제목 스타일 편집</a:t>
             </a:r>
-          </a:p>
-        </p:txBody>
-      </p:sp>
-      <p:sp>
-        <p:nvSpPr>
-          <p:cNvPr id="3" name="텍스트 개체 틀 2">
-            <a:extLst>
-              <a:ext uri="{FF2B5EF4-FFF2-40B4-BE49-F238E27FC236}">
-                <a16:creationId xmlns:a16="http://schemas.microsoft.com/office/drawing/2014/main" id="{7D544239-13B1-4505-9ACB-35F0CFE4B1E2}"/>
-              </a:ext>
-            </a:extLst>
-          </p:cNvPr>
+            <a:endParaRPr lang="en-US" dirty="0"/>
+          </a:p>
+        </p:txBody>
+      </p:sp>
+      <p:sp>
+        <p:nvSpPr>
+          <p:cNvPr id="3" name="Text Placeholder 2"/>
           <p:cNvSpPr>
             <a:spLocks noGrp="1"/>
           </p:cNvSpPr>
@@ -1016,26 +1046,26 @@
         </p:nvSpPr>
         <p:spPr>
           <a:xfrm>
-            <a:off x="831850" y="4589463"/>
-            <a:ext cx="10515600" cy="1500187"/>
-          </a:xfrm>
-        </p:spPr>
-        <p:txBody>
-          <a:bodyPr/>
+            <a:off x="1454239" y="3806195"/>
+            <a:ext cx="8630446" cy="1012929"/>
+          </a:xfrm>
+        </p:spPr>
+        <p:txBody>
+          <a:bodyPr tIns="91440">
+            <a:normAutofit/>
+          </a:bodyPr>
           <a:lstStyle>
-            <a:lvl1pPr marL="0" indent="0">
+            <a:lvl1pPr marL="0" indent="0" algn="l">
               <a:buNone/>
-              <a:defRPr sz="2400">
+              <a:defRPr sz="1800">
                 <a:solidFill>
-                  <a:schemeClr val="tx1">
-                    <a:tint val="75000"/>
-                  </a:schemeClr>
+                  <a:schemeClr val="tx1"/>
                 </a:solidFill>
               </a:defRPr>
             </a:lvl1pPr>
             <a:lvl2pPr marL="457200" indent="0">
               <a:buNone/>
-              <a:defRPr sz="2000">
+              <a:defRPr sz="1800">
                 <a:solidFill>
                   <a:schemeClr val="tx1">
                     <a:tint val="75000"/>
@@ -1125,13 +1155,7 @@
       </p:sp>
       <p:sp>
         <p:nvSpPr>
-          <p:cNvPr id="4" name="날짜 개체 틀 3">
-            <a:extLst>
-              <a:ext uri="{FF2B5EF4-FFF2-40B4-BE49-F238E27FC236}">
-                <a16:creationId xmlns:a16="http://schemas.microsoft.com/office/drawing/2014/main" id="{03C031D7-9D87-4EE4-86AC-32EB9C6CFC2D}"/>
-              </a:ext>
-            </a:extLst>
-          </p:cNvPr>
+          <p:cNvPr id="4" name="Date Placeholder 3"/>
           <p:cNvSpPr>
             <a:spLocks noGrp="1"/>
           </p:cNvSpPr>
@@ -1154,13 +1178,7 @@
       </p:sp>
       <p:sp>
         <p:nvSpPr>
-          <p:cNvPr id="5" name="바닥글 개체 틀 4">
-            <a:extLst>
-              <a:ext uri="{FF2B5EF4-FFF2-40B4-BE49-F238E27FC236}">
-                <a16:creationId xmlns:a16="http://schemas.microsoft.com/office/drawing/2014/main" id="{EBAA4509-D698-401A-A465-458F0F6BF627}"/>
-              </a:ext>
-            </a:extLst>
-          </p:cNvPr>
+          <p:cNvPr id="5" name="Footer Placeholder 4"/>
           <p:cNvSpPr>
             <a:spLocks noGrp="1"/>
           </p:cNvSpPr>
@@ -1179,13 +1197,7 @@
       </p:sp>
       <p:sp>
         <p:nvSpPr>
-          <p:cNvPr id="6" name="슬라이드 번호 개체 틀 5">
-            <a:extLst>
-              <a:ext uri="{FF2B5EF4-FFF2-40B4-BE49-F238E27FC236}">
-                <a16:creationId xmlns:a16="http://schemas.microsoft.com/office/drawing/2014/main" id="{D62E70F4-FE2C-43E8-B102-A881F6793EAC}"/>
-              </a:ext>
-            </a:extLst>
-          </p:cNvPr>
+          <p:cNvPr id="6" name="Slide Number Placeholder 5"/>
           <p:cNvSpPr>
             <a:spLocks noGrp="1"/>
           </p:cNvSpPr>
@@ -1206,10 +1218,41 @@
           </a:p>
         </p:txBody>
       </p:sp>
+      <p:cxnSp>
+        <p:nvCxnSpPr>
+          <p:cNvPr id="15" name="Straight Connector 14"/>
+          <p:cNvCxnSpPr/>
+          <p:nvPr/>
+        </p:nvCxnSpPr>
+        <p:spPr>
+          <a:xfrm>
+            <a:off x="1454239" y="3804985"/>
+            <a:ext cx="8630446" cy="0"/>
+          </a:xfrm>
+          <a:prstGeom prst="line">
+            <a:avLst/>
+          </a:prstGeom>
+          <a:ln w="31750"/>
+        </p:spPr>
+        <p:style>
+          <a:lnRef idx="3">
+            <a:schemeClr val="accent1"/>
+          </a:lnRef>
+          <a:fillRef idx="0">
+            <a:schemeClr val="accent1"/>
+          </a:fillRef>
+          <a:effectRef idx="2">
+            <a:schemeClr val="accent1"/>
+          </a:effectRef>
+          <a:fontRef idx="minor">
+            <a:schemeClr val="tx1"/>
+          </a:fontRef>
+        </p:style>
+      </p:cxnSp>
     </p:spTree>
     <p:extLst>
       <p:ext uri="{BB962C8B-B14F-4D97-AF65-F5344CB8AC3E}">
-        <p14:creationId xmlns:p14="http://schemas.microsoft.com/office/powerpoint/2010/main" val="2844160409"/>
+        <p14:creationId xmlns:p14="http://schemas.microsoft.com/office/powerpoint/2010/main" val="1464415887"/>
       </p:ext>
     </p:extLst>
   </p:cSld>
@@ -1238,13 +1281,7 @@
       </p:grpSpPr>
       <p:sp>
         <p:nvSpPr>
-          <p:cNvPr id="2" name="제목 1">
-            <a:extLst>
-              <a:ext uri="{FF2B5EF4-FFF2-40B4-BE49-F238E27FC236}">
-                <a16:creationId xmlns:a16="http://schemas.microsoft.com/office/drawing/2014/main" id="{28297720-5DAC-4EBB-82F8-E30FDE6D6540}"/>
-              </a:ext>
-            </a:extLst>
-          </p:cNvPr>
+          <p:cNvPr id="2" name="Title 1"/>
           <p:cNvSpPr>
             <a:spLocks noGrp="1"/>
           </p:cNvSpPr>
@@ -1252,7 +1289,12 @@
             <p:ph type="title"/>
           </p:nvPr>
         </p:nvSpPr>
-        <p:spPr/>
+        <p:spPr>
+          <a:xfrm>
+            <a:off x="1449217" y="804889"/>
+            <a:ext cx="9605635" cy="1059305"/>
+          </a:xfrm>
+        </p:spPr>
         <p:txBody>
           <a:bodyPr/>
           <a:lstStyle/>
@@ -1261,18 +1303,13 @@
               <a:rPr lang="ko-KR" altLang="en-US"/>
               <a:t>마스터 제목 스타일 편집</a:t>
             </a:r>
-          </a:p>
-        </p:txBody>
-      </p:sp>
-      <p:sp>
-        <p:nvSpPr>
-          <p:cNvPr id="3" name="내용 개체 틀 2">
-            <a:extLst>
-              <a:ext uri="{FF2B5EF4-FFF2-40B4-BE49-F238E27FC236}">
-                <a16:creationId xmlns:a16="http://schemas.microsoft.com/office/drawing/2014/main" id="{46883226-AB1B-4561-B446-86FCBC2DD654}"/>
-              </a:ext>
-            </a:extLst>
-          </p:cNvPr>
+            <a:endParaRPr lang="en-US" dirty="0"/>
+          </a:p>
+        </p:txBody>
+      </p:sp>
+      <p:sp>
+        <p:nvSpPr>
+          <p:cNvPr id="3" name="Content Placeholder 2"/>
           <p:cNvSpPr>
             <a:spLocks noGrp="1"/>
           </p:cNvSpPr>
@@ -1282,8 +1319,8 @@
         </p:nvSpPr>
         <p:spPr>
           <a:xfrm>
-            <a:off x="838200" y="1825625"/>
-            <a:ext cx="5181600" cy="4351338"/>
+            <a:off x="1447331" y="2010878"/>
+            <a:ext cx="4645152" cy="3448595"/>
           </a:xfrm>
         </p:spPr>
         <p:txBody>
@@ -1323,18 +1360,13 @@
               <a:rPr lang="ko-KR" altLang="en-US"/>
               <a:t>다섯 번째 수준</a:t>
             </a:r>
-          </a:p>
-        </p:txBody>
-      </p:sp>
-      <p:sp>
-        <p:nvSpPr>
-          <p:cNvPr id="4" name="내용 개체 틀 3">
-            <a:extLst>
-              <a:ext uri="{FF2B5EF4-FFF2-40B4-BE49-F238E27FC236}">
-                <a16:creationId xmlns:a16="http://schemas.microsoft.com/office/drawing/2014/main" id="{7F0038BA-A151-4641-A706-08A3F36C0129}"/>
-              </a:ext>
-            </a:extLst>
-          </p:cNvPr>
+            <a:endParaRPr lang="en-US" dirty="0"/>
+          </a:p>
+        </p:txBody>
+      </p:sp>
+      <p:sp>
+        <p:nvSpPr>
+          <p:cNvPr id="4" name="Content Placeholder 3"/>
           <p:cNvSpPr>
             <a:spLocks noGrp="1"/>
           </p:cNvSpPr>
@@ -1344,8 +1376,8 @@
         </p:nvSpPr>
         <p:spPr>
           <a:xfrm>
-            <a:off x="6172200" y="1825625"/>
-            <a:ext cx="5181600" cy="4351338"/>
+            <a:off x="6413771" y="2017343"/>
+            <a:ext cx="4645152" cy="3441520"/>
           </a:xfrm>
         </p:spPr>
         <p:txBody>
@@ -1385,18 +1417,13 @@
               <a:rPr lang="ko-KR" altLang="en-US"/>
               <a:t>다섯 번째 수준</a:t>
             </a:r>
-          </a:p>
-        </p:txBody>
-      </p:sp>
-      <p:sp>
-        <p:nvSpPr>
-          <p:cNvPr id="5" name="날짜 개체 틀 4">
-            <a:extLst>
-              <a:ext uri="{FF2B5EF4-FFF2-40B4-BE49-F238E27FC236}">
-                <a16:creationId xmlns:a16="http://schemas.microsoft.com/office/drawing/2014/main" id="{A1AAE610-C36E-4BAB-B2DE-E34712D2B2A0}"/>
-              </a:ext>
-            </a:extLst>
-          </p:cNvPr>
+            <a:endParaRPr lang="en-US" dirty="0"/>
+          </a:p>
+        </p:txBody>
+      </p:sp>
+      <p:sp>
+        <p:nvSpPr>
+          <p:cNvPr id="5" name="Date Placeholder 4"/>
           <p:cNvSpPr>
             <a:spLocks noGrp="1"/>
           </p:cNvSpPr>
@@ -1419,13 +1446,7 @@
       </p:sp>
       <p:sp>
         <p:nvSpPr>
-          <p:cNvPr id="6" name="바닥글 개체 틀 5">
-            <a:extLst>
-              <a:ext uri="{FF2B5EF4-FFF2-40B4-BE49-F238E27FC236}">
-                <a16:creationId xmlns:a16="http://schemas.microsoft.com/office/drawing/2014/main" id="{42B0C774-CA5E-4A35-ACE2-CE4834B58817}"/>
-              </a:ext>
-            </a:extLst>
-          </p:cNvPr>
+          <p:cNvPr id="6" name="Footer Placeholder 5"/>
           <p:cNvSpPr>
             <a:spLocks noGrp="1"/>
           </p:cNvSpPr>
@@ -1444,13 +1465,7 @@
       </p:sp>
       <p:sp>
         <p:nvSpPr>
-          <p:cNvPr id="7" name="슬라이드 번호 개체 틀 6">
-            <a:extLst>
-              <a:ext uri="{FF2B5EF4-FFF2-40B4-BE49-F238E27FC236}">
-                <a16:creationId xmlns:a16="http://schemas.microsoft.com/office/drawing/2014/main" id="{569CCDAB-4449-4761-B92D-DADEAB9CFEF7}"/>
-              </a:ext>
-            </a:extLst>
-          </p:cNvPr>
+          <p:cNvPr id="7" name="Slide Number Placeholder 6"/>
           <p:cNvSpPr>
             <a:spLocks noGrp="1"/>
           </p:cNvSpPr>
@@ -1471,10 +1486,41 @@
           </a:p>
         </p:txBody>
       </p:sp>
+      <p:cxnSp>
+        <p:nvCxnSpPr>
+          <p:cNvPr id="35" name="Straight Connector 34"/>
+          <p:cNvCxnSpPr/>
+          <p:nvPr/>
+        </p:nvCxnSpPr>
+        <p:spPr>
+          <a:xfrm>
+            <a:off x="1453896" y="1847088"/>
+            <a:ext cx="9607522" cy="0"/>
+          </a:xfrm>
+          <a:prstGeom prst="line">
+            <a:avLst/>
+          </a:prstGeom>
+          <a:ln w="31750"/>
+        </p:spPr>
+        <p:style>
+          <a:lnRef idx="3">
+            <a:schemeClr val="accent1"/>
+          </a:lnRef>
+          <a:fillRef idx="0">
+            <a:schemeClr val="accent1"/>
+          </a:fillRef>
+          <a:effectRef idx="2">
+            <a:schemeClr val="accent1"/>
+          </a:effectRef>
+          <a:fontRef idx="minor">
+            <a:schemeClr val="tx1"/>
+          </a:fontRef>
+        </p:style>
+      </p:cxnSp>
     </p:spTree>
     <p:extLst>
       <p:ext uri="{BB962C8B-B14F-4D97-AF65-F5344CB8AC3E}">
-        <p14:creationId xmlns:p14="http://schemas.microsoft.com/office/powerpoint/2010/main" val="3665941462"/>
+        <p14:creationId xmlns:p14="http://schemas.microsoft.com/office/powerpoint/2010/main" val="3867008094"/>
       </p:ext>
     </p:extLst>
   </p:cSld>
@@ -1503,13 +1549,7 @@
       </p:grpSpPr>
       <p:sp>
         <p:nvSpPr>
-          <p:cNvPr id="2" name="제목 1">
-            <a:extLst>
-              <a:ext uri="{FF2B5EF4-FFF2-40B4-BE49-F238E27FC236}">
-                <a16:creationId xmlns:a16="http://schemas.microsoft.com/office/drawing/2014/main" id="{B9DCB75D-C13F-47C9-93E6-EDFCEF7FA4D5}"/>
-              </a:ext>
-            </a:extLst>
-          </p:cNvPr>
+          <p:cNvPr id="2" name="Title 1"/>
           <p:cNvSpPr>
             <a:spLocks noGrp="1"/>
           </p:cNvSpPr>
@@ -1519,8 +1559,8 @@
         </p:nvSpPr>
         <p:spPr>
           <a:xfrm>
-            <a:off x="839788" y="365125"/>
-            <a:ext cx="10515600" cy="1325563"/>
+            <a:off x="1447191" y="804163"/>
+            <a:ext cx="9607661" cy="1056319"/>
           </a:xfrm>
         </p:spPr>
         <p:txBody>
@@ -1531,18 +1571,13 @@
               <a:rPr lang="ko-KR" altLang="en-US"/>
               <a:t>마스터 제목 스타일 편집</a:t>
             </a:r>
-          </a:p>
-        </p:txBody>
-      </p:sp>
-      <p:sp>
-        <p:nvSpPr>
-          <p:cNvPr id="3" name="텍스트 개체 틀 2">
-            <a:extLst>
-              <a:ext uri="{FF2B5EF4-FFF2-40B4-BE49-F238E27FC236}">
-                <a16:creationId xmlns:a16="http://schemas.microsoft.com/office/drawing/2014/main" id="{D2F2DFC8-27D4-4525-9D15-67B18F0FE336}"/>
-              </a:ext>
-            </a:extLst>
-          </p:cNvPr>
+            <a:endParaRPr lang="en-US" dirty="0"/>
+          </a:p>
+        </p:txBody>
+      </p:sp>
+      <p:sp>
+        <p:nvSpPr>
+          <p:cNvPr id="3" name="Text Placeholder 2"/>
           <p:cNvSpPr>
             <a:spLocks noGrp="1"/>
           </p:cNvSpPr>
@@ -1552,16 +1587,25 @@
         </p:nvSpPr>
         <p:spPr>
           <a:xfrm>
-            <a:off x="839788" y="1681163"/>
-            <a:ext cx="5157787" cy="823912"/>
-          </a:xfrm>
-        </p:spPr>
-        <p:txBody>
-          <a:bodyPr anchor="b"/>
+            <a:off x="1447191" y="2019549"/>
+            <a:ext cx="4645152" cy="801943"/>
+          </a:xfrm>
+        </p:spPr>
+        <p:txBody>
+          <a:bodyPr anchor="b">
+            <a:normAutofit/>
+          </a:bodyPr>
           <a:lstStyle>
             <a:lvl1pPr marL="0" indent="0">
+              <a:lnSpc>
+                <a:spcPct val="100000"/>
+              </a:lnSpc>
               <a:buNone/>
-              <a:defRPr sz="2400" b="1"/>
+              <a:defRPr sz="2200" b="0" cap="all" baseline="0">
+                <a:solidFill>
+                  <a:schemeClr val="accent1"/>
+                </a:solidFill>
+              </a:defRPr>
             </a:lvl1pPr>
             <a:lvl2pPr marL="457200" indent="0">
               <a:buNone/>
@@ -1607,13 +1651,7 @@
       </p:sp>
       <p:sp>
         <p:nvSpPr>
-          <p:cNvPr id="4" name="내용 개체 틀 3">
-            <a:extLst>
-              <a:ext uri="{FF2B5EF4-FFF2-40B4-BE49-F238E27FC236}">
-                <a16:creationId xmlns:a16="http://schemas.microsoft.com/office/drawing/2014/main" id="{60AAD336-3E28-4D79-ACB2-ECA0265A6514}"/>
-              </a:ext>
-            </a:extLst>
-          </p:cNvPr>
+          <p:cNvPr id="4" name="Content Placeholder 3"/>
           <p:cNvSpPr>
             <a:spLocks noGrp="1"/>
           </p:cNvSpPr>
@@ -1623,8 +1661,8 @@
         </p:nvSpPr>
         <p:spPr>
           <a:xfrm>
-            <a:off x="839788" y="2505075"/>
-            <a:ext cx="5157787" cy="3684588"/>
+            <a:off x="1447191" y="2824269"/>
+            <a:ext cx="4645152" cy="2644457"/>
           </a:xfrm>
         </p:spPr>
         <p:txBody>
@@ -1664,18 +1702,13 @@
               <a:rPr lang="ko-KR" altLang="en-US"/>
               <a:t>다섯 번째 수준</a:t>
             </a:r>
-          </a:p>
-        </p:txBody>
-      </p:sp>
-      <p:sp>
-        <p:nvSpPr>
-          <p:cNvPr id="5" name="텍스트 개체 틀 4">
-            <a:extLst>
-              <a:ext uri="{FF2B5EF4-FFF2-40B4-BE49-F238E27FC236}">
-                <a16:creationId xmlns:a16="http://schemas.microsoft.com/office/drawing/2014/main" id="{C708493C-5518-4ACA-B8B9-7CF7E69845FF}"/>
-              </a:ext>
-            </a:extLst>
-          </p:cNvPr>
+            <a:endParaRPr lang="en-US" dirty="0"/>
+          </a:p>
+        </p:txBody>
+      </p:sp>
+      <p:sp>
+        <p:nvSpPr>
+          <p:cNvPr id="5" name="Text Placeholder 4"/>
           <p:cNvSpPr>
             <a:spLocks noGrp="1"/>
           </p:cNvSpPr>
@@ -1685,16 +1718,25 @@
         </p:nvSpPr>
         <p:spPr>
           <a:xfrm>
-            <a:off x="6172200" y="1681163"/>
-            <a:ext cx="5183188" cy="823912"/>
-          </a:xfrm>
-        </p:spPr>
-        <p:txBody>
-          <a:bodyPr anchor="b"/>
+            <a:off x="6412362" y="2023003"/>
+            <a:ext cx="4645152" cy="802237"/>
+          </a:xfrm>
+        </p:spPr>
+        <p:txBody>
+          <a:bodyPr anchor="b">
+            <a:normAutofit/>
+          </a:bodyPr>
           <a:lstStyle>
             <a:lvl1pPr marL="0" indent="0">
+              <a:lnSpc>
+                <a:spcPct val="100000"/>
+              </a:lnSpc>
               <a:buNone/>
-              <a:defRPr sz="2400" b="1"/>
+              <a:defRPr sz="2200" b="0" cap="all" baseline="0">
+                <a:solidFill>
+                  <a:schemeClr val="accent1"/>
+                </a:solidFill>
+              </a:defRPr>
             </a:lvl1pPr>
             <a:lvl2pPr marL="457200" indent="0">
               <a:buNone/>
@@ -1740,13 +1782,7 @@
       </p:sp>
       <p:sp>
         <p:nvSpPr>
-          <p:cNvPr id="6" name="내용 개체 틀 5">
-            <a:extLst>
-              <a:ext uri="{FF2B5EF4-FFF2-40B4-BE49-F238E27FC236}">
-                <a16:creationId xmlns:a16="http://schemas.microsoft.com/office/drawing/2014/main" id="{36CCC508-DCE8-4F74-BA80-FFC3E766BA12}"/>
-              </a:ext>
-            </a:extLst>
-          </p:cNvPr>
+          <p:cNvPr id="6" name="Content Placeholder 5"/>
           <p:cNvSpPr>
             <a:spLocks noGrp="1"/>
           </p:cNvSpPr>
@@ -1756,8 +1792,8 @@
         </p:nvSpPr>
         <p:spPr>
           <a:xfrm>
-            <a:off x="6172200" y="2505075"/>
-            <a:ext cx="5183188" cy="3684588"/>
+            <a:off x="6412362" y="2821491"/>
+            <a:ext cx="4645152" cy="2637371"/>
           </a:xfrm>
         </p:spPr>
         <p:txBody>
@@ -1797,18 +1833,13 @@
               <a:rPr lang="ko-KR" altLang="en-US"/>
               <a:t>다섯 번째 수준</a:t>
             </a:r>
-          </a:p>
-        </p:txBody>
-      </p:sp>
-      <p:sp>
-        <p:nvSpPr>
-          <p:cNvPr id="7" name="날짜 개체 틀 6">
-            <a:extLst>
-              <a:ext uri="{FF2B5EF4-FFF2-40B4-BE49-F238E27FC236}">
-                <a16:creationId xmlns:a16="http://schemas.microsoft.com/office/drawing/2014/main" id="{DA8C2F75-2B16-489A-AB58-6A29C15DE0F3}"/>
-              </a:ext>
-            </a:extLst>
-          </p:cNvPr>
+            <a:endParaRPr lang="en-US" dirty="0"/>
+          </a:p>
+        </p:txBody>
+      </p:sp>
+      <p:sp>
+        <p:nvSpPr>
+          <p:cNvPr id="7" name="Date Placeholder 6"/>
           <p:cNvSpPr>
             <a:spLocks noGrp="1"/>
           </p:cNvSpPr>
@@ -1831,13 +1862,7 @@
       </p:sp>
       <p:sp>
         <p:nvSpPr>
-          <p:cNvPr id="8" name="바닥글 개체 틀 7">
-            <a:extLst>
-              <a:ext uri="{FF2B5EF4-FFF2-40B4-BE49-F238E27FC236}">
-                <a16:creationId xmlns:a16="http://schemas.microsoft.com/office/drawing/2014/main" id="{1DFA0048-D9A1-4B38-8306-6CA1419AA386}"/>
-              </a:ext>
-            </a:extLst>
-          </p:cNvPr>
+          <p:cNvPr id="8" name="Footer Placeholder 7"/>
           <p:cNvSpPr>
             <a:spLocks noGrp="1"/>
           </p:cNvSpPr>
@@ -1856,13 +1881,7 @@
       </p:sp>
       <p:sp>
         <p:nvSpPr>
-          <p:cNvPr id="9" name="슬라이드 번호 개체 틀 8">
-            <a:extLst>
-              <a:ext uri="{FF2B5EF4-FFF2-40B4-BE49-F238E27FC236}">
-                <a16:creationId xmlns:a16="http://schemas.microsoft.com/office/drawing/2014/main" id="{08D4A569-ADC4-46FF-80B9-B850730C4A17}"/>
-              </a:ext>
-            </a:extLst>
-          </p:cNvPr>
+          <p:cNvPr id="9" name="Slide Number Placeholder 8"/>
           <p:cNvSpPr>
             <a:spLocks noGrp="1"/>
           </p:cNvSpPr>
@@ -1883,10 +1902,41 @@
           </a:p>
         </p:txBody>
       </p:sp>
+      <p:cxnSp>
+        <p:nvCxnSpPr>
+          <p:cNvPr id="29" name="Straight Connector 28"/>
+          <p:cNvCxnSpPr/>
+          <p:nvPr/>
+        </p:nvCxnSpPr>
+        <p:spPr>
+          <a:xfrm>
+            <a:off x="1453896" y="1847088"/>
+            <a:ext cx="9607522" cy="0"/>
+          </a:xfrm>
+          <a:prstGeom prst="line">
+            <a:avLst/>
+          </a:prstGeom>
+          <a:ln w="31750"/>
+        </p:spPr>
+        <p:style>
+          <a:lnRef idx="3">
+            <a:schemeClr val="accent1"/>
+          </a:lnRef>
+          <a:fillRef idx="0">
+            <a:schemeClr val="accent1"/>
+          </a:fillRef>
+          <a:effectRef idx="2">
+            <a:schemeClr val="accent1"/>
+          </a:effectRef>
+          <a:fontRef idx="minor">
+            <a:schemeClr val="tx1"/>
+          </a:fontRef>
+        </p:style>
+      </p:cxnSp>
     </p:spTree>
     <p:extLst>
       <p:ext uri="{BB962C8B-B14F-4D97-AF65-F5344CB8AC3E}">
-        <p14:creationId xmlns:p14="http://schemas.microsoft.com/office/powerpoint/2010/main" val="3771246537"/>
+        <p14:creationId xmlns:p14="http://schemas.microsoft.com/office/powerpoint/2010/main" val="4264548846"/>
       </p:ext>
     </p:extLst>
   </p:cSld>
@@ -1915,13 +1965,7 @@
       </p:grpSpPr>
       <p:sp>
         <p:nvSpPr>
-          <p:cNvPr id="2" name="제목 1">
-            <a:extLst>
-              <a:ext uri="{FF2B5EF4-FFF2-40B4-BE49-F238E27FC236}">
-                <a16:creationId xmlns:a16="http://schemas.microsoft.com/office/drawing/2014/main" id="{87C2E280-CDD9-4107-9E17-2B383E4A7890}"/>
-              </a:ext>
-            </a:extLst>
-          </p:cNvPr>
+          <p:cNvPr id="2" name="Title 1"/>
           <p:cNvSpPr>
             <a:spLocks noGrp="1"/>
           </p:cNvSpPr>
@@ -1938,18 +1982,13 @@
               <a:rPr lang="ko-KR" altLang="en-US"/>
               <a:t>마스터 제목 스타일 편집</a:t>
             </a:r>
-          </a:p>
-        </p:txBody>
-      </p:sp>
-      <p:sp>
-        <p:nvSpPr>
-          <p:cNvPr id="3" name="날짜 개체 틀 2">
-            <a:extLst>
-              <a:ext uri="{FF2B5EF4-FFF2-40B4-BE49-F238E27FC236}">
-                <a16:creationId xmlns:a16="http://schemas.microsoft.com/office/drawing/2014/main" id="{2CE2AEB9-CE4E-46A1-B286-64A38C839F8A}"/>
-              </a:ext>
-            </a:extLst>
-          </p:cNvPr>
+            <a:endParaRPr lang="en-US" dirty="0"/>
+          </a:p>
+        </p:txBody>
+      </p:sp>
+      <p:sp>
+        <p:nvSpPr>
+          <p:cNvPr id="3" name="Date Placeholder 2"/>
           <p:cNvSpPr>
             <a:spLocks noGrp="1"/>
           </p:cNvSpPr>
@@ -1972,13 +2011,7 @@
       </p:sp>
       <p:sp>
         <p:nvSpPr>
-          <p:cNvPr id="4" name="바닥글 개체 틀 3">
-            <a:extLst>
-              <a:ext uri="{FF2B5EF4-FFF2-40B4-BE49-F238E27FC236}">
-                <a16:creationId xmlns:a16="http://schemas.microsoft.com/office/drawing/2014/main" id="{EAEF53F9-EF19-4A42-8E70-5A44AE935009}"/>
-              </a:ext>
-            </a:extLst>
-          </p:cNvPr>
+          <p:cNvPr id="4" name="Footer Placeholder 3"/>
           <p:cNvSpPr>
             <a:spLocks noGrp="1"/>
           </p:cNvSpPr>
@@ -1997,13 +2030,7 @@
       </p:sp>
       <p:sp>
         <p:nvSpPr>
-          <p:cNvPr id="5" name="슬라이드 번호 개체 틀 4">
-            <a:extLst>
-              <a:ext uri="{FF2B5EF4-FFF2-40B4-BE49-F238E27FC236}">
-                <a16:creationId xmlns:a16="http://schemas.microsoft.com/office/drawing/2014/main" id="{C84829D0-EA7E-49FD-81DC-D8ED1C84EA35}"/>
-              </a:ext>
-            </a:extLst>
-          </p:cNvPr>
+          <p:cNvPr id="5" name="Slide Number Placeholder 4"/>
           <p:cNvSpPr>
             <a:spLocks noGrp="1"/>
           </p:cNvSpPr>
@@ -2024,10 +2051,41 @@
           </a:p>
         </p:txBody>
       </p:sp>
+      <p:cxnSp>
+        <p:nvCxnSpPr>
+          <p:cNvPr id="25" name="Straight Connector 24"/>
+          <p:cNvCxnSpPr/>
+          <p:nvPr/>
+        </p:nvCxnSpPr>
+        <p:spPr>
+          <a:xfrm>
+            <a:off x="1453896" y="1847088"/>
+            <a:ext cx="9607522" cy="0"/>
+          </a:xfrm>
+          <a:prstGeom prst="line">
+            <a:avLst/>
+          </a:prstGeom>
+          <a:ln w="31750"/>
+        </p:spPr>
+        <p:style>
+          <a:lnRef idx="3">
+            <a:schemeClr val="accent1"/>
+          </a:lnRef>
+          <a:fillRef idx="0">
+            <a:schemeClr val="accent1"/>
+          </a:fillRef>
+          <a:effectRef idx="2">
+            <a:schemeClr val="accent1"/>
+          </a:effectRef>
+          <a:fontRef idx="minor">
+            <a:schemeClr val="tx1"/>
+          </a:fontRef>
+        </p:style>
+      </p:cxnSp>
     </p:spTree>
     <p:extLst>
       <p:ext uri="{BB962C8B-B14F-4D97-AF65-F5344CB8AC3E}">
-        <p14:creationId xmlns:p14="http://schemas.microsoft.com/office/powerpoint/2010/main" val="1389532803"/>
+        <p14:creationId xmlns:p14="http://schemas.microsoft.com/office/powerpoint/2010/main" val="3531414110"/>
       </p:ext>
     </p:extLst>
   </p:cSld>
@@ -2056,13 +2114,7 @@
       </p:grpSpPr>
       <p:sp>
         <p:nvSpPr>
-          <p:cNvPr id="2" name="날짜 개체 틀 1">
-            <a:extLst>
-              <a:ext uri="{FF2B5EF4-FFF2-40B4-BE49-F238E27FC236}">
-                <a16:creationId xmlns:a16="http://schemas.microsoft.com/office/drawing/2014/main" id="{746EF75E-D4BC-44E1-99D0-0A943978B402}"/>
-              </a:ext>
-            </a:extLst>
-          </p:cNvPr>
+          <p:cNvPr id="2" name="Date Placeholder 1"/>
           <p:cNvSpPr>
             <a:spLocks noGrp="1"/>
           </p:cNvSpPr>
@@ -2085,13 +2137,7 @@
       </p:sp>
       <p:sp>
         <p:nvSpPr>
-          <p:cNvPr id="3" name="바닥글 개체 틀 2">
-            <a:extLst>
-              <a:ext uri="{FF2B5EF4-FFF2-40B4-BE49-F238E27FC236}">
-                <a16:creationId xmlns:a16="http://schemas.microsoft.com/office/drawing/2014/main" id="{5B73EE28-4AB9-4C89-90C1-F777D6DECDFE}"/>
-              </a:ext>
-            </a:extLst>
-          </p:cNvPr>
+          <p:cNvPr id="3" name="Footer Placeholder 2"/>
           <p:cNvSpPr>
             <a:spLocks noGrp="1"/>
           </p:cNvSpPr>
@@ -2110,13 +2156,7 @@
       </p:sp>
       <p:sp>
         <p:nvSpPr>
-          <p:cNvPr id="4" name="슬라이드 번호 개체 틀 3">
-            <a:extLst>
-              <a:ext uri="{FF2B5EF4-FFF2-40B4-BE49-F238E27FC236}">
-                <a16:creationId xmlns:a16="http://schemas.microsoft.com/office/drawing/2014/main" id="{7C2FD2CC-A6BD-4938-9B80-A1B5C578AB37}"/>
-              </a:ext>
-            </a:extLst>
-          </p:cNvPr>
+          <p:cNvPr id="4" name="Slide Number Placeholder 3"/>
           <p:cNvSpPr>
             <a:spLocks noGrp="1"/>
           </p:cNvSpPr>
@@ -2140,7 +2180,7 @@
     </p:spTree>
     <p:extLst>
       <p:ext uri="{BB962C8B-B14F-4D97-AF65-F5344CB8AC3E}">
-        <p14:creationId xmlns:p14="http://schemas.microsoft.com/office/powerpoint/2010/main" val="3168256168"/>
+        <p14:creationId xmlns:p14="http://schemas.microsoft.com/office/powerpoint/2010/main" val="924868802"/>
       </p:ext>
     </p:extLst>
   </p:cSld>
@@ -2169,13 +2209,7 @@
       </p:grpSpPr>
       <p:sp>
         <p:nvSpPr>
-          <p:cNvPr id="2" name="제목 1">
-            <a:extLst>
-              <a:ext uri="{FF2B5EF4-FFF2-40B4-BE49-F238E27FC236}">
-                <a16:creationId xmlns:a16="http://schemas.microsoft.com/office/drawing/2014/main" id="{DEBE6B2F-1C90-4F18-A95F-82A38CE20943}"/>
-              </a:ext>
-            </a:extLst>
-          </p:cNvPr>
+          <p:cNvPr id="2" name="Title 1"/>
           <p:cNvSpPr>
             <a:spLocks noGrp="1"/>
           </p:cNvSpPr>
@@ -2185,15 +2219,17 @@
         </p:nvSpPr>
         <p:spPr>
           <a:xfrm>
-            <a:off x="839788" y="457200"/>
-            <a:ext cx="3932237" cy="1600200"/>
-          </a:xfrm>
-        </p:spPr>
-        <p:txBody>
-          <a:bodyPr anchor="b"/>
+            <a:off x="1444671" y="798973"/>
+            <a:ext cx="3273099" cy="2247117"/>
+          </a:xfrm>
+        </p:spPr>
+        <p:txBody>
+          <a:bodyPr anchor="b">
+            <a:normAutofit/>
+          </a:bodyPr>
           <a:lstStyle>
-            <a:lvl1pPr>
-              <a:defRPr sz="3200"/>
+            <a:lvl1pPr algn="l">
+              <a:defRPr sz="2400"/>
             </a:lvl1pPr>
           </a:lstStyle>
           <a:p>
@@ -2201,18 +2237,13 @@
               <a:rPr lang="ko-KR" altLang="en-US"/>
               <a:t>마스터 제목 스타일 편집</a:t>
             </a:r>
-          </a:p>
-        </p:txBody>
-      </p:sp>
-      <p:sp>
-        <p:nvSpPr>
-          <p:cNvPr id="3" name="내용 개체 틀 2">
-            <a:extLst>
-              <a:ext uri="{FF2B5EF4-FFF2-40B4-BE49-F238E27FC236}">
-                <a16:creationId xmlns:a16="http://schemas.microsoft.com/office/drawing/2014/main" id="{2769CF21-EDB8-4EE3-A9C8-93FE4AF027D2}"/>
-              </a:ext>
-            </a:extLst>
-          </p:cNvPr>
+            <a:endParaRPr lang="en-US" dirty="0"/>
+          </a:p>
+        </p:txBody>
+      </p:sp>
+      <p:sp>
+        <p:nvSpPr>
+          <p:cNvPr id="3" name="Content Placeholder 2"/>
           <p:cNvSpPr>
             <a:spLocks noGrp="1"/>
           </p:cNvSpPr>
@@ -2222,104 +2253,71 @@
         </p:nvSpPr>
         <p:spPr>
           <a:xfrm>
-            <a:off x="5183188" y="987425"/>
-            <a:ext cx="6172200" cy="4873625"/>
+            <a:off x="5043714" y="798974"/>
+            <a:ext cx="6012470" cy="4658826"/>
+          </a:xfrm>
+        </p:spPr>
+        <p:txBody>
+          <a:bodyPr anchor="ctr"/>
+          <a:lstStyle/>
+          <a:p>
+            <a:pPr lvl="0"/>
+            <a:r>
+              <a:rPr lang="ko-KR" altLang="en-US"/>
+              <a:t>마스터 텍스트 스타일을 편집하려면 클릭</a:t>
+            </a:r>
+          </a:p>
+          <a:p>
+            <a:pPr lvl="1"/>
+            <a:r>
+              <a:rPr lang="ko-KR" altLang="en-US"/>
+              <a:t>두 번째 수준</a:t>
+            </a:r>
+          </a:p>
+          <a:p>
+            <a:pPr lvl="2"/>
+            <a:r>
+              <a:rPr lang="ko-KR" altLang="en-US"/>
+              <a:t>세 번째 수준</a:t>
+            </a:r>
+          </a:p>
+          <a:p>
+            <a:pPr lvl="3"/>
+            <a:r>
+              <a:rPr lang="ko-KR" altLang="en-US"/>
+              <a:t>네 번째 수준</a:t>
+            </a:r>
+          </a:p>
+          <a:p>
+            <a:pPr lvl="4"/>
+            <a:r>
+              <a:rPr lang="ko-KR" altLang="en-US"/>
+              <a:t>다섯 번째 수준</a:t>
+            </a:r>
+            <a:endParaRPr lang="en-US" dirty="0"/>
+          </a:p>
+        </p:txBody>
+      </p:sp>
+      <p:sp>
+        <p:nvSpPr>
+          <p:cNvPr id="4" name="Text Placeholder 3"/>
+          <p:cNvSpPr>
+            <a:spLocks noGrp="1"/>
+          </p:cNvSpPr>
+          <p:nvPr>
+            <p:ph type="body" sz="half" idx="2"/>
+          </p:nvPr>
+        </p:nvSpPr>
+        <p:spPr>
+          <a:xfrm>
+            <a:off x="1444671" y="3205491"/>
+            <a:ext cx="3275013" cy="2248181"/>
           </a:xfrm>
         </p:spPr>
         <p:txBody>
           <a:bodyPr/>
           <a:lstStyle>
-            <a:lvl1pPr>
-              <a:defRPr sz="3200"/>
-            </a:lvl1pPr>
-            <a:lvl2pPr>
-              <a:defRPr sz="2800"/>
-            </a:lvl2pPr>
-            <a:lvl3pPr>
-              <a:defRPr sz="2400"/>
-            </a:lvl3pPr>
-            <a:lvl4pPr>
-              <a:defRPr sz="2000"/>
-            </a:lvl4pPr>
-            <a:lvl5pPr>
-              <a:defRPr sz="2000"/>
-            </a:lvl5pPr>
-            <a:lvl6pPr>
-              <a:defRPr sz="2000"/>
-            </a:lvl6pPr>
-            <a:lvl7pPr>
-              <a:defRPr sz="2000"/>
-            </a:lvl7pPr>
-            <a:lvl8pPr>
-              <a:defRPr sz="2000"/>
-            </a:lvl8pPr>
-            <a:lvl9pPr>
-              <a:defRPr sz="2000"/>
-            </a:lvl9pPr>
-          </a:lstStyle>
-          <a:p>
-            <a:pPr lvl="0"/>
-            <a:r>
-              <a:rPr lang="ko-KR" altLang="en-US"/>
-              <a:t>마스터 텍스트 스타일을 편집하려면 클릭</a:t>
-            </a:r>
-          </a:p>
-          <a:p>
-            <a:pPr lvl="1"/>
-            <a:r>
-              <a:rPr lang="ko-KR" altLang="en-US"/>
-              <a:t>두 번째 수준</a:t>
-            </a:r>
-          </a:p>
-          <a:p>
-            <a:pPr lvl="2"/>
-            <a:r>
-              <a:rPr lang="ko-KR" altLang="en-US"/>
-              <a:t>세 번째 수준</a:t>
-            </a:r>
-          </a:p>
-          <a:p>
-            <a:pPr lvl="3"/>
-            <a:r>
-              <a:rPr lang="ko-KR" altLang="en-US"/>
-              <a:t>네 번째 수준</a:t>
-            </a:r>
-          </a:p>
-          <a:p>
-            <a:pPr lvl="4"/>
-            <a:r>
-              <a:rPr lang="ko-KR" altLang="en-US"/>
-              <a:t>다섯 번째 수준</a:t>
-            </a:r>
-          </a:p>
-        </p:txBody>
-      </p:sp>
-      <p:sp>
-        <p:nvSpPr>
-          <p:cNvPr id="4" name="텍스트 개체 틀 3">
-            <a:extLst>
-              <a:ext uri="{FF2B5EF4-FFF2-40B4-BE49-F238E27FC236}">
-                <a16:creationId xmlns:a16="http://schemas.microsoft.com/office/drawing/2014/main" id="{DE6FE2D4-DB42-4CD0-BF07-92E42F4D24DD}"/>
-              </a:ext>
-            </a:extLst>
-          </p:cNvPr>
-          <p:cNvSpPr>
-            <a:spLocks noGrp="1"/>
-          </p:cNvSpPr>
-          <p:nvPr>
-            <p:ph type="body" sz="half" idx="2"/>
-          </p:nvPr>
-        </p:nvSpPr>
-        <p:spPr>
-          <a:xfrm>
-            <a:off x="839788" y="2057400"/>
-            <a:ext cx="3932237" cy="3811588"/>
-          </a:xfrm>
-        </p:spPr>
-        <p:txBody>
-          <a:bodyPr/>
-          <a:lstStyle>
-            <a:lvl1pPr marL="0" indent="0">
+            <a:lvl1pPr marL="0" indent="0" algn="l">
               <a:buNone/>
               <a:defRPr sz="1600"/>
             </a:lvl1pPr>
@@ -2367,13 +2365,7 @@
       </p:sp>
       <p:sp>
         <p:nvSpPr>
-          <p:cNvPr id="5" name="날짜 개체 틀 4">
-            <a:extLst>
-              <a:ext uri="{FF2B5EF4-FFF2-40B4-BE49-F238E27FC236}">
-                <a16:creationId xmlns:a16="http://schemas.microsoft.com/office/drawing/2014/main" id="{0FC2A61B-8B87-4EC7-B333-10D012F38227}"/>
-              </a:ext>
-            </a:extLst>
-          </p:cNvPr>
+          <p:cNvPr id="5" name="Date Placeholder 4"/>
           <p:cNvSpPr>
             <a:spLocks noGrp="1"/>
           </p:cNvSpPr>
@@ -2396,13 +2388,7 @@
       </p:sp>
       <p:sp>
         <p:nvSpPr>
-          <p:cNvPr id="6" name="바닥글 개체 틀 5">
-            <a:extLst>
-              <a:ext uri="{FF2B5EF4-FFF2-40B4-BE49-F238E27FC236}">
-                <a16:creationId xmlns:a16="http://schemas.microsoft.com/office/drawing/2014/main" id="{29119878-878B-4DE1-804F-79527A981648}"/>
-              </a:ext>
-            </a:extLst>
-          </p:cNvPr>
+          <p:cNvPr id="6" name="Footer Placeholder 5"/>
           <p:cNvSpPr>
             <a:spLocks noGrp="1"/>
           </p:cNvSpPr>
@@ -2421,13 +2407,7 @@
       </p:sp>
       <p:sp>
         <p:nvSpPr>
-          <p:cNvPr id="7" name="슬라이드 번호 개체 틀 6">
-            <a:extLst>
-              <a:ext uri="{FF2B5EF4-FFF2-40B4-BE49-F238E27FC236}">
-                <a16:creationId xmlns:a16="http://schemas.microsoft.com/office/drawing/2014/main" id="{EE4C9B8F-4D8F-4019-8C12-4E6A090F651C}"/>
-              </a:ext>
-            </a:extLst>
-          </p:cNvPr>
+          <p:cNvPr id="7" name="Slide Number Placeholder 6"/>
           <p:cNvSpPr>
             <a:spLocks noGrp="1"/>
           </p:cNvSpPr>
@@ -2448,10 +2428,41 @@
           </a:p>
         </p:txBody>
       </p:sp>
+      <p:cxnSp>
+        <p:nvCxnSpPr>
+          <p:cNvPr id="17" name="Straight Connector 16"/>
+          <p:cNvCxnSpPr/>
+          <p:nvPr/>
+        </p:nvCxnSpPr>
+        <p:spPr>
+          <a:xfrm>
+            <a:off x="1448280" y="3205491"/>
+            <a:ext cx="3269490" cy="0"/>
+          </a:xfrm>
+          <a:prstGeom prst="line">
+            <a:avLst/>
+          </a:prstGeom>
+          <a:ln w="31750"/>
+        </p:spPr>
+        <p:style>
+          <a:lnRef idx="3">
+            <a:schemeClr val="accent1"/>
+          </a:lnRef>
+          <a:fillRef idx="0">
+            <a:schemeClr val="accent1"/>
+          </a:fillRef>
+          <a:effectRef idx="2">
+            <a:schemeClr val="accent1"/>
+          </a:effectRef>
+          <a:fontRef idx="minor">
+            <a:schemeClr val="tx1"/>
+          </a:fontRef>
+        </p:style>
+      </p:cxnSp>
     </p:spTree>
     <p:extLst>
       <p:ext uri="{BB962C8B-B14F-4D97-AF65-F5344CB8AC3E}">
-        <p14:creationId xmlns:p14="http://schemas.microsoft.com/office/powerpoint/2010/main" val="3448588358"/>
+        <p14:creationId xmlns:p14="http://schemas.microsoft.com/office/powerpoint/2010/main" val="498853390"/>
       </p:ext>
     </p:extLst>
   </p:cSld>
@@ -2478,15 +2489,143 @@
           <a:chExt cx="0" cy="0"/>
         </a:xfrm>
       </p:grpSpPr>
-      <p:sp>
-        <p:nvSpPr>
-          <p:cNvPr id="2" name="제목 1">
-            <a:extLst>
-              <a:ext uri="{FF2B5EF4-FFF2-40B4-BE49-F238E27FC236}">
-                <a16:creationId xmlns:a16="http://schemas.microsoft.com/office/drawing/2014/main" id="{B46AB353-15C4-4583-9B87-08FA62343A71}"/>
-              </a:ext>
-            </a:extLst>
-          </p:cNvPr>
+      <p:grpSp>
+        <p:nvGrpSpPr>
+          <p:cNvPr id="8" name="Group 7"/>
+          <p:cNvGrpSpPr/>
+          <p:nvPr/>
+        </p:nvGrpSpPr>
+        <p:grpSpPr>
+          <a:xfrm>
+            <a:off x="7477387" y="482170"/>
+            <a:ext cx="4074533" cy="5149101"/>
+            <a:chOff x="7477387" y="482170"/>
+            <a:chExt cx="4074533" cy="5149101"/>
+          </a:xfrm>
+        </p:grpSpPr>
+        <p:sp>
+          <p:nvSpPr>
+            <p:cNvPr id="18" name="Rectangle 17"/>
+            <p:cNvSpPr/>
+            <p:nvPr/>
+          </p:nvSpPr>
+          <p:spPr bwMode="black">
+            <a:xfrm>
+              <a:off x="7477387" y="482170"/>
+              <a:ext cx="4074533" cy="5149101"/>
+            </a:xfrm>
+            <a:prstGeom prst="rect">
+              <a:avLst/>
+            </a:prstGeom>
+            <a:gradFill>
+              <a:gsLst>
+                <a:gs pos="0">
+                  <a:srgbClr val="000001"/>
+                </a:gs>
+                <a:gs pos="100000">
+                  <a:srgbClr val="191919"/>
+                </a:gs>
+              </a:gsLst>
+            </a:gradFill>
+            <a:ln w="76200" cmpd="sng">
+              <a:noFill/>
+              <a:miter lim="800000"/>
+            </a:ln>
+            <a:effectLst>
+              <a:outerShdw blurRad="127000" dist="228600" dir="4740000" sx="98000" sy="98000" algn="tl" rotWithShape="0">
+                <a:srgbClr val="000000">
+                  <a:alpha val="34000"/>
+                </a:srgbClr>
+              </a:outerShdw>
+            </a:effectLst>
+            <a:scene3d>
+              <a:camera prst="orthographicFront"/>
+              <a:lightRig rig="threePt" dir="t"/>
+            </a:scene3d>
+            <a:sp3d>
+              <a:bevelT w="152400" h="50800" prst="softRound"/>
+            </a:sp3d>
+          </p:spPr>
+          <p:style>
+            <a:lnRef idx="1">
+              <a:schemeClr val="accent1"/>
+            </a:lnRef>
+            <a:fillRef idx="3">
+              <a:schemeClr val="accent1"/>
+            </a:fillRef>
+            <a:effectRef idx="2">
+              <a:schemeClr val="accent1"/>
+            </a:effectRef>
+            <a:fontRef idx="minor">
+              <a:schemeClr val="lt1"/>
+            </a:fontRef>
+          </p:style>
+        </p:sp>
+        <p:sp>
+          <p:nvSpPr>
+            <p:cNvPr id="19" name="Rectangle 18"/>
+            <p:cNvSpPr/>
+            <p:nvPr/>
+          </p:nvSpPr>
+          <p:spPr bwMode="blackWhite">
+            <a:xfrm>
+              <a:off x="7790446" y="812506"/>
+              <a:ext cx="3450289" cy="4466452"/>
+            </a:xfrm>
+            <a:prstGeom prst="rect">
+              <a:avLst/>
+            </a:prstGeom>
+            <a:gradFill>
+              <a:gsLst>
+                <a:gs pos="0">
+                  <a:srgbClr val="DADADA"/>
+                </a:gs>
+                <a:gs pos="100000">
+                  <a:srgbClr val="FFFFFE"/>
+                </a:gs>
+              </a:gsLst>
+              <a:lin ang="16200000" scaled="0"/>
+            </a:gradFill>
+            <a:ln w="50800" cmpd="sng">
+              <a:solidFill>
+                <a:srgbClr val="191919"/>
+              </a:solidFill>
+              <a:miter lim="800000"/>
+            </a:ln>
+            <a:effectLst>
+              <a:innerShdw blurRad="63500" dist="88900" dir="14100000">
+                <a:srgbClr val="000000">
+                  <a:alpha val="30000"/>
+                </a:srgbClr>
+              </a:innerShdw>
+            </a:effectLst>
+            <a:scene3d>
+              <a:camera prst="orthographicFront"/>
+              <a:lightRig rig="threePt" dir="t"/>
+            </a:scene3d>
+            <a:sp3d>
+              <a:bevelT prst="relaxedInset"/>
+            </a:sp3d>
+          </p:spPr>
+          <p:style>
+            <a:lnRef idx="1">
+              <a:schemeClr val="accent1"/>
+            </a:lnRef>
+            <a:fillRef idx="3">
+              <a:schemeClr val="accent1"/>
+            </a:fillRef>
+            <a:effectRef idx="2">
+              <a:schemeClr val="accent1"/>
+            </a:effectRef>
+            <a:fontRef idx="minor">
+              <a:schemeClr val="lt1"/>
+            </a:fontRef>
+          </p:style>
+        </p:sp>
+      </p:grpSp>
+      <p:sp>
+        <p:nvSpPr>
+          <p:cNvPr id="2" name="Title 1"/>
           <p:cNvSpPr>
             <a:spLocks noGrp="1"/>
           </p:cNvSpPr>
@@ -2496,12 +2635,14 @@
         </p:nvSpPr>
         <p:spPr>
           <a:xfrm>
-            <a:off x="839788" y="457200"/>
-            <a:ext cx="3932237" cy="1600200"/>
-          </a:xfrm>
-        </p:spPr>
-        <p:txBody>
-          <a:bodyPr anchor="b"/>
+            <a:off x="1451206" y="1129513"/>
+            <a:ext cx="5532328" cy="1830584"/>
+          </a:xfrm>
+        </p:spPr>
+        <p:txBody>
+          <a:bodyPr anchor="b">
+            <a:normAutofit/>
+          </a:bodyPr>
           <a:lstStyle>
             <a:lvl1pPr>
               <a:defRPr sz="3200"/>
@@ -2512,20 +2653,15 @@
               <a:rPr lang="ko-KR" altLang="en-US"/>
               <a:t>마스터 제목 스타일 편집</a:t>
             </a:r>
-          </a:p>
-        </p:txBody>
-      </p:sp>
-      <p:sp>
-        <p:nvSpPr>
-          <p:cNvPr id="3" name="그림 개체 틀 2">
-            <a:extLst>
-              <a:ext uri="{FF2B5EF4-FFF2-40B4-BE49-F238E27FC236}">
-                <a16:creationId xmlns:a16="http://schemas.microsoft.com/office/drawing/2014/main" id="{D3100886-FFD4-485C-9A0C-ECD01F95AEE9}"/>
-              </a:ext>
-            </a:extLst>
-          </p:cNvPr>
-          <p:cNvSpPr>
-            <a:spLocks noGrp="1"/>
+            <a:endParaRPr lang="en-US" dirty="0"/>
+          </a:p>
+        </p:txBody>
+      </p:sp>
+      <p:sp>
+        <p:nvSpPr>
+          <p:cNvPr id="3" name="Picture Placeholder 2"/>
+          <p:cNvSpPr>
+            <a:spLocks noGrp="1" noChangeAspect="1"/>
           </p:cNvSpPr>
           <p:nvPr>
             <p:ph type="pic" idx="1"/>
@@ -2533,14 +2669,24 @@
         </p:nvSpPr>
         <p:spPr>
           <a:xfrm>
-            <a:off x="5183188" y="987425"/>
-            <a:ext cx="6172200" cy="4873625"/>
-          </a:xfrm>
-        </p:spPr>
-        <p:txBody>
-          <a:bodyPr/>
+            <a:off x="8124389" y="1122542"/>
+            <a:ext cx="2791171" cy="3866327"/>
+          </a:xfrm>
+          <a:solidFill>
+            <a:schemeClr val="bg1">
+              <a:lumMod val="85000"/>
+            </a:schemeClr>
+          </a:solidFill>
+          <a:ln w="9525" cap="sq">
+            <a:noFill/>
+            <a:miter lim="800000"/>
+          </a:ln>
+          <a:effectLst/>
+        </p:spPr>
+        <p:txBody>
+          <a:bodyPr anchor="t"/>
           <a:lstStyle>
-            <a:lvl1pPr marL="0" indent="0">
+            <a:lvl1pPr marL="0" indent="0" algn="ctr">
               <a:buNone/>
               <a:defRPr sz="3200"/>
             </a:lvl1pPr>
@@ -2578,19 +2724,17 @@
             </a:lvl9pPr>
           </a:lstStyle>
           <a:p>
-            <a:endParaRPr lang="ko-KR" altLang="en-US"/>
-          </a:p>
-        </p:txBody>
-      </p:sp>
-      <p:sp>
-        <p:nvSpPr>
-          <p:cNvPr id="4" name="텍스트 개체 틀 3">
-            <a:extLst>
-              <a:ext uri="{FF2B5EF4-FFF2-40B4-BE49-F238E27FC236}">
-                <a16:creationId xmlns:a16="http://schemas.microsoft.com/office/drawing/2014/main" id="{2D5DF163-1043-47C5-BD95-6070BD06F0AD}"/>
-              </a:ext>
-            </a:extLst>
-          </p:cNvPr>
+            <a:r>
+              <a:rPr lang="ko-KR" altLang="en-US"/>
+              <a:t>그림을 추가하려면 아이콘을 클릭하십시오</a:t>
+            </a:r>
+            <a:endParaRPr lang="en-US" dirty="0"/>
+          </a:p>
+        </p:txBody>
+      </p:sp>
+      <p:sp>
+        <p:nvSpPr>
+          <p:cNvPr id="4" name="Text Placeholder 3"/>
           <p:cNvSpPr>
             <a:spLocks noGrp="1"/>
           </p:cNvSpPr>
@@ -2600,16 +2744,18 @@
         </p:nvSpPr>
         <p:spPr>
           <a:xfrm>
-            <a:off x="839788" y="2057400"/>
-            <a:ext cx="3932237" cy="3811588"/>
-          </a:xfrm>
-        </p:spPr>
-        <p:txBody>
-          <a:bodyPr/>
+            <a:off x="1450329" y="3145992"/>
+            <a:ext cx="5524404" cy="2003742"/>
+          </a:xfrm>
+        </p:spPr>
+        <p:txBody>
+          <a:bodyPr>
+            <a:normAutofit/>
+          </a:bodyPr>
           <a:lstStyle>
-            <a:lvl1pPr marL="0" indent="0">
+            <a:lvl1pPr marL="0" indent="0" algn="l">
               <a:buNone/>
-              <a:defRPr sz="1600"/>
+              <a:defRPr sz="1800"/>
             </a:lvl1pPr>
             <a:lvl2pPr marL="457200" indent="0">
               <a:buNone/>
@@ -2655,13 +2801,7 @@
       </p:sp>
       <p:sp>
         <p:nvSpPr>
-          <p:cNvPr id="5" name="날짜 개체 틀 4">
-            <a:extLst>
-              <a:ext uri="{FF2B5EF4-FFF2-40B4-BE49-F238E27FC236}">
-                <a16:creationId xmlns:a16="http://schemas.microsoft.com/office/drawing/2014/main" id="{0092CCE3-B736-4890-83BB-998B87D5FB03}"/>
-              </a:ext>
-            </a:extLst>
-          </p:cNvPr>
+          <p:cNvPr id="5" name="Date Placeholder 4"/>
           <p:cNvSpPr>
             <a:spLocks noGrp="1"/>
           </p:cNvSpPr>
@@ -2669,10 +2809,19 @@
             <p:ph type="dt" sz="half" idx="10"/>
           </p:nvPr>
         </p:nvSpPr>
-        <p:spPr/>
+        <p:spPr>
+          <a:xfrm>
+            <a:off x="1447382" y="5469856"/>
+            <a:ext cx="5527351" cy="320123"/>
+          </a:xfrm>
+        </p:spPr>
         <p:txBody>
           <a:bodyPr/>
-          <a:lstStyle/>
+          <a:lstStyle>
+            <a:lvl1pPr algn="l">
+              <a:defRPr/>
+            </a:lvl1pPr>
+          </a:lstStyle>
           <a:p>
             <a:fld id="{61979BF9-C3F6-4797-9852-FB89587AA085}" type="datetimeFigureOut">
               <a:rPr lang="ko-KR" altLang="en-US" smtClean="0"/>
@@ -2684,13 +2833,7 @@
       </p:sp>
       <p:sp>
         <p:nvSpPr>
-          <p:cNvPr id="6" name="바닥글 개체 틀 5">
-            <a:extLst>
-              <a:ext uri="{FF2B5EF4-FFF2-40B4-BE49-F238E27FC236}">
-                <a16:creationId xmlns:a16="http://schemas.microsoft.com/office/drawing/2014/main" id="{047157AD-A8CB-4E24-B338-9D9EDEF81085}"/>
-              </a:ext>
-            </a:extLst>
-          </p:cNvPr>
+          <p:cNvPr id="6" name="Footer Placeholder 5"/>
           <p:cNvSpPr>
             <a:spLocks noGrp="1"/>
           </p:cNvSpPr>
@@ -2698,7 +2841,12 @@
             <p:ph type="ftr" sz="quarter" idx="11"/>
           </p:nvPr>
         </p:nvSpPr>
-        <p:spPr/>
+        <p:spPr>
+          <a:xfrm>
+            <a:off x="1447382" y="318640"/>
+            <a:ext cx="5541004" cy="320931"/>
+          </a:xfrm>
+        </p:spPr>
         <p:txBody>
           <a:bodyPr/>
           <a:lstStyle/>
@@ -2709,13 +2857,7 @@
       </p:sp>
       <p:sp>
         <p:nvSpPr>
-          <p:cNvPr id="7" name="슬라이드 번호 개체 틀 6">
-            <a:extLst>
-              <a:ext uri="{FF2B5EF4-FFF2-40B4-BE49-F238E27FC236}">
-                <a16:creationId xmlns:a16="http://schemas.microsoft.com/office/drawing/2014/main" id="{8A57B2EF-93CE-4BD6-A1E2-67FFA42CB6DF}"/>
-              </a:ext>
-            </a:extLst>
-          </p:cNvPr>
+          <p:cNvPr id="7" name="Slide Number Placeholder 6"/>
           <p:cNvSpPr>
             <a:spLocks noGrp="1"/>
           </p:cNvSpPr>
@@ -2736,10 +2878,41 @@
           </a:p>
         </p:txBody>
       </p:sp>
+      <p:cxnSp>
+        <p:nvCxnSpPr>
+          <p:cNvPr id="31" name="Straight Connector 30"/>
+          <p:cNvCxnSpPr/>
+          <p:nvPr/>
+        </p:nvCxnSpPr>
+        <p:spPr>
+          <a:xfrm>
+            <a:off x="1447382" y="3143605"/>
+            <a:ext cx="5527351" cy="0"/>
+          </a:xfrm>
+          <a:prstGeom prst="line">
+            <a:avLst/>
+          </a:prstGeom>
+          <a:ln w="31750"/>
+        </p:spPr>
+        <p:style>
+          <a:lnRef idx="3">
+            <a:schemeClr val="accent1"/>
+          </a:lnRef>
+          <a:fillRef idx="0">
+            <a:schemeClr val="accent1"/>
+          </a:fillRef>
+          <a:effectRef idx="2">
+            <a:schemeClr val="accent1"/>
+          </a:effectRef>
+          <a:fontRef idx="minor">
+            <a:schemeClr val="tx1"/>
+          </a:fontRef>
+        </p:style>
+      </p:cxnSp>
     </p:spTree>
     <p:extLst>
       <p:ext uri="{BB962C8B-B14F-4D97-AF65-F5344CB8AC3E}">
-        <p14:creationId xmlns:p14="http://schemas.microsoft.com/office/powerpoint/2010/main" val="3457429486"/>
+        <p14:creationId xmlns:p14="http://schemas.microsoft.com/office/powerpoint/2010/main" val="2361976263"/>
       </p:ext>
     </p:extLst>
   </p:cSld>
@@ -2753,8 +2926,8 @@
 <p:sldMaster xmlns:a="http://schemas.openxmlformats.org/drawingml/2006/main" xmlns:r="http://schemas.openxmlformats.org/officeDocument/2006/relationships" xmlns:p="http://schemas.openxmlformats.org/presentationml/2006/main">
   <p:cSld>
     <p:bg>
-      <p:bgRef idx="1001">
-        <a:schemeClr val="bg1"/>
+      <p:bgRef idx="1003">
+        <a:schemeClr val="bg2"/>
       </p:bgRef>
     </p:bg>
     <p:spTree>
@@ -2773,67 +2946,134 @@
       </p:grpSpPr>
       <p:sp>
         <p:nvSpPr>
-          <p:cNvPr id="2" name="제목 개체 틀 1">
-            <a:extLst>
-              <a:ext uri="{FF2B5EF4-FFF2-40B4-BE49-F238E27FC236}">
-                <a16:creationId xmlns:a16="http://schemas.microsoft.com/office/drawing/2014/main" id="{F125A23E-13FE-4A45-864B-6B65EEBE735A}"/>
-              </a:ext>
-            </a:extLst>
-          </p:cNvPr>
-          <p:cNvSpPr>
-            <a:spLocks noGrp="1"/>
-          </p:cNvSpPr>
-          <p:nvPr>
-            <p:ph type="title"/>
-          </p:nvPr>
-        </p:nvSpPr>
-        <p:spPr>
-          <a:xfrm>
-            <a:off x="838200" y="365125"/>
-            <a:ext cx="10515600" cy="1325563"/>
+          <p:cNvPr id="8" name="Rectangle 7"/>
+          <p:cNvSpPr/>
+          <p:nvPr/>
+        </p:nvSpPr>
+        <p:spPr>
+          <a:xfrm>
+            <a:off x="0" y="2019476"/>
+            <a:ext cx="12192000" cy="4105941"/>
           </a:xfrm>
           <a:prstGeom prst="rect">
             <a:avLst/>
           </a:prstGeom>
-        </p:spPr>
-        <p:txBody>
-          <a:bodyPr vert="horz" lIns="91440" tIns="45720" rIns="91440" bIns="45720" rtlCol="0" anchor="ctr">
-            <a:normAutofit/>
-          </a:bodyPr>
-          <a:lstStyle/>
-          <a:p>
-            <a:r>
-              <a:rPr lang="ko-KR" altLang="en-US"/>
-              <a:t>마스터 제목 스타일 편집</a:t>
-            </a:r>
-          </a:p>
-        </p:txBody>
-      </p:sp>
-      <p:sp>
-        <p:nvSpPr>
-          <p:cNvPr id="3" name="텍스트 개체 틀 2">
+          <a:gradFill flip="none" rotWithShape="1">
+            <a:gsLst>
+              <a:gs pos="0">
+                <a:schemeClr val="bg2">
+                  <a:alpha val="0"/>
+                </a:schemeClr>
+              </a:gs>
+              <a:gs pos="100000">
+                <a:schemeClr val="bg2"/>
+              </a:gs>
+            </a:gsLst>
+            <a:lin ang="5400000" scaled="0"/>
+            <a:tileRect/>
+          </a:gradFill>
+          <a:ln>
+            <a:noFill/>
+          </a:ln>
+        </p:spPr>
+        <p:style>
+          <a:lnRef idx="2">
+            <a:schemeClr val="accent1">
+              <a:shade val="50000"/>
+            </a:schemeClr>
+          </a:lnRef>
+          <a:fillRef idx="1">
+            <a:schemeClr val="accent1"/>
+          </a:fillRef>
+          <a:effectRef idx="0">
+            <a:schemeClr val="accent1"/>
+          </a:effectRef>
+          <a:fontRef idx="minor">
+            <a:schemeClr val="lt1"/>
+          </a:fontRef>
+        </p:style>
+      </p:sp>
+      <p:pic>
+        <p:nvPicPr>
+          <p:cNvPr id="7" name="Picture 6"/>
+          <p:cNvPicPr>
+            <a:picLocks noChangeAspect="1"/>
+          </p:cNvPicPr>
+          <p:nvPr/>
+        </p:nvPicPr>
+        <p:blipFill rotWithShape="1">
+          <a:blip r:embed="rId13">
             <a:extLst>
-              <a:ext uri="{FF2B5EF4-FFF2-40B4-BE49-F238E27FC236}">
-                <a16:creationId xmlns:a16="http://schemas.microsoft.com/office/drawing/2014/main" id="{850FE254-B671-4881-9919-A0C5C42100D8}"/>
+              <a:ext uri="{28A0092B-C50C-407E-A947-70E740481C1C}">
+                <a14:useLocalDpi xmlns:a14="http://schemas.microsoft.com/office/drawing/2010/main" val="0"/>
               </a:ext>
             </a:extLst>
-          </p:cNvPr>
-          <p:cNvSpPr>
-            <a:spLocks noGrp="1"/>
-          </p:cNvSpPr>
-          <p:nvPr>
-            <p:ph type="body" idx="1"/>
-          </p:nvPr>
-        </p:nvSpPr>
-        <p:spPr>
-          <a:xfrm>
-            <a:off x="838200" y="1825625"/>
-            <a:ext cx="10515600" cy="4351338"/>
+          </a:blip>
+          <a:srcRect t="1538" b="-1538"/>
+          <a:stretch/>
+        </p:blipFill>
+        <p:spPr bwMode="black">
+          <a:xfrm>
+            <a:off x="0" y="6126480"/>
+            <a:ext cx="12192000" cy="742950"/>
           </a:xfrm>
           <a:prstGeom prst="rect">
             <a:avLst/>
           </a:prstGeom>
         </p:spPr>
+      </p:pic>
+      <p:sp>
+        <p:nvSpPr>
+          <p:cNvPr id="2" name="Title Placeholder 1"/>
+          <p:cNvSpPr>
+            <a:spLocks noGrp="1"/>
+          </p:cNvSpPr>
+          <p:nvPr>
+            <p:ph type="title"/>
+          </p:nvPr>
+        </p:nvSpPr>
+        <p:spPr>
+          <a:xfrm>
+            <a:off x="1451579" y="804519"/>
+            <a:ext cx="9603275" cy="1049235"/>
+          </a:xfrm>
+          <a:prstGeom prst="rect">
+            <a:avLst/>
+          </a:prstGeom>
+        </p:spPr>
+        <p:txBody>
+          <a:bodyPr vert="horz" lIns="91440" tIns="45720" rIns="91440" bIns="45720" rtlCol="0" anchor="t">
+            <a:normAutofit/>
+          </a:bodyPr>
+          <a:lstStyle/>
+          <a:p>
+            <a:r>
+              <a:rPr lang="ko-KR" altLang="en-US"/>
+              <a:t>마스터 제목 스타일 편집</a:t>
+            </a:r>
+            <a:endParaRPr lang="en-US" dirty="0"/>
+          </a:p>
+        </p:txBody>
+      </p:sp>
+      <p:sp>
+        <p:nvSpPr>
+          <p:cNvPr id="3" name="Text Placeholder 2"/>
+          <p:cNvSpPr>
+            <a:spLocks noGrp="1"/>
+          </p:cNvSpPr>
+          <p:nvPr>
+            <p:ph type="body" idx="1"/>
+          </p:nvPr>
+        </p:nvSpPr>
+        <p:spPr>
+          <a:xfrm>
+            <a:off x="1451579" y="2015732"/>
+            <a:ext cx="9603275" cy="3450613"/>
+          </a:xfrm>
+          <a:prstGeom prst="rect">
+            <a:avLst/>
+          </a:prstGeom>
+        </p:spPr>
         <p:txBody>
           <a:bodyPr vert="horz" lIns="91440" tIns="45720" rIns="91440" bIns="45720" rtlCol="0">
             <a:normAutofit/>
@@ -2873,18 +3113,13 @@
               <a:rPr lang="ko-KR" altLang="en-US"/>
               <a:t>다섯 번째 수준</a:t>
             </a:r>
-          </a:p>
-        </p:txBody>
-      </p:sp>
-      <p:sp>
-        <p:nvSpPr>
-          <p:cNvPr id="4" name="날짜 개체 틀 3">
-            <a:extLst>
-              <a:ext uri="{FF2B5EF4-FFF2-40B4-BE49-F238E27FC236}">
-                <a16:creationId xmlns:a16="http://schemas.microsoft.com/office/drawing/2014/main" id="{A059D916-B0D6-44DD-9853-BECE99095C8A}"/>
-              </a:ext>
-            </a:extLst>
-          </p:cNvPr>
+            <a:endParaRPr lang="en-US" dirty="0"/>
+          </a:p>
+        </p:txBody>
+      </p:sp>
+      <p:sp>
+        <p:nvSpPr>
+          <p:cNvPr id="4" name="Date Placeholder 3"/>
           <p:cNvSpPr>
             <a:spLocks noGrp="1"/>
           </p:cNvSpPr>
@@ -2894,8 +3129,8 @@
         </p:nvSpPr>
         <p:spPr>
           <a:xfrm>
-            <a:off x="838200" y="6356350"/>
-            <a:ext cx="2743200" cy="365125"/>
+            <a:off x="7554138" y="330370"/>
+            <a:ext cx="3500715" cy="309201"/>
           </a:xfrm>
           <a:prstGeom prst="rect">
             <a:avLst/>
@@ -2904,8 +3139,8 @@
         <p:txBody>
           <a:bodyPr vert="horz" lIns="91440" tIns="45720" rIns="91440" bIns="45720" rtlCol="0" anchor="ctr"/>
           <a:lstStyle>
-            <a:lvl1pPr algn="l">
-              <a:defRPr sz="1200">
+            <a:lvl1pPr algn="r">
+              <a:defRPr sz="1000">
                 <a:solidFill>
                   <a:schemeClr val="tx1">
                     <a:tint val="75000"/>
@@ -2925,13 +3160,7 @@
       </p:sp>
       <p:sp>
         <p:nvSpPr>
-          <p:cNvPr id="5" name="바닥글 개체 틀 4">
-            <a:extLst>
-              <a:ext uri="{FF2B5EF4-FFF2-40B4-BE49-F238E27FC236}">
-                <a16:creationId xmlns:a16="http://schemas.microsoft.com/office/drawing/2014/main" id="{2B37458F-9685-4F4D-B9AD-317EB69AA739}"/>
-              </a:ext>
-            </a:extLst>
-          </p:cNvPr>
+          <p:cNvPr id="5" name="Footer Placeholder 4"/>
           <p:cNvSpPr>
             <a:spLocks noGrp="1"/>
           </p:cNvSpPr>
@@ -2941,8 +3170,8 @@
         </p:nvSpPr>
         <p:spPr>
           <a:xfrm>
-            <a:off x="4038600" y="6356350"/>
-            <a:ext cx="4114800" cy="365125"/>
+            <a:off x="1451579" y="329307"/>
+            <a:ext cx="5938836" cy="309201"/>
           </a:xfrm>
           <a:prstGeom prst="rect">
             <a:avLst/>
@@ -2951,8 +3180,8 @@
         <p:txBody>
           <a:bodyPr vert="horz" lIns="91440" tIns="45720" rIns="91440" bIns="45720" rtlCol="0" anchor="ctr"/>
           <a:lstStyle>
-            <a:lvl1pPr algn="ctr">
-              <a:defRPr sz="1200">
+            <a:lvl1pPr algn="l">
+              <a:defRPr sz="1000">
                 <a:solidFill>
                   <a:schemeClr val="tx1">
                     <a:tint val="75000"/>
@@ -2968,13 +3197,7 @@
       </p:sp>
       <p:sp>
         <p:nvSpPr>
-          <p:cNvPr id="6" name="슬라이드 번호 개체 틀 5">
-            <a:extLst>
-              <a:ext uri="{FF2B5EF4-FFF2-40B4-BE49-F238E27FC236}">
-                <a16:creationId xmlns:a16="http://schemas.microsoft.com/office/drawing/2014/main" id="{EDFA1619-BFC4-4B3B-B982-9E730EB39372}"/>
-              </a:ext>
-            </a:extLst>
-          </p:cNvPr>
+          <p:cNvPr id="6" name="Slide Number Placeholder 5"/>
           <p:cNvSpPr>
             <a:spLocks noGrp="1"/>
           </p:cNvSpPr>
@@ -2984,22 +3207,20 @@
         </p:nvSpPr>
         <p:spPr>
           <a:xfrm>
-            <a:off x="8610600" y="6356350"/>
-            <a:ext cx="2743200" cy="365125"/>
+            <a:off x="480060" y="798973"/>
+            <a:ext cx="811019" cy="503578"/>
           </a:xfrm>
           <a:prstGeom prst="rect">
             <a:avLst/>
           </a:prstGeom>
         </p:spPr>
         <p:txBody>
-          <a:bodyPr vert="horz" lIns="91440" tIns="45720" rIns="91440" bIns="45720" rtlCol="0" anchor="ctr"/>
+          <a:bodyPr vert="horz" lIns="91440" tIns="45720" rIns="91440" bIns="45720" rtlCol="0" anchor="t"/>
           <a:lstStyle>
             <a:lvl1pPr algn="r">
-              <a:defRPr sz="1200">
+              <a:defRPr sz="2800">
                 <a:solidFill>
-                  <a:schemeClr val="tx1">
-                    <a:tint val="75000"/>
-                  </a:schemeClr>
+                  <a:schemeClr val="accent1"/>
                 </a:solidFill>
               </a:defRPr>
             </a:lvl1pPr>
@@ -3013,26 +3234,63 @@
           </a:p>
         </p:txBody>
       </p:sp>
+      <p:cxnSp>
+        <p:nvCxnSpPr>
+          <p:cNvPr id="10" name="Straight Connector 9"/>
+          <p:cNvCxnSpPr/>
+          <p:nvPr/>
+        </p:nvCxnSpPr>
+        <p:spPr>
+          <a:xfrm>
+            <a:off x="0" y="6128413"/>
+            <a:ext cx="12192000" cy="0"/>
+          </a:xfrm>
+          <a:prstGeom prst="line">
+            <a:avLst/>
+          </a:prstGeom>
+          <a:ln w="12700">
+            <a:solidFill>
+              <a:srgbClr val="000001">
+                <a:alpha val="20000"/>
+              </a:srgbClr>
+            </a:solidFill>
+          </a:ln>
+        </p:spPr>
+        <p:style>
+          <a:lnRef idx="1">
+            <a:schemeClr val="accent1"/>
+          </a:lnRef>
+          <a:fillRef idx="0">
+            <a:schemeClr val="accent1"/>
+          </a:fillRef>
+          <a:effectRef idx="0">
+            <a:schemeClr val="accent1"/>
+          </a:effectRef>
+          <a:fontRef idx="minor">
+            <a:schemeClr val="tx1"/>
+          </a:fontRef>
+        </p:style>
+      </p:cxnSp>
     </p:spTree>
     <p:extLst>
       <p:ext uri="{BB962C8B-B14F-4D97-AF65-F5344CB8AC3E}">
-        <p14:creationId xmlns:p14="http://schemas.microsoft.com/office/powerpoint/2010/main" val="2613661834"/>
+        <p14:creationId xmlns:p14="http://schemas.microsoft.com/office/powerpoint/2010/main" val="1190197927"/>
       </p:ext>
     </p:extLst>
   </p:cSld>
   <p:clrMap bg1="lt1" tx1="dk1" bg2="lt2" tx2="dk2" accent1="accent1" accent2="accent2" accent3="accent3" accent4="accent4" accent5="accent5" accent6="accent6" hlink="hlink" folHlink="folHlink"/>
   <p:sldLayoutIdLst>
-    <p:sldLayoutId id="2147483649" r:id="rId1"/>
-    <p:sldLayoutId id="2147483650" r:id="rId2"/>
-    <p:sldLayoutId id="2147483651" r:id="rId3"/>
-    <p:sldLayoutId id="2147483652" r:id="rId4"/>
-    <p:sldLayoutId id="2147483653" r:id="rId5"/>
-    <p:sldLayoutId id="2147483654" r:id="rId6"/>
-    <p:sldLayoutId id="2147483655" r:id="rId7"/>
-    <p:sldLayoutId id="2147483656" r:id="rId8"/>
-    <p:sldLayoutId id="2147483657" r:id="rId9"/>
-    <p:sldLayoutId id="2147483658" r:id="rId10"/>
-    <p:sldLayoutId id="2147483659" r:id="rId11"/>
+    <p:sldLayoutId id="2147483661" r:id="rId1"/>
+    <p:sldLayoutId id="2147483662" r:id="rId2"/>
+    <p:sldLayoutId id="2147483663" r:id="rId3"/>
+    <p:sldLayoutId id="2147483664" r:id="rId4"/>
+    <p:sldLayoutId id="2147483665" r:id="rId5"/>
+    <p:sldLayoutId id="2147483666" r:id="rId6"/>
+    <p:sldLayoutId id="2147483667" r:id="rId7"/>
+    <p:sldLayoutId id="2147483668" r:id="rId8"/>
+    <p:sldLayoutId id="2147483669" r:id="rId9"/>
+    <p:sldLayoutId id="2147483670" r:id="rId10"/>
+    <p:sldLayoutId id="2147483671" r:id="rId11"/>
   </p:sldLayoutIdLst>
   <p:txStyles>
     <p:titleStyle>
@@ -3044,10 +3302,11 @@
           <a:spcPct val="0"/>
         </a:spcBef>
         <a:buNone/>
-        <a:defRPr sz="4400" kern="1200">
+        <a:defRPr sz="3200" b="0" i="0" kern="1200" cap="all">
           <a:solidFill>
             <a:schemeClr val="tx1"/>
           </a:solidFill>
+          <a:effectLst/>
           <a:latin typeface="+mj-lt"/>
           <a:ea typeface="+mj-ea"/>
           <a:cs typeface="+mj-cs"/>
@@ -3057,17 +3316,22 @@
     <p:bodyStyle>
       <a:lvl1pPr marL="228600" indent="-228600" algn="l" defTabSz="914400" rtl="0" eaLnBrk="1" latinLnBrk="1" hangingPunct="1">
         <a:lnSpc>
-          <a:spcPct val="90000"/>
+          <a:spcPct val="120000"/>
         </a:lnSpc>
         <a:spcBef>
           <a:spcPts val="1000"/>
         </a:spcBef>
+        <a:buClr>
+          <a:schemeClr val="accent1"/>
+        </a:buClr>
+        <a:buSzPct val="100000"/>
         <a:buFont typeface="Arial" panose="020B0604020202020204" pitchFamily="34" charset="0"/>
         <a:buChar char="•"/>
-        <a:defRPr sz="2800" kern="1200">
+        <a:defRPr sz="2000" kern="1200">
           <a:solidFill>
             <a:schemeClr val="tx1"/>
           </a:solidFill>
+          <a:effectLst/>
           <a:latin typeface="+mn-lt"/>
           <a:ea typeface="+mn-ea"/>
           <a:cs typeface="+mn-cs"/>
@@ -3075,17 +3339,22 @@
       </a:lvl1pPr>
       <a:lvl2pPr marL="685800" indent="-228600" algn="l" defTabSz="914400" rtl="0" eaLnBrk="1" latinLnBrk="1" hangingPunct="1">
         <a:lnSpc>
-          <a:spcPct val="90000"/>
+          <a:spcPct val="120000"/>
         </a:lnSpc>
         <a:spcBef>
           <a:spcPts val="500"/>
         </a:spcBef>
+        <a:buClr>
+          <a:schemeClr val="accent1"/>
+        </a:buClr>
+        <a:buSzPct val="100000"/>
         <a:buFont typeface="Arial" panose="020B0604020202020204" pitchFamily="34" charset="0"/>
         <a:buChar char="•"/>
-        <a:defRPr sz="2400" kern="1200">
+        <a:defRPr sz="1800" kern="1200" cap="none" baseline="0">
           <a:solidFill>
             <a:schemeClr val="tx1"/>
           </a:solidFill>
+          <a:effectLst/>
           <a:latin typeface="+mn-lt"/>
           <a:ea typeface="+mn-ea"/>
           <a:cs typeface="+mn-cs"/>
@@ -3093,17 +3362,22 @@
       </a:lvl2pPr>
       <a:lvl3pPr marL="1143000" indent="-228600" algn="l" defTabSz="914400" rtl="0" eaLnBrk="1" latinLnBrk="1" hangingPunct="1">
         <a:lnSpc>
-          <a:spcPct val="90000"/>
+          <a:spcPct val="120000"/>
         </a:lnSpc>
         <a:spcBef>
           <a:spcPts val="500"/>
         </a:spcBef>
+        <a:buClr>
+          <a:schemeClr val="accent1"/>
+        </a:buClr>
+        <a:buSzPct val="100000"/>
         <a:buFont typeface="Arial" panose="020B0604020202020204" pitchFamily="34" charset="0"/>
         <a:buChar char="•"/>
-        <a:defRPr sz="2000" kern="1200">
+        <a:defRPr sz="1600" kern="1200">
           <a:solidFill>
             <a:schemeClr val="tx1"/>
           </a:solidFill>
+          <a:effectLst/>
           <a:latin typeface="+mn-lt"/>
           <a:ea typeface="+mn-ea"/>
           <a:cs typeface="+mn-cs"/>
@@ -3111,17 +3385,22 @@
       </a:lvl3pPr>
       <a:lvl4pPr marL="1600200" indent="-228600" algn="l" defTabSz="914400" rtl="0" eaLnBrk="1" latinLnBrk="1" hangingPunct="1">
         <a:lnSpc>
-          <a:spcPct val="90000"/>
+          <a:spcPct val="120000"/>
         </a:lnSpc>
         <a:spcBef>
           <a:spcPts val="500"/>
         </a:spcBef>
+        <a:buClr>
+          <a:schemeClr val="accent1"/>
+        </a:buClr>
+        <a:buSzPct val="100000"/>
         <a:buFont typeface="Arial" panose="020B0604020202020204" pitchFamily="34" charset="0"/>
         <a:buChar char="•"/>
-        <a:defRPr sz="1800" kern="1200">
+        <a:defRPr sz="1400" kern="1200" cap="none" baseline="0">
           <a:solidFill>
             <a:schemeClr val="tx1"/>
           </a:solidFill>
+          <a:effectLst/>
           <a:latin typeface="+mn-lt"/>
           <a:ea typeface="+mn-ea"/>
           <a:cs typeface="+mn-cs"/>
@@ -3129,17 +3408,22 @@
       </a:lvl4pPr>
       <a:lvl5pPr marL="2057400" indent="-228600" algn="l" defTabSz="914400" rtl="0" eaLnBrk="1" latinLnBrk="1" hangingPunct="1">
         <a:lnSpc>
-          <a:spcPct val="90000"/>
+          <a:spcPct val="120000"/>
         </a:lnSpc>
         <a:spcBef>
           <a:spcPts val="500"/>
         </a:spcBef>
+        <a:buClr>
+          <a:schemeClr val="accent1"/>
+        </a:buClr>
+        <a:buSzPct val="100000"/>
         <a:buFont typeface="Arial" panose="020B0604020202020204" pitchFamily="34" charset="0"/>
         <a:buChar char="•"/>
-        <a:defRPr sz="1800" kern="1200">
+        <a:defRPr sz="1200" kern="1200">
           <a:solidFill>
             <a:schemeClr val="tx1"/>
           </a:solidFill>
+          <a:effectLst/>
           <a:latin typeface="+mn-lt"/>
           <a:ea typeface="+mn-ea"/>
           <a:cs typeface="+mn-cs"/>
@@ -3147,17 +3431,22 @@
       </a:lvl5pPr>
       <a:lvl6pPr marL="2514600" indent="-228600" algn="l" defTabSz="914400" rtl="0" eaLnBrk="1" latinLnBrk="1" hangingPunct="1">
         <a:lnSpc>
-          <a:spcPct val="90000"/>
+          <a:spcPct val="120000"/>
         </a:lnSpc>
         <a:spcBef>
           <a:spcPts val="500"/>
         </a:spcBef>
+        <a:buClr>
+          <a:schemeClr val="accent1"/>
+        </a:buClr>
+        <a:buSzPct val="100000"/>
         <a:buFont typeface="Arial" panose="020B0604020202020204" pitchFamily="34" charset="0"/>
         <a:buChar char="•"/>
-        <a:defRPr sz="1800" kern="1200">
+        <a:defRPr sz="1200" kern="1200">
           <a:solidFill>
             <a:schemeClr val="tx1"/>
           </a:solidFill>
+          <a:effectLst/>
           <a:latin typeface="+mn-lt"/>
           <a:ea typeface="+mn-ea"/>
           <a:cs typeface="+mn-cs"/>
@@ -3165,17 +3454,22 @@
       </a:lvl6pPr>
       <a:lvl7pPr marL="2971800" indent="-228600" algn="l" defTabSz="914400" rtl="0" eaLnBrk="1" latinLnBrk="1" hangingPunct="1">
         <a:lnSpc>
-          <a:spcPct val="90000"/>
+          <a:spcPct val="120000"/>
         </a:lnSpc>
         <a:spcBef>
           <a:spcPts val="500"/>
         </a:spcBef>
+        <a:buClr>
+          <a:schemeClr val="accent1"/>
+        </a:buClr>
+        <a:buSzPct val="100000"/>
         <a:buFont typeface="Arial" panose="020B0604020202020204" pitchFamily="34" charset="0"/>
         <a:buChar char="•"/>
-        <a:defRPr sz="1800" kern="1200">
+        <a:defRPr sz="1200" kern="1200">
           <a:solidFill>
             <a:schemeClr val="tx1"/>
           </a:solidFill>
+          <a:effectLst/>
           <a:latin typeface="+mn-lt"/>
           <a:ea typeface="+mn-ea"/>
           <a:cs typeface="+mn-cs"/>
@@ -3183,17 +3477,22 @@
       </a:lvl7pPr>
       <a:lvl8pPr marL="3429000" indent="-228600" algn="l" defTabSz="914400" rtl="0" eaLnBrk="1" latinLnBrk="1" hangingPunct="1">
         <a:lnSpc>
-          <a:spcPct val="90000"/>
+          <a:spcPct val="120000"/>
         </a:lnSpc>
         <a:spcBef>
           <a:spcPts val="500"/>
         </a:spcBef>
+        <a:buClr>
+          <a:schemeClr val="accent1"/>
+        </a:buClr>
+        <a:buSzPct val="100000"/>
         <a:buFont typeface="Arial" panose="020B0604020202020204" pitchFamily="34" charset="0"/>
         <a:buChar char="•"/>
-        <a:defRPr sz="1800" kern="1200">
+        <a:defRPr sz="1200" kern="1200" baseline="0">
           <a:solidFill>
             <a:schemeClr val="tx1"/>
           </a:solidFill>
+          <a:effectLst/>
           <a:latin typeface="+mn-lt"/>
           <a:ea typeface="+mn-ea"/>
           <a:cs typeface="+mn-cs"/>
@@ -3201,17 +3500,22 @@
       </a:lvl8pPr>
       <a:lvl9pPr marL="3886200" indent="-228600" algn="l" defTabSz="914400" rtl="0" eaLnBrk="1" latinLnBrk="1" hangingPunct="1">
         <a:lnSpc>
-          <a:spcPct val="90000"/>
+          <a:spcPct val="120000"/>
         </a:lnSpc>
         <a:spcBef>
           <a:spcPts val="500"/>
         </a:spcBef>
+        <a:buClr>
+          <a:schemeClr val="accent1"/>
+        </a:buClr>
+        <a:buSzPct val="100000"/>
         <a:buFont typeface="Arial" panose="020B0604020202020204" pitchFamily="34" charset="0"/>
         <a:buChar char="•"/>
-        <a:defRPr sz="1800" kern="1200">
+        <a:defRPr sz="1200" kern="1200" baseline="0">
           <a:solidFill>
             <a:schemeClr val="tx1"/>
           </a:solidFill>
+          <a:effectLst/>
           <a:latin typeface="+mn-lt"/>
           <a:ea typeface="+mn-ea"/>
           <a:cs typeface="+mn-cs"/>
@@ -3220,7 +3524,7 @@
     </p:bodyStyle>
     <p:otherStyle>
       <a:defPPr>
-        <a:defRPr lang="ko-KR"/>
+        <a:defRPr lang="en-US"/>
       </a:defPPr>
       <a:lvl1pPr marL="0" algn="l" defTabSz="914400" rtl="0" eaLnBrk="1" latinLnBrk="1" hangingPunct="1">
         <a:defRPr sz="1800" kern="1200">
@@ -3350,11 +3654,17 @@
             <p:ph type="ctrTitle"/>
           </p:nvPr>
         </p:nvSpPr>
-        <p:spPr/>
+        <p:spPr>
+          <a:xfrm>
+            <a:off x="1262743" y="802298"/>
+            <a:ext cx="9792110" cy="2541431"/>
+          </a:xfrm>
+        </p:spPr>
         <p:txBody>
           <a:bodyPr/>
           <a:lstStyle/>
           <a:p>
+            <a:pPr algn="ctr"/>
             <a:r>
               <a:rPr lang="ko-KR" altLang="en-US" dirty="0"/>
               <a:t>졸업작품 제안서</a:t>
@@ -3380,9 +3690,12 @@
         </p:nvSpPr>
         <p:spPr/>
         <p:txBody>
-          <a:bodyPr/>
-          <a:lstStyle/>
-          <a:p>
+          <a:bodyPr>
+            <a:noAutofit/>
+          </a:bodyPr>
+          <a:lstStyle/>
+          <a:p>
+            <a:pPr algn="r"/>
             <a:r>
               <a:rPr lang="en-US" altLang="ko-KR" dirty="0"/>
               <a:t>2015180040 </a:t>
@@ -3391,12 +3704,10 @@
               <a:rPr lang="ko-KR" altLang="en-US" dirty="0"/>
               <a:t>채영문</a:t>
             </a:r>
-            <a:r>
-              <a:rPr lang="en-US" altLang="ko-KR" dirty="0"/>
-              <a:t>	</a:t>
-            </a:r>
-          </a:p>
-          <a:p>
+            <a:endParaRPr lang="en-US" altLang="ko-KR" dirty="0"/>
+          </a:p>
+          <a:p>
+            <a:pPr algn="r"/>
             <a:r>
               <a:rPr lang="en-US" altLang="ko-KR" dirty="0"/>
               <a:t>2017184009 </a:t>
@@ -3408,6 +3719,7 @@
             <a:endParaRPr lang="en-US" altLang="ko-KR" dirty="0"/>
           </a:p>
           <a:p>
+            <a:pPr algn="r"/>
             <a:r>
               <a:rPr lang="en-US" altLang="ko-KR" dirty="0"/>
               <a:t>2017184026 </a:t>
@@ -3423,6 +3735,1521 @@
     <p:extLst>
       <p:ext uri="{BB962C8B-B14F-4D97-AF65-F5344CB8AC3E}">
         <p14:creationId xmlns:p14="http://schemas.microsoft.com/office/powerpoint/2010/main" val="3971616237"/>
+      </p:ext>
+    </p:extLst>
+  </p:cSld>
+  <p:clrMapOvr>
+    <a:masterClrMapping/>
+  </p:clrMapOvr>
+</p:sld>
+</file>
+
+<file path=ppt/slides/slide10.xml><?xml version="1.0" encoding="utf-8"?>
+<p:sld xmlns:a="http://schemas.openxmlformats.org/drawingml/2006/main" xmlns:r="http://schemas.openxmlformats.org/officeDocument/2006/relationships" xmlns:p="http://schemas.openxmlformats.org/presentationml/2006/main">
+  <p:cSld>
+    <p:spTree>
+      <p:nvGrpSpPr>
+        <p:cNvPr id="1" name=""/>
+        <p:cNvGrpSpPr/>
+        <p:nvPr/>
+      </p:nvGrpSpPr>
+      <p:grpSpPr>
+        <a:xfrm>
+          <a:off x="0" y="0"/>
+          <a:ext cx="0" cy="0"/>
+          <a:chOff x="0" y="0"/>
+          <a:chExt cx="0" cy="0"/>
+        </a:xfrm>
+      </p:grpSpPr>
+      <p:sp>
+        <p:nvSpPr>
+          <p:cNvPr id="2" name="제목 1">
+            <a:extLst>
+              <a:ext uri="{FF2B5EF4-FFF2-40B4-BE49-F238E27FC236}">
+                <a16:creationId xmlns:a16="http://schemas.microsoft.com/office/drawing/2014/main" id="{7A77052A-66D7-48EF-BDC0-49E02A695A70}"/>
+              </a:ext>
+            </a:extLst>
+          </p:cNvPr>
+          <p:cNvSpPr>
+            <a:spLocks noGrp="1"/>
+          </p:cNvSpPr>
+          <p:nvPr>
+            <p:ph type="title"/>
+          </p:nvPr>
+        </p:nvSpPr>
+        <p:spPr/>
+        <p:txBody>
+          <a:bodyPr/>
+          <a:lstStyle/>
+          <a:p>
+            <a:r>
+              <a:rPr lang="ko-KR" altLang="en-US" dirty="0"/>
+              <a:t>게임 소개</a:t>
+            </a:r>
+            <a:r>
+              <a:rPr lang="en-US" altLang="ko-KR" dirty="0"/>
+              <a:t> (</a:t>
+            </a:r>
+            <a:r>
+              <a:rPr lang="ko-KR" altLang="en-US" dirty="0"/>
+              <a:t>디자인</a:t>
+            </a:r>
+            <a:r>
+              <a:rPr lang="en-US" altLang="ko-KR" dirty="0"/>
+              <a:t>)</a:t>
+            </a:r>
+            <a:endParaRPr lang="ko-KR" altLang="en-US" dirty="0"/>
+          </a:p>
+        </p:txBody>
+      </p:sp>
+      <p:sp>
+        <p:nvSpPr>
+          <p:cNvPr id="3" name="내용 개체 틀 2">
+            <a:extLst>
+              <a:ext uri="{FF2B5EF4-FFF2-40B4-BE49-F238E27FC236}">
+                <a16:creationId xmlns:a16="http://schemas.microsoft.com/office/drawing/2014/main" id="{D1D155F3-9FBA-4EEC-81E3-5768F6C3B4C2}"/>
+              </a:ext>
+            </a:extLst>
+          </p:cNvPr>
+          <p:cNvSpPr>
+            <a:spLocks noGrp="1"/>
+          </p:cNvSpPr>
+          <p:nvPr>
+            <p:ph idx="1"/>
+          </p:nvPr>
+        </p:nvSpPr>
+        <p:spPr/>
+        <p:txBody>
+          <a:bodyPr/>
+          <a:lstStyle/>
+          <a:p>
+            <a:r>
+              <a:rPr lang="en-US" altLang="ko-KR" dirty="0"/>
+              <a:t>4. </a:t>
+            </a:r>
+            <a:r>
+              <a:rPr lang="ko-KR" altLang="en-US" dirty="0"/>
+              <a:t>디자인 설정</a:t>
+            </a:r>
+            <a:endParaRPr lang="en-US" altLang="ko-KR" dirty="0"/>
+          </a:p>
+          <a:p>
+            <a:pPr>
+              <a:buFont typeface="Wingdings" panose="05000000000000000000" pitchFamily="2" charset="2"/>
+              <a:buChar char="v"/>
+            </a:pPr>
+            <a:r>
+              <a:rPr lang="en-US" altLang="ko-KR" dirty="0"/>
+              <a:t> </a:t>
+            </a:r>
+            <a:r>
+              <a:rPr lang="ko-KR" altLang="en-US" dirty="0"/>
+              <a:t>리틀 </a:t>
+            </a:r>
+            <a:r>
+              <a:rPr lang="ko-KR" altLang="en-US" dirty="0" err="1"/>
+              <a:t>데빌</a:t>
+            </a:r>
+            <a:r>
+              <a:rPr lang="ko-KR" altLang="en-US" dirty="0"/>
+              <a:t> 인사이드</a:t>
+            </a:r>
+            <a:r>
+              <a:rPr lang="en-US" altLang="ko-KR" dirty="0"/>
+              <a:t>, </a:t>
+            </a:r>
+            <a:r>
+              <a:rPr lang="ko-KR" altLang="en-US" dirty="0"/>
+              <a:t>동물의 숲</a:t>
+            </a:r>
+            <a:r>
+              <a:rPr lang="en-US" altLang="ko-KR" dirty="0"/>
+              <a:t>, </a:t>
+            </a:r>
+            <a:r>
+              <a:rPr lang="ko-KR" altLang="en-US" dirty="0" err="1"/>
+              <a:t>어몽어스</a:t>
+            </a:r>
+            <a:r>
+              <a:rPr lang="ko-KR" altLang="en-US" dirty="0"/>
+              <a:t> 와 같은 캐릭터</a:t>
+            </a:r>
+            <a:r>
+              <a:rPr lang="en-US" altLang="ko-KR" dirty="0"/>
+              <a:t>.</a:t>
+            </a:r>
+          </a:p>
+          <a:p>
+            <a:pPr>
+              <a:buFont typeface="Wingdings" panose="05000000000000000000" pitchFamily="2" charset="2"/>
+              <a:buChar char="v"/>
+            </a:pPr>
+            <a:r>
+              <a:rPr lang="en-US" altLang="ko-KR" dirty="0"/>
+              <a:t> </a:t>
+            </a:r>
+            <a:r>
+              <a:rPr lang="ko-KR" altLang="en-US" dirty="0"/>
+              <a:t>디자인 예시</a:t>
+            </a:r>
+          </a:p>
+        </p:txBody>
+      </p:sp>
+      <p:pic>
+        <p:nvPicPr>
+          <p:cNvPr id="5" name="그림 4" descr="고양이이(가) 표시된 사진&#10;&#10;자동 생성된 설명">
+            <a:extLst>
+              <a:ext uri="{FF2B5EF4-FFF2-40B4-BE49-F238E27FC236}">
+                <a16:creationId xmlns:a16="http://schemas.microsoft.com/office/drawing/2014/main" id="{7810FE45-E95E-4DD8-A2AB-5D109A86701E}"/>
+              </a:ext>
+            </a:extLst>
+          </p:cNvPr>
+          <p:cNvPicPr>
+            <a:picLocks noChangeAspect="1"/>
+          </p:cNvPicPr>
+          <p:nvPr/>
+        </p:nvPicPr>
+        <p:blipFill>
+          <a:blip r:embed="rId2">
+            <a:extLst>
+              <a:ext uri="{28A0092B-C50C-407E-A947-70E740481C1C}">
+                <a14:useLocalDpi xmlns:a14="http://schemas.microsoft.com/office/drawing/2010/main" val="0"/>
+              </a:ext>
+            </a:extLst>
+          </a:blip>
+          <a:stretch>
+            <a:fillRect/>
+          </a:stretch>
+        </p:blipFill>
+        <p:spPr>
+          <a:xfrm>
+            <a:off x="4442236" y="3147436"/>
+            <a:ext cx="5822128" cy="2849127"/>
+          </a:xfrm>
+          <a:prstGeom prst="rect">
+            <a:avLst/>
+          </a:prstGeom>
+        </p:spPr>
+      </p:pic>
+    </p:spTree>
+    <p:extLst>
+      <p:ext uri="{BB962C8B-B14F-4D97-AF65-F5344CB8AC3E}">
+        <p14:creationId xmlns:p14="http://schemas.microsoft.com/office/powerpoint/2010/main" val="1804665668"/>
+      </p:ext>
+    </p:extLst>
+  </p:cSld>
+  <p:clrMapOvr>
+    <a:masterClrMapping/>
+  </p:clrMapOvr>
+</p:sld>
+</file>
+
+<file path=ppt/slides/slide11.xml><?xml version="1.0" encoding="utf-8"?>
+<p:sld xmlns:a="http://schemas.openxmlformats.org/drawingml/2006/main" xmlns:r="http://schemas.openxmlformats.org/officeDocument/2006/relationships" xmlns:p="http://schemas.openxmlformats.org/presentationml/2006/main">
+  <p:cSld>
+    <p:spTree>
+      <p:nvGrpSpPr>
+        <p:cNvPr id="1" name=""/>
+        <p:cNvGrpSpPr/>
+        <p:nvPr/>
+      </p:nvGrpSpPr>
+      <p:grpSpPr>
+        <a:xfrm>
+          <a:off x="0" y="0"/>
+          <a:ext cx="0" cy="0"/>
+          <a:chOff x="0" y="0"/>
+          <a:chExt cx="0" cy="0"/>
+        </a:xfrm>
+      </p:grpSpPr>
+      <p:sp>
+        <p:nvSpPr>
+          <p:cNvPr id="2" name="제목 1">
+            <a:extLst>
+              <a:ext uri="{FF2B5EF4-FFF2-40B4-BE49-F238E27FC236}">
+                <a16:creationId xmlns:a16="http://schemas.microsoft.com/office/drawing/2014/main" id="{9A2F59EE-672F-4E8F-A299-1D775622A6EF}"/>
+              </a:ext>
+            </a:extLst>
+          </p:cNvPr>
+          <p:cNvSpPr>
+            <a:spLocks noGrp="1"/>
+          </p:cNvSpPr>
+          <p:nvPr>
+            <p:ph type="title"/>
+          </p:nvPr>
+        </p:nvSpPr>
+        <p:spPr/>
+        <p:txBody>
+          <a:bodyPr/>
+          <a:lstStyle/>
+          <a:p>
+            <a:r>
+              <a:rPr lang="ko-KR" altLang="en-US" dirty="0"/>
+              <a:t>기대 효과</a:t>
+            </a:r>
+          </a:p>
+        </p:txBody>
+      </p:sp>
+      <p:sp>
+        <p:nvSpPr>
+          <p:cNvPr id="3" name="내용 개체 틀 2">
+            <a:extLst>
+              <a:ext uri="{FF2B5EF4-FFF2-40B4-BE49-F238E27FC236}">
+                <a16:creationId xmlns:a16="http://schemas.microsoft.com/office/drawing/2014/main" id="{B6DB39CA-ED4D-4BA6-91CE-222EE311C712}"/>
+              </a:ext>
+            </a:extLst>
+          </p:cNvPr>
+          <p:cNvSpPr>
+            <a:spLocks noGrp="1"/>
+          </p:cNvSpPr>
+          <p:nvPr>
+            <p:ph idx="1"/>
+          </p:nvPr>
+        </p:nvSpPr>
+        <p:spPr/>
+        <p:txBody>
+          <a:bodyPr/>
+          <a:lstStyle/>
+          <a:p>
+            <a:pPr marL="0" indent="0">
+              <a:buNone/>
+            </a:pPr>
+            <a:endParaRPr lang="en-US" altLang="ko-KR" dirty="0"/>
+          </a:p>
+          <a:p>
+            <a:r>
+              <a:rPr lang="en-US" altLang="ko-KR" dirty="0"/>
+              <a:t>DirectX12</a:t>
+            </a:r>
+            <a:r>
+              <a:rPr lang="ko-KR" altLang="en-US" dirty="0"/>
+              <a:t>를 이용한 게임 제작 능력 함양</a:t>
+            </a:r>
+            <a:endParaRPr lang="en-US" altLang="ko-KR" dirty="0"/>
+          </a:p>
+          <a:p>
+            <a:endParaRPr lang="en-US" altLang="ko-KR" dirty="0"/>
+          </a:p>
+          <a:p>
+            <a:endParaRPr lang="en-US" altLang="ko-KR" dirty="0"/>
+          </a:p>
+          <a:p>
+            <a:r>
+              <a:rPr lang="ko-KR" altLang="en-US" dirty="0"/>
+              <a:t>팀 프로젝트를 통한 분할 작업 능력 기대</a:t>
+            </a:r>
+            <a:endParaRPr lang="en-US" altLang="ko-KR" dirty="0"/>
+          </a:p>
+          <a:p>
+            <a:endParaRPr lang="en-US" altLang="ko-KR" dirty="0"/>
+          </a:p>
+          <a:p>
+            <a:endParaRPr lang="en-US" altLang="ko-KR" dirty="0"/>
+          </a:p>
+          <a:p>
+            <a:endParaRPr lang="en-US" altLang="ko-KR" dirty="0"/>
+          </a:p>
+          <a:p>
+            <a:endParaRPr lang="ko-KR" altLang="en-US" dirty="0"/>
+          </a:p>
+        </p:txBody>
+      </p:sp>
+    </p:spTree>
+    <p:extLst>
+      <p:ext uri="{BB962C8B-B14F-4D97-AF65-F5344CB8AC3E}">
+        <p14:creationId xmlns:p14="http://schemas.microsoft.com/office/powerpoint/2010/main" val="590215135"/>
+      </p:ext>
+    </p:extLst>
+  </p:cSld>
+  <p:clrMapOvr>
+    <a:masterClrMapping/>
+  </p:clrMapOvr>
+</p:sld>
+</file>
+
+<file path=ppt/slides/slide12.xml><?xml version="1.0" encoding="utf-8"?>
+<p:sld xmlns:a="http://schemas.openxmlformats.org/drawingml/2006/main" xmlns:r="http://schemas.openxmlformats.org/officeDocument/2006/relationships" xmlns:p="http://schemas.openxmlformats.org/presentationml/2006/main">
+  <p:cSld>
+    <p:spTree>
+      <p:nvGrpSpPr>
+        <p:cNvPr id="1" name=""/>
+        <p:cNvGrpSpPr/>
+        <p:nvPr/>
+      </p:nvGrpSpPr>
+      <p:grpSpPr>
+        <a:xfrm>
+          <a:off x="0" y="0"/>
+          <a:ext cx="0" cy="0"/>
+          <a:chOff x="0" y="0"/>
+          <a:chExt cx="0" cy="0"/>
+        </a:xfrm>
+      </p:grpSpPr>
+      <p:sp>
+        <p:nvSpPr>
+          <p:cNvPr id="2" name="제목 1">
+            <a:extLst>
+              <a:ext uri="{FF2B5EF4-FFF2-40B4-BE49-F238E27FC236}">
+                <a16:creationId xmlns:a16="http://schemas.microsoft.com/office/drawing/2014/main" id="{523B199A-1F27-4381-9202-A31C4BB2D4C3}"/>
+              </a:ext>
+            </a:extLst>
+          </p:cNvPr>
+          <p:cNvSpPr>
+            <a:spLocks noGrp="1"/>
+          </p:cNvSpPr>
+          <p:nvPr>
+            <p:ph type="title"/>
+          </p:nvPr>
+        </p:nvSpPr>
+        <p:spPr>
+          <a:xfrm>
+            <a:off x="838200" y="365126"/>
+            <a:ext cx="10515600" cy="735012"/>
+          </a:xfrm>
+        </p:spPr>
+        <p:txBody>
+          <a:bodyPr/>
+          <a:lstStyle/>
+          <a:p>
+            <a:r>
+              <a:rPr lang="ko-KR" altLang="en-US" dirty="0"/>
+              <a:t>타 게임 과의 비교</a:t>
+            </a:r>
+          </a:p>
+        </p:txBody>
+      </p:sp>
+      <p:sp>
+        <p:nvSpPr>
+          <p:cNvPr id="3" name="내용 개체 틀 2">
+            <a:extLst>
+              <a:ext uri="{FF2B5EF4-FFF2-40B4-BE49-F238E27FC236}">
+                <a16:creationId xmlns:a16="http://schemas.microsoft.com/office/drawing/2014/main" id="{10E21EA4-EF39-4BE3-AF14-F56C381245B2}"/>
+              </a:ext>
+            </a:extLst>
+          </p:cNvPr>
+          <p:cNvSpPr>
+            <a:spLocks noGrp="1"/>
+          </p:cNvSpPr>
+          <p:nvPr>
+            <p:ph idx="1"/>
+          </p:nvPr>
+        </p:nvSpPr>
+        <p:spPr>
+          <a:xfrm>
+            <a:off x="838200" y="1406525"/>
+            <a:ext cx="10515600" cy="307975"/>
+          </a:xfrm>
+        </p:spPr>
+        <p:txBody>
+          <a:bodyPr>
+            <a:normAutofit fontScale="70000" lnSpcReduction="20000"/>
+          </a:bodyPr>
+          <a:lstStyle/>
+          <a:p>
+            <a:r>
+              <a:rPr lang="ko-KR" altLang="en-US" sz="2000" dirty="0"/>
+              <a:t>두 요소의 결합</a:t>
+            </a:r>
+            <a:endParaRPr lang="en-US" altLang="ko-KR" sz="2000" dirty="0"/>
+          </a:p>
+          <a:p>
+            <a:pPr marL="0" indent="0">
+              <a:buNone/>
+            </a:pPr>
+            <a:endParaRPr lang="en-US" altLang="ko-KR" sz="2000" dirty="0"/>
+          </a:p>
+        </p:txBody>
+      </p:sp>
+      <p:pic>
+        <p:nvPicPr>
+          <p:cNvPr id="1028" name="Picture 4" descr="早在《人民的名义》十年前，网游就被用来反腐了">
+            <a:extLst>
+              <a:ext uri="{FF2B5EF4-FFF2-40B4-BE49-F238E27FC236}">
+                <a16:creationId xmlns:a16="http://schemas.microsoft.com/office/drawing/2014/main" id="{FAB3F509-2E58-4536-8ABC-E99E0B7DE08C}"/>
+              </a:ext>
+            </a:extLst>
+          </p:cNvPr>
+          <p:cNvPicPr>
+            <a:picLocks noChangeAspect="1" noChangeArrowheads="1"/>
+          </p:cNvPicPr>
+          <p:nvPr/>
+        </p:nvPicPr>
+        <p:blipFill>
+          <a:blip r:embed="rId2">
+            <a:extLst>
+              <a:ext uri="{28A0092B-C50C-407E-A947-70E740481C1C}">
+                <a14:useLocalDpi xmlns:a14="http://schemas.microsoft.com/office/drawing/2010/main" val="0"/>
+              </a:ext>
+            </a:extLst>
+          </a:blip>
+          <a:srcRect/>
+          <a:stretch>
+            <a:fillRect/>
+          </a:stretch>
+        </p:blipFill>
+        <p:spPr bwMode="auto">
+          <a:xfrm>
+            <a:off x="1327150" y="1828801"/>
+            <a:ext cx="3714750" cy="2476500"/>
+          </a:xfrm>
+          <a:prstGeom prst="rect">
+            <a:avLst/>
+          </a:prstGeom>
+          <a:noFill/>
+          <a:extLst>
+            <a:ext uri="{909E8E84-426E-40DD-AFC4-6F175D3DCCD1}">
+              <a14:hiddenFill xmlns:a14="http://schemas.microsoft.com/office/drawing/2010/main">
+                <a:solidFill>
+                  <a:srgbClr val="FFFFFF"/>
+                </a:solidFill>
+              </a14:hiddenFill>
+            </a:ext>
+          </a:extLst>
+        </p:spPr>
+      </p:pic>
+      <p:pic>
+        <p:nvPicPr>
+          <p:cNvPr id="1030" name="Picture 6" descr="반교 : 디텐션 -처음부터 엔딩까지- - YouTube">
+            <a:extLst>
+              <a:ext uri="{FF2B5EF4-FFF2-40B4-BE49-F238E27FC236}">
+                <a16:creationId xmlns:a16="http://schemas.microsoft.com/office/drawing/2014/main" id="{8CC4A621-4201-4B5C-9F84-D48118175879}"/>
+              </a:ext>
+            </a:extLst>
+          </p:cNvPr>
+          <p:cNvPicPr>
+            <a:picLocks noChangeAspect="1" noChangeArrowheads="1"/>
+          </p:cNvPicPr>
+          <p:nvPr/>
+        </p:nvPicPr>
+        <p:blipFill>
+          <a:blip r:embed="rId3">
+            <a:extLst>
+              <a:ext uri="{28A0092B-C50C-407E-A947-70E740481C1C}">
+                <a14:useLocalDpi xmlns:a14="http://schemas.microsoft.com/office/drawing/2010/main" val="0"/>
+              </a:ext>
+            </a:extLst>
+          </a:blip>
+          <a:srcRect/>
+          <a:stretch>
+            <a:fillRect/>
+          </a:stretch>
+        </p:blipFill>
+        <p:spPr bwMode="auto">
+          <a:xfrm>
+            <a:off x="6521450" y="1828800"/>
+            <a:ext cx="3714750" cy="2476500"/>
+          </a:xfrm>
+          <a:prstGeom prst="rect">
+            <a:avLst/>
+          </a:prstGeom>
+          <a:noFill/>
+          <a:extLst>
+            <a:ext uri="{909E8E84-426E-40DD-AFC4-6F175D3DCCD1}">
+              <a14:hiddenFill xmlns:a14="http://schemas.microsoft.com/office/drawing/2010/main">
+                <a:solidFill>
+                  <a:srgbClr val="FFFFFF"/>
+                </a:solidFill>
+              </a14:hiddenFill>
+            </a:ext>
+          </a:extLst>
+        </p:spPr>
+      </p:pic>
+      <p:sp>
+        <p:nvSpPr>
+          <p:cNvPr id="4" name="TextBox 3">
+            <a:extLst>
+              <a:ext uri="{FF2B5EF4-FFF2-40B4-BE49-F238E27FC236}">
+                <a16:creationId xmlns:a16="http://schemas.microsoft.com/office/drawing/2014/main" id="{AFF98388-45A4-4689-8F6D-5EE4A73155F1}"/>
+              </a:ext>
+            </a:extLst>
+          </p:cNvPr>
+          <p:cNvSpPr txBox="1"/>
+          <p:nvPr/>
+        </p:nvSpPr>
+        <p:spPr>
+          <a:xfrm>
+            <a:off x="2301875" y="4419602"/>
+            <a:ext cx="1765300" cy="369332"/>
+          </a:xfrm>
+          <a:prstGeom prst="rect">
+            <a:avLst/>
+          </a:prstGeom>
+          <a:noFill/>
+        </p:spPr>
+        <p:txBody>
+          <a:bodyPr wrap="square" rtlCol="0">
+            <a:spAutoFit/>
+          </a:bodyPr>
+          <a:lstStyle/>
+          <a:p>
+            <a:r>
+              <a:rPr lang="en-US" altLang="ko-KR" dirty="0"/>
+              <a:t>&lt;</a:t>
+            </a:r>
+            <a:r>
+              <a:rPr lang="ko-KR" altLang="en-US" dirty="0"/>
+              <a:t>청렴한 전사</a:t>
+            </a:r>
+            <a:r>
+              <a:rPr lang="en-US" altLang="ko-KR" dirty="0"/>
+              <a:t>&gt;</a:t>
+            </a:r>
+            <a:endParaRPr lang="ko-KR" altLang="en-US" dirty="0"/>
+          </a:p>
+        </p:txBody>
+      </p:sp>
+      <p:sp>
+        <p:nvSpPr>
+          <p:cNvPr id="5" name="TextBox 4">
+            <a:extLst>
+              <a:ext uri="{FF2B5EF4-FFF2-40B4-BE49-F238E27FC236}">
+                <a16:creationId xmlns:a16="http://schemas.microsoft.com/office/drawing/2014/main" id="{173E95E2-4D79-47AA-A6E5-E21EE8EEDD53}"/>
+              </a:ext>
+            </a:extLst>
+          </p:cNvPr>
+          <p:cNvSpPr txBox="1"/>
+          <p:nvPr/>
+        </p:nvSpPr>
+        <p:spPr>
+          <a:xfrm>
+            <a:off x="7483475" y="4419602"/>
+            <a:ext cx="1790700" cy="369332"/>
+          </a:xfrm>
+          <a:prstGeom prst="rect">
+            <a:avLst/>
+          </a:prstGeom>
+          <a:noFill/>
+        </p:spPr>
+        <p:txBody>
+          <a:bodyPr wrap="square" rtlCol="0">
+            <a:spAutoFit/>
+          </a:bodyPr>
+          <a:lstStyle/>
+          <a:p>
+            <a:r>
+              <a:rPr lang="en-US" altLang="ko-KR" dirty="0"/>
+              <a:t>&lt;</a:t>
+            </a:r>
+            <a:r>
+              <a:rPr lang="ko-KR" altLang="en-US" dirty="0" err="1"/>
+              <a:t>반교</a:t>
+            </a:r>
+            <a:r>
+              <a:rPr lang="ko-KR" altLang="en-US" dirty="0"/>
+              <a:t> </a:t>
+            </a:r>
+            <a:r>
+              <a:rPr lang="ko-KR" altLang="en-US" dirty="0" err="1"/>
+              <a:t>디텐션</a:t>
+            </a:r>
+            <a:r>
+              <a:rPr lang="en-US" altLang="ko-KR" dirty="0"/>
+              <a:t>&gt;</a:t>
+            </a:r>
+            <a:endParaRPr lang="ko-KR" altLang="en-US" dirty="0"/>
+          </a:p>
+        </p:txBody>
+      </p:sp>
+      <p:sp>
+        <p:nvSpPr>
+          <p:cNvPr id="6" name="TextBox 5">
+            <a:extLst>
+              <a:ext uri="{FF2B5EF4-FFF2-40B4-BE49-F238E27FC236}">
+                <a16:creationId xmlns:a16="http://schemas.microsoft.com/office/drawing/2014/main" id="{8A5E0C83-2994-45A7-A486-309A421729C7}"/>
+              </a:ext>
+            </a:extLst>
+          </p:cNvPr>
+          <p:cNvSpPr txBox="1"/>
+          <p:nvPr/>
+        </p:nvSpPr>
+        <p:spPr>
+          <a:xfrm>
+            <a:off x="1168400" y="5067300"/>
+            <a:ext cx="9067800" cy="1477328"/>
+          </a:xfrm>
+          <a:prstGeom prst="rect">
+            <a:avLst/>
+          </a:prstGeom>
+          <a:noFill/>
+        </p:spPr>
+        <p:txBody>
+          <a:bodyPr wrap="square" rtlCol="0">
+            <a:spAutoFit/>
+          </a:bodyPr>
+          <a:lstStyle/>
+          <a:p>
+            <a:pPr marL="285750" indent="-285750">
+              <a:buFont typeface="Arial" panose="020B0604020202020204" pitchFamily="34" charset="0"/>
+              <a:buChar char="•"/>
+            </a:pPr>
+            <a:r>
+              <a:rPr lang="ko-KR" altLang="en-US" dirty="0"/>
+              <a:t>사회 고위층의 부정부패를 배경으로 한다</a:t>
+            </a:r>
+            <a:r>
+              <a:rPr lang="en-US" altLang="ko-KR" dirty="0"/>
+              <a:t>.</a:t>
+            </a:r>
+            <a:endParaRPr lang="ko-KR" altLang="en-US" dirty="0"/>
+          </a:p>
+          <a:p>
+            <a:pPr marL="285750" indent="-285750">
+              <a:buFont typeface="Arial" panose="020B0604020202020204" pitchFamily="34" charset="0"/>
+              <a:buChar char="•"/>
+            </a:pPr>
+            <a:endParaRPr lang="en-US" altLang="ko-KR" b="0" i="0" dirty="0">
+              <a:solidFill>
+                <a:srgbClr val="24292E"/>
+              </a:solidFill>
+              <a:effectLst/>
+              <a:latin typeface="-apple-system"/>
+            </a:endParaRPr>
+          </a:p>
+          <a:p>
+            <a:pPr marL="285750" indent="-285750">
+              <a:buFont typeface="Arial" panose="020B0604020202020204" pitchFamily="34" charset="0"/>
+              <a:buChar char="•"/>
+            </a:pPr>
+            <a:endParaRPr lang="en-US" altLang="ko-KR" b="0" i="0" dirty="0">
+              <a:solidFill>
+                <a:srgbClr val="24292E"/>
+              </a:solidFill>
+              <a:effectLst/>
+              <a:latin typeface="-apple-system"/>
+            </a:endParaRPr>
+          </a:p>
+          <a:p>
+            <a:pPr marL="285750" indent="-285750">
+              <a:buFont typeface="Arial" panose="020B0604020202020204" pitchFamily="34" charset="0"/>
+              <a:buChar char="•"/>
+            </a:pPr>
+            <a:r>
+              <a:rPr lang="ko-KR" altLang="en-US" b="0" i="0" dirty="0">
+                <a:solidFill>
+                  <a:srgbClr val="24292E"/>
+                </a:solidFill>
+                <a:effectLst/>
+                <a:latin typeface="-apple-system"/>
+              </a:rPr>
+              <a:t>홍콩시위의 주요 사건들을 게임에서 다뤄 고객들의 관심을 집중 시킨다</a:t>
+            </a:r>
+            <a:r>
+              <a:rPr lang="en-US" altLang="ko-KR" b="0" i="0" dirty="0">
+                <a:solidFill>
+                  <a:srgbClr val="24292E"/>
+                </a:solidFill>
+                <a:effectLst/>
+                <a:latin typeface="-apple-system"/>
+              </a:rPr>
+              <a:t>.</a:t>
+            </a:r>
+          </a:p>
+          <a:p>
+            <a:pPr marL="285750" indent="-285750">
+              <a:buFont typeface="Arial" panose="020B0604020202020204" pitchFamily="34" charset="0"/>
+              <a:buChar char="•"/>
+            </a:pPr>
+            <a:endParaRPr lang="en-US" altLang="ko-KR" dirty="0">
+              <a:solidFill>
+                <a:srgbClr val="24292E"/>
+              </a:solidFill>
+              <a:latin typeface="-apple-system"/>
+            </a:endParaRPr>
+          </a:p>
+        </p:txBody>
+      </p:sp>
+      <p:sp>
+        <p:nvSpPr>
+          <p:cNvPr id="7" name="더하기 기호 6">
+            <a:extLst>
+              <a:ext uri="{FF2B5EF4-FFF2-40B4-BE49-F238E27FC236}">
+                <a16:creationId xmlns:a16="http://schemas.microsoft.com/office/drawing/2014/main" id="{3D348CB1-A836-4A8B-A93B-C824F840092C}"/>
+              </a:ext>
+            </a:extLst>
+          </p:cNvPr>
+          <p:cNvSpPr/>
+          <p:nvPr/>
+        </p:nvSpPr>
+        <p:spPr>
+          <a:xfrm>
+            <a:off x="5346700" y="2705100"/>
+            <a:ext cx="889000" cy="838200"/>
+          </a:xfrm>
+          <a:prstGeom prst="mathPlus">
+            <a:avLst/>
+          </a:prstGeom>
+        </p:spPr>
+        <p:style>
+          <a:lnRef idx="2">
+            <a:schemeClr val="accent1">
+              <a:shade val="50000"/>
+            </a:schemeClr>
+          </a:lnRef>
+          <a:fillRef idx="1">
+            <a:schemeClr val="accent1"/>
+          </a:fillRef>
+          <a:effectRef idx="0">
+            <a:schemeClr val="accent1"/>
+          </a:effectRef>
+          <a:fontRef idx="minor">
+            <a:schemeClr val="lt1"/>
+          </a:fontRef>
+        </p:style>
+        <p:txBody>
+          <a:bodyPr rtlCol="0" anchor="ctr"/>
+          <a:lstStyle/>
+          <a:p>
+            <a:pPr algn="ctr"/>
+            <a:endParaRPr lang="ko-KR" altLang="en-US"/>
+          </a:p>
+        </p:txBody>
+      </p:sp>
+    </p:spTree>
+    <p:extLst>
+      <p:ext uri="{BB962C8B-B14F-4D97-AF65-F5344CB8AC3E}">
+        <p14:creationId xmlns:p14="http://schemas.microsoft.com/office/powerpoint/2010/main" val="765168948"/>
+      </p:ext>
+    </p:extLst>
+  </p:cSld>
+  <p:clrMapOvr>
+    <a:masterClrMapping/>
+  </p:clrMapOvr>
+</p:sld>
+</file>
+
+<file path=ppt/slides/slide13.xml><?xml version="1.0" encoding="utf-8"?>
+<p:sld xmlns:a="http://schemas.openxmlformats.org/drawingml/2006/main" xmlns:r="http://schemas.openxmlformats.org/officeDocument/2006/relationships" xmlns:p="http://schemas.openxmlformats.org/presentationml/2006/main">
+  <p:cSld>
+    <p:spTree>
+      <p:nvGrpSpPr>
+        <p:cNvPr id="1" name=""/>
+        <p:cNvGrpSpPr/>
+        <p:nvPr/>
+      </p:nvGrpSpPr>
+      <p:grpSpPr>
+        <a:xfrm>
+          <a:off x="0" y="0"/>
+          <a:ext cx="0" cy="0"/>
+          <a:chOff x="0" y="0"/>
+          <a:chExt cx="0" cy="0"/>
+        </a:xfrm>
+      </p:grpSpPr>
+      <p:sp>
+        <p:nvSpPr>
+          <p:cNvPr id="4" name="제목 1">
+            <a:extLst>
+              <a:ext uri="{FF2B5EF4-FFF2-40B4-BE49-F238E27FC236}">
+                <a16:creationId xmlns:a16="http://schemas.microsoft.com/office/drawing/2014/main" id="{9EBC455C-41C1-4EAC-935B-FE21B8A5641F}"/>
+              </a:ext>
+            </a:extLst>
+          </p:cNvPr>
+          <p:cNvSpPr txBox="1">
+            <a:spLocks/>
+          </p:cNvSpPr>
+          <p:nvPr/>
+        </p:nvSpPr>
+        <p:spPr>
+          <a:xfrm>
+            <a:off x="838200" y="365126"/>
+            <a:ext cx="10515600" cy="735012"/>
+          </a:xfrm>
+          <a:prstGeom prst="rect">
+            <a:avLst/>
+          </a:prstGeom>
+        </p:spPr>
+        <p:txBody>
+          <a:bodyPr vert="horz" lIns="91440" tIns="45720" rIns="91440" bIns="45720" rtlCol="0" anchor="ctr">
+            <a:normAutofit/>
+          </a:bodyPr>
+          <a:lstStyle>
+            <a:lvl1pPr algn="l" defTabSz="914400" rtl="0" eaLnBrk="1" latinLnBrk="1" hangingPunct="1">
+              <a:lnSpc>
+                <a:spcPct val="90000"/>
+              </a:lnSpc>
+              <a:spcBef>
+                <a:spcPct val="0"/>
+              </a:spcBef>
+              <a:buNone/>
+              <a:defRPr sz="4400" kern="1200">
+                <a:solidFill>
+                  <a:schemeClr val="tx1"/>
+                </a:solidFill>
+                <a:latin typeface="+mj-lt"/>
+                <a:ea typeface="+mj-ea"/>
+                <a:cs typeface="+mj-cs"/>
+              </a:defRPr>
+            </a:lvl1pPr>
+          </a:lstStyle>
+          <a:p>
+            <a:r>
+              <a:rPr lang="ko-KR" altLang="en-US"/>
+              <a:t>타 게임 과의 비교</a:t>
+            </a:r>
+            <a:endParaRPr lang="ko-KR" altLang="en-US" dirty="0"/>
+          </a:p>
+        </p:txBody>
+      </p:sp>
+      <p:pic>
+        <p:nvPicPr>
+          <p:cNvPr id="2050" name="Picture 2" descr="어쌔신 크리드: 유니티 한글자막 게임플레이 영상 (E3 2014) - YouTube">
+            <a:extLst>
+              <a:ext uri="{FF2B5EF4-FFF2-40B4-BE49-F238E27FC236}">
+                <a16:creationId xmlns:a16="http://schemas.microsoft.com/office/drawing/2014/main" id="{944A2EA8-2109-4B64-A9B3-486741F341A4}"/>
+              </a:ext>
+            </a:extLst>
+          </p:cNvPr>
+          <p:cNvPicPr>
+            <a:picLocks noGrp="1" noChangeAspect="1" noChangeArrowheads="1"/>
+          </p:cNvPicPr>
+          <p:nvPr>
+            <p:ph idx="1"/>
+          </p:nvPr>
+        </p:nvPicPr>
+        <p:blipFill>
+          <a:blip r:embed="rId2">
+            <a:extLst>
+              <a:ext uri="{28A0092B-C50C-407E-A947-70E740481C1C}">
+                <a14:useLocalDpi xmlns:a14="http://schemas.microsoft.com/office/drawing/2010/main" val="0"/>
+              </a:ext>
+            </a:extLst>
+          </a:blip>
+          <a:srcRect/>
+          <a:stretch>
+            <a:fillRect/>
+          </a:stretch>
+        </p:blipFill>
+        <p:spPr bwMode="auto">
+          <a:xfrm>
+            <a:off x="1244599" y="1817913"/>
+            <a:ext cx="3984948" cy="2231571"/>
+          </a:xfrm>
+          <a:prstGeom prst="rect">
+            <a:avLst/>
+          </a:prstGeom>
+          <a:noFill/>
+          <a:extLst>
+            <a:ext uri="{909E8E84-426E-40DD-AFC4-6F175D3DCCD1}">
+              <a14:hiddenFill xmlns:a14="http://schemas.microsoft.com/office/drawing/2010/main">
+                <a:solidFill>
+                  <a:srgbClr val="FFFFFF"/>
+                </a:solidFill>
+              </a14:hiddenFill>
+            </a:ext>
+          </a:extLst>
+        </p:spPr>
+      </p:pic>
+      <p:pic>
+        <p:nvPicPr>
+          <p:cNvPr id="2052" name="Picture 4" descr="지워선 안될 우리의 역사! 게임 '웬즈데이' :: 텀블벅">
+            <a:extLst>
+              <a:ext uri="{FF2B5EF4-FFF2-40B4-BE49-F238E27FC236}">
+                <a16:creationId xmlns:a16="http://schemas.microsoft.com/office/drawing/2014/main" id="{E35EECD4-8F80-4E72-8409-87A1B8B58EEE}"/>
+              </a:ext>
+            </a:extLst>
+          </p:cNvPr>
+          <p:cNvPicPr>
+            <a:picLocks noChangeAspect="1" noChangeArrowheads="1"/>
+          </p:cNvPicPr>
+          <p:nvPr/>
+        </p:nvPicPr>
+        <p:blipFill>
+          <a:blip r:embed="rId3">
+            <a:extLst>
+              <a:ext uri="{28A0092B-C50C-407E-A947-70E740481C1C}">
+                <a14:useLocalDpi xmlns:a14="http://schemas.microsoft.com/office/drawing/2010/main" val="0"/>
+              </a:ext>
+            </a:extLst>
+          </a:blip>
+          <a:srcRect/>
+          <a:stretch>
+            <a:fillRect/>
+          </a:stretch>
+        </p:blipFill>
+        <p:spPr bwMode="auto">
+          <a:xfrm>
+            <a:off x="6381883" y="1817913"/>
+            <a:ext cx="3984948" cy="2231572"/>
+          </a:xfrm>
+          <a:prstGeom prst="rect">
+            <a:avLst/>
+          </a:prstGeom>
+          <a:noFill/>
+          <a:extLst>
+            <a:ext uri="{909E8E84-426E-40DD-AFC4-6F175D3DCCD1}">
+              <a14:hiddenFill xmlns:a14="http://schemas.microsoft.com/office/drawing/2010/main">
+                <a:solidFill>
+                  <a:srgbClr val="FFFFFF"/>
+                </a:solidFill>
+              </a14:hiddenFill>
+            </a:ext>
+          </a:extLst>
+        </p:spPr>
+      </p:pic>
+      <p:sp>
+        <p:nvSpPr>
+          <p:cNvPr id="7" name="더하기 기호 6">
+            <a:extLst>
+              <a:ext uri="{FF2B5EF4-FFF2-40B4-BE49-F238E27FC236}">
+                <a16:creationId xmlns:a16="http://schemas.microsoft.com/office/drawing/2014/main" id="{98767471-F1E7-428C-B2E3-B024C55DD38F}"/>
+              </a:ext>
+            </a:extLst>
+          </p:cNvPr>
+          <p:cNvSpPr/>
+          <p:nvPr/>
+        </p:nvSpPr>
+        <p:spPr>
+          <a:xfrm>
+            <a:off x="5361214" y="2514598"/>
+            <a:ext cx="889000" cy="838200"/>
+          </a:xfrm>
+          <a:prstGeom prst="mathPlus">
+            <a:avLst/>
+          </a:prstGeom>
+          <a:solidFill>
+            <a:srgbClr val="C00000"/>
+          </a:solidFill>
+        </p:spPr>
+        <p:style>
+          <a:lnRef idx="2">
+            <a:schemeClr val="accent1">
+              <a:shade val="50000"/>
+            </a:schemeClr>
+          </a:lnRef>
+          <a:fillRef idx="1">
+            <a:schemeClr val="accent1"/>
+          </a:fillRef>
+          <a:effectRef idx="0">
+            <a:schemeClr val="accent1"/>
+          </a:effectRef>
+          <a:fontRef idx="minor">
+            <a:schemeClr val="lt1"/>
+          </a:fontRef>
+        </p:style>
+        <p:txBody>
+          <a:bodyPr rtlCol="0" anchor="ctr"/>
+          <a:lstStyle/>
+          <a:p>
+            <a:pPr algn="ctr"/>
+            <a:endParaRPr lang="ko-KR" altLang="en-US"/>
+          </a:p>
+        </p:txBody>
+      </p:sp>
+      <p:sp>
+        <p:nvSpPr>
+          <p:cNvPr id="9" name="내용 개체 틀 2">
+            <a:extLst>
+              <a:ext uri="{FF2B5EF4-FFF2-40B4-BE49-F238E27FC236}">
+                <a16:creationId xmlns:a16="http://schemas.microsoft.com/office/drawing/2014/main" id="{AF3FD809-EA1D-4276-829B-D14A96301527}"/>
+              </a:ext>
+            </a:extLst>
+          </p:cNvPr>
+          <p:cNvSpPr txBox="1">
+            <a:spLocks/>
+          </p:cNvSpPr>
+          <p:nvPr/>
+        </p:nvSpPr>
+        <p:spPr>
+          <a:xfrm>
+            <a:off x="838200" y="1406525"/>
+            <a:ext cx="10515600" cy="307975"/>
+          </a:xfrm>
+          <a:prstGeom prst="rect">
+            <a:avLst/>
+          </a:prstGeom>
+        </p:spPr>
+        <p:txBody>
+          <a:bodyPr vert="horz" lIns="91440" tIns="45720" rIns="91440" bIns="45720" rtlCol="0">
+            <a:normAutofit fontScale="92500" lnSpcReduction="20000"/>
+          </a:bodyPr>
+          <a:lstStyle>
+            <a:lvl1pPr marL="228600" indent="-228600" algn="l" defTabSz="914400" rtl="0" eaLnBrk="1" latinLnBrk="1" hangingPunct="1">
+              <a:lnSpc>
+                <a:spcPct val="90000"/>
+              </a:lnSpc>
+              <a:spcBef>
+                <a:spcPts val="1000"/>
+              </a:spcBef>
+              <a:buFont typeface="Arial" panose="020B0604020202020204" pitchFamily="34" charset="0"/>
+              <a:buChar char="•"/>
+              <a:defRPr sz="2800" kern="1200">
+                <a:solidFill>
+                  <a:schemeClr val="tx1"/>
+                </a:solidFill>
+                <a:latin typeface="+mn-lt"/>
+                <a:ea typeface="+mn-ea"/>
+                <a:cs typeface="+mn-cs"/>
+              </a:defRPr>
+            </a:lvl1pPr>
+            <a:lvl2pPr marL="685800" indent="-228600" algn="l" defTabSz="914400" rtl="0" eaLnBrk="1" latinLnBrk="1" hangingPunct="1">
+              <a:lnSpc>
+                <a:spcPct val="90000"/>
+              </a:lnSpc>
+              <a:spcBef>
+                <a:spcPts val="500"/>
+              </a:spcBef>
+              <a:buFont typeface="Arial" panose="020B0604020202020204" pitchFamily="34" charset="0"/>
+              <a:buChar char="•"/>
+              <a:defRPr sz="2400" kern="1200">
+                <a:solidFill>
+                  <a:schemeClr val="tx1"/>
+                </a:solidFill>
+                <a:latin typeface="+mn-lt"/>
+                <a:ea typeface="+mn-ea"/>
+                <a:cs typeface="+mn-cs"/>
+              </a:defRPr>
+            </a:lvl2pPr>
+            <a:lvl3pPr marL="1143000" indent="-228600" algn="l" defTabSz="914400" rtl="0" eaLnBrk="1" latinLnBrk="1" hangingPunct="1">
+              <a:lnSpc>
+                <a:spcPct val="90000"/>
+              </a:lnSpc>
+              <a:spcBef>
+                <a:spcPts val="500"/>
+              </a:spcBef>
+              <a:buFont typeface="Arial" panose="020B0604020202020204" pitchFamily="34" charset="0"/>
+              <a:buChar char="•"/>
+              <a:defRPr sz="2000" kern="1200">
+                <a:solidFill>
+                  <a:schemeClr val="tx1"/>
+                </a:solidFill>
+                <a:latin typeface="+mn-lt"/>
+                <a:ea typeface="+mn-ea"/>
+                <a:cs typeface="+mn-cs"/>
+              </a:defRPr>
+            </a:lvl3pPr>
+            <a:lvl4pPr marL="1600200" indent="-228600" algn="l" defTabSz="914400" rtl="0" eaLnBrk="1" latinLnBrk="1" hangingPunct="1">
+              <a:lnSpc>
+                <a:spcPct val="90000"/>
+              </a:lnSpc>
+              <a:spcBef>
+                <a:spcPts val="500"/>
+              </a:spcBef>
+              <a:buFont typeface="Arial" panose="020B0604020202020204" pitchFamily="34" charset="0"/>
+              <a:buChar char="•"/>
+              <a:defRPr sz="1800" kern="1200">
+                <a:solidFill>
+                  <a:schemeClr val="tx1"/>
+                </a:solidFill>
+                <a:latin typeface="+mn-lt"/>
+                <a:ea typeface="+mn-ea"/>
+                <a:cs typeface="+mn-cs"/>
+              </a:defRPr>
+            </a:lvl4pPr>
+            <a:lvl5pPr marL="2057400" indent="-228600" algn="l" defTabSz="914400" rtl="0" eaLnBrk="1" latinLnBrk="1" hangingPunct="1">
+              <a:lnSpc>
+                <a:spcPct val="90000"/>
+              </a:lnSpc>
+              <a:spcBef>
+                <a:spcPts val="500"/>
+              </a:spcBef>
+              <a:buFont typeface="Arial" panose="020B0604020202020204" pitchFamily="34" charset="0"/>
+              <a:buChar char="•"/>
+              <a:defRPr sz="1800" kern="1200">
+                <a:solidFill>
+                  <a:schemeClr val="tx1"/>
+                </a:solidFill>
+                <a:latin typeface="+mn-lt"/>
+                <a:ea typeface="+mn-ea"/>
+                <a:cs typeface="+mn-cs"/>
+              </a:defRPr>
+            </a:lvl5pPr>
+            <a:lvl6pPr marL="2514600" indent="-228600" algn="l" defTabSz="914400" rtl="0" eaLnBrk="1" latinLnBrk="1" hangingPunct="1">
+              <a:lnSpc>
+                <a:spcPct val="90000"/>
+              </a:lnSpc>
+              <a:spcBef>
+                <a:spcPts val="500"/>
+              </a:spcBef>
+              <a:buFont typeface="Arial" panose="020B0604020202020204" pitchFamily="34" charset="0"/>
+              <a:buChar char="•"/>
+              <a:defRPr sz="1800" kern="1200">
+                <a:solidFill>
+                  <a:schemeClr val="tx1"/>
+                </a:solidFill>
+                <a:latin typeface="+mn-lt"/>
+                <a:ea typeface="+mn-ea"/>
+                <a:cs typeface="+mn-cs"/>
+              </a:defRPr>
+            </a:lvl6pPr>
+            <a:lvl7pPr marL="2971800" indent="-228600" algn="l" defTabSz="914400" rtl="0" eaLnBrk="1" latinLnBrk="1" hangingPunct="1">
+              <a:lnSpc>
+                <a:spcPct val="90000"/>
+              </a:lnSpc>
+              <a:spcBef>
+                <a:spcPts val="500"/>
+              </a:spcBef>
+              <a:buFont typeface="Arial" panose="020B0604020202020204" pitchFamily="34" charset="0"/>
+              <a:buChar char="•"/>
+              <a:defRPr sz="1800" kern="1200">
+                <a:solidFill>
+                  <a:schemeClr val="tx1"/>
+                </a:solidFill>
+                <a:latin typeface="+mn-lt"/>
+                <a:ea typeface="+mn-ea"/>
+                <a:cs typeface="+mn-cs"/>
+              </a:defRPr>
+            </a:lvl7pPr>
+            <a:lvl8pPr marL="3429000" indent="-228600" algn="l" defTabSz="914400" rtl="0" eaLnBrk="1" latinLnBrk="1" hangingPunct="1">
+              <a:lnSpc>
+                <a:spcPct val="90000"/>
+              </a:lnSpc>
+              <a:spcBef>
+                <a:spcPts val="500"/>
+              </a:spcBef>
+              <a:buFont typeface="Arial" panose="020B0604020202020204" pitchFamily="34" charset="0"/>
+              <a:buChar char="•"/>
+              <a:defRPr sz="1800" kern="1200">
+                <a:solidFill>
+                  <a:schemeClr val="tx1"/>
+                </a:solidFill>
+                <a:latin typeface="+mn-lt"/>
+                <a:ea typeface="+mn-ea"/>
+                <a:cs typeface="+mn-cs"/>
+              </a:defRPr>
+            </a:lvl8pPr>
+            <a:lvl9pPr marL="3886200" indent="-228600" algn="l" defTabSz="914400" rtl="0" eaLnBrk="1" latinLnBrk="1" hangingPunct="1">
+              <a:lnSpc>
+                <a:spcPct val="90000"/>
+              </a:lnSpc>
+              <a:spcBef>
+                <a:spcPts val="500"/>
+              </a:spcBef>
+              <a:buFont typeface="Arial" panose="020B0604020202020204" pitchFamily="34" charset="0"/>
+              <a:buChar char="•"/>
+              <a:defRPr sz="1800" kern="1200">
+                <a:solidFill>
+                  <a:schemeClr val="tx1"/>
+                </a:solidFill>
+                <a:latin typeface="+mn-lt"/>
+                <a:ea typeface="+mn-ea"/>
+                <a:cs typeface="+mn-cs"/>
+              </a:defRPr>
+            </a:lvl9pPr>
+          </a:lstStyle>
+          <a:p>
+            <a:r>
+              <a:rPr lang="ko-KR" altLang="en-US" sz="2000" dirty="0"/>
+              <a:t>부정 요인 배제</a:t>
+            </a:r>
+            <a:endParaRPr lang="en-US" altLang="ko-KR" sz="2000" dirty="0"/>
+          </a:p>
+          <a:p>
+            <a:pPr marL="0" indent="0">
+              <a:buNone/>
+            </a:pPr>
+            <a:endParaRPr lang="en-US" altLang="ko-KR" sz="2000" dirty="0"/>
+          </a:p>
+        </p:txBody>
+      </p:sp>
+      <p:sp>
+        <p:nvSpPr>
+          <p:cNvPr id="10" name="TextBox 9">
+            <a:extLst>
+              <a:ext uri="{FF2B5EF4-FFF2-40B4-BE49-F238E27FC236}">
+                <a16:creationId xmlns:a16="http://schemas.microsoft.com/office/drawing/2014/main" id="{A06C86C9-B77E-4365-ACB3-1DB84ED37ABE}"/>
+              </a:ext>
+            </a:extLst>
+          </p:cNvPr>
+          <p:cNvSpPr txBox="1"/>
+          <p:nvPr/>
+        </p:nvSpPr>
+        <p:spPr>
+          <a:xfrm>
+            <a:off x="2287359" y="4312557"/>
+            <a:ext cx="2081439" cy="369332"/>
+          </a:xfrm>
+          <a:prstGeom prst="rect">
+            <a:avLst/>
+          </a:prstGeom>
+          <a:noFill/>
+        </p:spPr>
+        <p:txBody>
+          <a:bodyPr wrap="square" rtlCol="0">
+            <a:spAutoFit/>
+          </a:bodyPr>
+          <a:lstStyle/>
+          <a:p>
+            <a:r>
+              <a:rPr lang="en-US" altLang="ko-KR" dirty="0"/>
+              <a:t>&lt;</a:t>
+            </a:r>
+            <a:r>
+              <a:rPr lang="ko-KR" altLang="en-US" dirty="0" err="1"/>
+              <a:t>어쌔신</a:t>
+            </a:r>
+            <a:r>
+              <a:rPr lang="ko-KR" altLang="en-US" dirty="0"/>
+              <a:t> </a:t>
+            </a:r>
+            <a:r>
+              <a:rPr lang="ko-KR" altLang="en-US" dirty="0" err="1"/>
+              <a:t>크리드</a:t>
+            </a:r>
+            <a:r>
+              <a:rPr lang="en-US" altLang="ko-KR" dirty="0"/>
+              <a:t>&gt;</a:t>
+            </a:r>
+            <a:endParaRPr lang="ko-KR" altLang="en-US" dirty="0"/>
+          </a:p>
+        </p:txBody>
+      </p:sp>
+      <p:sp>
+        <p:nvSpPr>
+          <p:cNvPr id="11" name="TextBox 10">
+            <a:extLst>
+              <a:ext uri="{FF2B5EF4-FFF2-40B4-BE49-F238E27FC236}">
+                <a16:creationId xmlns:a16="http://schemas.microsoft.com/office/drawing/2014/main" id="{F7727957-5B9B-483F-8C50-49F830404B9C}"/>
+              </a:ext>
+            </a:extLst>
+          </p:cNvPr>
+          <p:cNvSpPr txBox="1"/>
+          <p:nvPr/>
+        </p:nvSpPr>
+        <p:spPr>
+          <a:xfrm>
+            <a:off x="7578420" y="4314371"/>
+            <a:ext cx="1591873" cy="369332"/>
+          </a:xfrm>
+          <a:prstGeom prst="rect">
+            <a:avLst/>
+          </a:prstGeom>
+          <a:noFill/>
+        </p:spPr>
+        <p:txBody>
+          <a:bodyPr wrap="square" rtlCol="0">
+            <a:spAutoFit/>
+          </a:bodyPr>
+          <a:lstStyle/>
+          <a:p>
+            <a:r>
+              <a:rPr lang="en-US" altLang="ko-KR" dirty="0"/>
+              <a:t>&lt;</a:t>
+            </a:r>
+            <a:r>
+              <a:rPr lang="ko-KR" altLang="en-US" dirty="0" err="1"/>
+              <a:t>웬즈데이</a:t>
+            </a:r>
+            <a:r>
+              <a:rPr lang="en-US" altLang="ko-KR" dirty="0"/>
+              <a:t>&gt;</a:t>
+            </a:r>
+            <a:endParaRPr lang="ko-KR" altLang="en-US" dirty="0"/>
+          </a:p>
+        </p:txBody>
+      </p:sp>
+      <p:sp>
+        <p:nvSpPr>
+          <p:cNvPr id="13" name="TextBox 12">
+            <a:extLst>
+              <a:ext uri="{FF2B5EF4-FFF2-40B4-BE49-F238E27FC236}">
+                <a16:creationId xmlns:a16="http://schemas.microsoft.com/office/drawing/2014/main" id="{DE4654F5-B037-4A79-BB1F-8A14BDF3D7A5}"/>
+              </a:ext>
+            </a:extLst>
+          </p:cNvPr>
+          <p:cNvSpPr txBox="1"/>
+          <p:nvPr/>
+        </p:nvSpPr>
+        <p:spPr>
+          <a:xfrm>
+            <a:off x="1168400" y="5067300"/>
+            <a:ext cx="9067800" cy="1200329"/>
+          </a:xfrm>
+          <a:prstGeom prst="rect">
+            <a:avLst/>
+          </a:prstGeom>
+          <a:noFill/>
+        </p:spPr>
+        <p:txBody>
+          <a:bodyPr wrap="square" rtlCol="0">
+            <a:spAutoFit/>
+          </a:bodyPr>
+          <a:lstStyle/>
+          <a:p>
+            <a:pPr marL="285750" indent="-285750">
+              <a:buFont typeface="Arial" panose="020B0604020202020204" pitchFamily="34" charset="0"/>
+              <a:buChar char="•"/>
+            </a:pPr>
+            <a:r>
+              <a:rPr lang="ko-KR" altLang="en-US" dirty="0">
+                <a:solidFill>
+                  <a:srgbClr val="24292E"/>
+                </a:solidFill>
+                <a:latin typeface="-apple-system"/>
+              </a:rPr>
+              <a:t>역사적 사실을 기반으로 하되</a:t>
+            </a:r>
+            <a:r>
+              <a:rPr lang="en-US" altLang="ko-KR" dirty="0">
+                <a:solidFill>
+                  <a:srgbClr val="24292E"/>
+                </a:solidFill>
+                <a:latin typeface="-apple-system"/>
+              </a:rPr>
+              <a:t>, </a:t>
+            </a:r>
+            <a:r>
+              <a:rPr lang="ko-KR" altLang="en-US" dirty="0">
+                <a:solidFill>
+                  <a:srgbClr val="24292E"/>
+                </a:solidFill>
+                <a:latin typeface="-apple-system"/>
+              </a:rPr>
+              <a:t>이 요인에 너무 치중하지 않도록 한다</a:t>
+            </a:r>
+            <a:r>
+              <a:rPr lang="en-US" altLang="ko-KR" dirty="0">
+                <a:solidFill>
+                  <a:srgbClr val="24292E"/>
+                </a:solidFill>
+                <a:latin typeface="-apple-system"/>
+              </a:rPr>
+              <a:t>.</a:t>
+            </a:r>
+            <a:endParaRPr lang="en-US" altLang="ko-KR" b="0" i="0" dirty="0">
+              <a:solidFill>
+                <a:srgbClr val="24292E"/>
+              </a:solidFill>
+              <a:effectLst/>
+              <a:latin typeface="-apple-system"/>
+            </a:endParaRPr>
+          </a:p>
+          <a:p>
+            <a:pPr marL="285750" indent="-285750">
+              <a:buFont typeface="Arial" panose="020B0604020202020204" pitchFamily="34" charset="0"/>
+              <a:buChar char="•"/>
+            </a:pPr>
+            <a:endParaRPr lang="en-US" altLang="ko-KR" b="0" i="0" dirty="0">
+              <a:solidFill>
+                <a:srgbClr val="24292E"/>
+              </a:solidFill>
+              <a:effectLst/>
+              <a:latin typeface="-apple-system"/>
+            </a:endParaRPr>
+          </a:p>
+          <a:p>
+            <a:pPr marL="285750" indent="-285750">
+              <a:buFont typeface="Arial" panose="020B0604020202020204" pitchFamily="34" charset="0"/>
+              <a:buChar char="•"/>
+            </a:pPr>
+            <a:r>
+              <a:rPr lang="ko-KR" altLang="en-US" dirty="0">
+                <a:solidFill>
+                  <a:srgbClr val="24292E"/>
+                </a:solidFill>
+                <a:latin typeface="-apple-system"/>
+              </a:rPr>
+              <a:t>과도한 수집 요소를 제거하고</a:t>
+            </a:r>
+            <a:r>
+              <a:rPr lang="en-US" altLang="ko-KR" dirty="0">
+                <a:solidFill>
+                  <a:srgbClr val="24292E"/>
+                </a:solidFill>
+                <a:latin typeface="-apple-system"/>
+              </a:rPr>
+              <a:t>, </a:t>
+            </a:r>
+            <a:r>
+              <a:rPr lang="ko-KR" altLang="en-US" dirty="0">
+                <a:solidFill>
+                  <a:srgbClr val="24292E"/>
+                </a:solidFill>
+                <a:latin typeface="-apple-system"/>
+              </a:rPr>
+              <a:t>필수적 수집 요소만 게임에 접목시킨다</a:t>
+            </a:r>
+            <a:r>
+              <a:rPr lang="en-US" altLang="ko-KR" dirty="0">
+                <a:solidFill>
+                  <a:srgbClr val="24292E"/>
+                </a:solidFill>
+                <a:latin typeface="-apple-system"/>
+              </a:rPr>
+              <a:t>.</a:t>
+            </a:r>
+            <a:endParaRPr lang="en-US" altLang="ko-KR" b="0" i="0" dirty="0">
+              <a:solidFill>
+                <a:srgbClr val="24292E"/>
+              </a:solidFill>
+              <a:effectLst/>
+              <a:latin typeface="-apple-system"/>
+            </a:endParaRPr>
+          </a:p>
+          <a:p>
+            <a:pPr marL="285750" indent="-285750">
+              <a:buFont typeface="Arial" panose="020B0604020202020204" pitchFamily="34" charset="0"/>
+              <a:buChar char="•"/>
+            </a:pPr>
+            <a:endParaRPr lang="en-US" altLang="ko-KR" dirty="0">
+              <a:solidFill>
+                <a:srgbClr val="24292E"/>
+              </a:solidFill>
+              <a:latin typeface="-apple-system"/>
+            </a:endParaRPr>
+          </a:p>
+        </p:txBody>
+      </p:sp>
+    </p:spTree>
+    <p:extLst>
+      <p:ext uri="{BB962C8B-B14F-4D97-AF65-F5344CB8AC3E}">
+        <p14:creationId xmlns:p14="http://schemas.microsoft.com/office/powerpoint/2010/main" val="2554442110"/>
+      </p:ext>
+    </p:extLst>
+  </p:cSld>
+  <p:clrMapOvr>
+    <a:masterClrMapping/>
+  </p:clrMapOvr>
+</p:sld>
+</file>
+
+<file path=ppt/slides/slide14.xml><?xml version="1.0" encoding="utf-8"?>
+<p:sld xmlns:a="http://schemas.openxmlformats.org/drawingml/2006/main" xmlns:r="http://schemas.openxmlformats.org/officeDocument/2006/relationships" xmlns:p="http://schemas.openxmlformats.org/presentationml/2006/main">
+  <p:cSld>
+    <p:spTree>
+      <p:nvGrpSpPr>
+        <p:cNvPr id="1" name=""/>
+        <p:cNvGrpSpPr/>
+        <p:nvPr/>
+      </p:nvGrpSpPr>
+      <p:grpSpPr>
+        <a:xfrm>
+          <a:off x="0" y="0"/>
+          <a:ext cx="0" cy="0"/>
+          <a:chOff x="0" y="0"/>
+          <a:chExt cx="0" cy="0"/>
+        </a:xfrm>
+      </p:grpSpPr>
+      <p:sp>
+        <p:nvSpPr>
+          <p:cNvPr id="3" name="내용 개체 틀 2">
+            <a:extLst>
+              <a:ext uri="{FF2B5EF4-FFF2-40B4-BE49-F238E27FC236}">
+                <a16:creationId xmlns:a16="http://schemas.microsoft.com/office/drawing/2014/main" id="{38AA08F3-9DA1-42DA-BB3E-74F13594345A}"/>
+              </a:ext>
+            </a:extLst>
+          </p:cNvPr>
+          <p:cNvSpPr>
+            <a:spLocks noGrp="1"/>
+          </p:cNvSpPr>
+          <p:nvPr>
+            <p:ph idx="1"/>
+          </p:nvPr>
+        </p:nvSpPr>
+        <p:spPr/>
+        <p:txBody>
+          <a:bodyPr>
+            <a:normAutofit/>
+          </a:bodyPr>
+          <a:lstStyle/>
+          <a:p>
+            <a:r>
+              <a:rPr lang="ko-KR" altLang="en-US" sz="3600" dirty="0"/>
+              <a:t>감사합니다</a:t>
+            </a:r>
+          </a:p>
+        </p:txBody>
+      </p:sp>
+    </p:spTree>
+    <p:extLst>
+      <p:ext uri="{BB962C8B-B14F-4D97-AF65-F5344CB8AC3E}">
+        <p14:creationId xmlns:p14="http://schemas.microsoft.com/office/powerpoint/2010/main" val="3558114309"/>
       </p:ext>
     </p:extLst>
   </p:cSld>
@@ -3502,62 +5329,18 @@
               <a:buAutoNum type="arabicPeriod"/>
             </a:pPr>
             <a:r>
-              <a:rPr lang="en-US" altLang="ko-KR" dirty="0">
-                <a:solidFill>
-                  <a:srgbClr val="FF0000"/>
-                </a:solidFill>
-              </a:rPr>
-              <a:t>Needs (STEEP) // </a:t>
-            </a:r>
-            <a:r>
-              <a:rPr lang="ko-KR" altLang="en-US" dirty="0">
-                <a:solidFill>
-                  <a:srgbClr val="FF0000"/>
-                </a:solidFill>
-              </a:rPr>
+              <a:rPr lang="ko-KR" altLang="en-US" dirty="0"/>
               <a:t>연구 개요</a:t>
             </a:r>
-            <a:endParaRPr lang="en-US" altLang="ko-KR" dirty="0">
-              <a:solidFill>
-                <a:srgbClr val="FF0000"/>
-              </a:solidFill>
-            </a:endParaRPr>
+            <a:endParaRPr lang="en-US" altLang="ko-KR" dirty="0"/>
           </a:p>
           <a:p>
             <a:pPr marL="514350" indent="-514350" algn="ctr">
               <a:buAutoNum type="arabicPeriod"/>
             </a:pPr>
             <a:r>
-              <a:rPr lang="en-US" altLang="ko-KR" dirty="0"/>
-              <a:t>Approach (</a:t>
-            </a:r>
-            <a:r>
-              <a:rPr lang="ko-KR" altLang="en-US" dirty="0"/>
-              <a:t>본론</a:t>
-            </a:r>
-            <a:r>
-              <a:rPr lang="en-US" altLang="ko-KR" dirty="0"/>
-              <a:t>) // </a:t>
-            </a:r>
-            <a:r>
               <a:rPr lang="ko-KR" altLang="en-US" dirty="0"/>
               <a:t>게임소개</a:t>
-            </a:r>
-            <a:r>
-              <a:rPr lang="en-US" altLang="ko-KR" dirty="0"/>
-              <a:t>, </a:t>
-            </a:r>
-            <a:r>
-              <a:rPr lang="ko-KR" altLang="en-US" dirty="0"/>
-              <a:t>방법</a:t>
-            </a:r>
-            <a:r>
-              <a:rPr lang="en-US" altLang="ko-KR" dirty="0"/>
-              <a:t>, </a:t>
-            </a:r>
-            <a:r>
-              <a:rPr lang="ko-KR" altLang="en-US" dirty="0"/>
-              <a:t>기술요소</a:t>
             </a:r>
             <a:endParaRPr lang="en-US" altLang="ko-KR" dirty="0"/>
           </a:p>
@@ -3566,42 +5349,15 @@
               <a:buAutoNum type="arabicPeriod"/>
             </a:pPr>
             <a:r>
-              <a:rPr lang="en-US" altLang="ko-KR" dirty="0"/>
-              <a:t>Benefit (</a:t>
-            </a:r>
-            <a:r>
               <a:rPr lang="ko-KR" altLang="en-US" dirty="0"/>
-              <a:t>모호함</a:t>
-            </a:r>
-            <a:r>
-              <a:rPr lang="en-US" altLang="ko-KR" dirty="0"/>
-              <a:t>, </a:t>
-            </a:r>
-            <a:r>
-              <a:rPr lang="ko-KR" altLang="en-US" dirty="0"/>
-              <a:t>제외 고려</a:t>
-            </a:r>
-            <a:r>
-              <a:rPr lang="en-US" altLang="ko-KR" dirty="0"/>
-              <a:t>)</a:t>
-            </a:r>
+              <a:t>기대 효과</a:t>
+            </a:r>
+            <a:endParaRPr lang="en-US" altLang="ko-KR" dirty="0"/>
           </a:p>
           <a:p>
             <a:pPr marL="514350" indent="-514350" algn="ctr">
               <a:buAutoNum type="arabicPeriod"/>
             </a:pPr>
-            <a:r>
-              <a:rPr lang="en-US" altLang="ko-KR" dirty="0"/>
-              <a:t>Competition(</a:t>
-            </a:r>
-            <a:r>
-              <a:rPr lang="ko-KR" altLang="en-US" dirty="0"/>
-              <a:t>비슷한 게임에 대한 비교 분석</a:t>
-            </a:r>
-            <a:r>
-              <a:rPr lang="en-US" altLang="ko-KR" dirty="0"/>
-              <a:t>) // </a:t>
-            </a:r>
             <a:r>
               <a:rPr lang="ko-KR" altLang="en-US" dirty="0"/>
               <a:t>타 게임과의 비교</a:t>
@@ -3651,7 +5407,7 @@
           <p:cNvPr id="2" name="제목 1">
             <a:extLst>
               <a:ext uri="{FF2B5EF4-FFF2-40B4-BE49-F238E27FC236}">
-                <a16:creationId xmlns:a16="http://schemas.microsoft.com/office/drawing/2014/main" id="{4FE58AF2-0BC5-441E-AB12-6BB6E9B0D21C}"/>
+                <a16:creationId xmlns:a16="http://schemas.microsoft.com/office/drawing/2014/main" id="{1F061F74-290D-4AEE-ADE8-FD6E0271ED08}"/>
               </a:ext>
             </a:extLst>
           </p:cNvPr>
@@ -3668,236 +5424,36 @@
           <a:lstStyle/>
           <a:p>
             <a:r>
-              <a:rPr lang="en-US" altLang="ko-KR" dirty="0"/>
-              <a:t>STEEP</a:t>
-            </a:r>
-            <a:r>
               <a:rPr lang="ko-KR" altLang="en-US" dirty="0"/>
-              <a:t>분석을 통한 </a:t>
-            </a:r>
-            <a:r>
-              <a:rPr lang="en-US" altLang="ko-KR" dirty="0"/>
-              <a:t>Needs </a:t>
-            </a:r>
-            <a:r>
-              <a:rPr lang="ko-KR" altLang="en-US" dirty="0"/>
-              <a:t>분석</a:t>
-            </a:r>
-          </a:p>
-        </p:txBody>
-      </p:sp>
-      <p:sp>
-        <p:nvSpPr>
-          <p:cNvPr id="23" name="TextBox 22">
+              <a:t>연구 개요</a:t>
+            </a:r>
+          </a:p>
+        </p:txBody>
+      </p:sp>
+      <p:sp>
+        <p:nvSpPr>
+          <p:cNvPr id="3" name="내용 개체 틀 2">
             <a:extLst>
               <a:ext uri="{FF2B5EF4-FFF2-40B4-BE49-F238E27FC236}">
-                <a16:creationId xmlns:a16="http://schemas.microsoft.com/office/drawing/2014/main" id="{AAF0C796-A1BE-4AD2-9B28-3B5696815D3E}"/>
+                <a16:creationId xmlns:a16="http://schemas.microsoft.com/office/drawing/2014/main" id="{DCBB6E51-D5EA-445E-BBB3-8AE821968689}"/>
               </a:ext>
             </a:extLst>
           </p:cNvPr>
-          <p:cNvSpPr txBox="1"/>
-          <p:nvPr/>
-        </p:nvSpPr>
-        <p:spPr>
-          <a:xfrm>
-            <a:off x="1282159" y="1540922"/>
-            <a:ext cx="764953" cy="1323439"/>
-          </a:xfrm>
-          <a:prstGeom prst="rect">
-            <a:avLst/>
-          </a:prstGeom>
-          <a:noFill/>
-        </p:spPr>
-        <p:txBody>
-          <a:bodyPr wrap="none" rtlCol="0">
-            <a:spAutoFit/>
-          </a:bodyPr>
-          <a:lstStyle/>
-          <a:p>
-            <a:r>
-              <a:rPr lang="en-US" altLang="ko-KR" sz="8000" b="1" dirty="0"/>
-              <a:t>S</a:t>
-            </a:r>
-            <a:endParaRPr lang="ko-KR" altLang="en-US" sz="8000" b="1" dirty="0"/>
-          </a:p>
-        </p:txBody>
-      </p:sp>
-      <p:sp>
-        <p:nvSpPr>
-          <p:cNvPr id="24" name="TextBox 23">
-            <a:extLst>
-              <a:ext uri="{FF2B5EF4-FFF2-40B4-BE49-F238E27FC236}">
-                <a16:creationId xmlns:a16="http://schemas.microsoft.com/office/drawing/2014/main" id="{AEFE506C-A36E-42A6-A23E-EE8A63A6B33A}"/>
-              </a:ext>
-            </a:extLst>
-          </p:cNvPr>
-          <p:cNvSpPr txBox="1"/>
-          <p:nvPr/>
-        </p:nvSpPr>
-        <p:spPr>
-          <a:xfrm>
-            <a:off x="6608166" y="1540922"/>
-            <a:ext cx="782587" cy="1323439"/>
-          </a:xfrm>
-          <a:prstGeom prst="rect">
-            <a:avLst/>
-          </a:prstGeom>
-          <a:noFill/>
-        </p:spPr>
-        <p:txBody>
-          <a:bodyPr wrap="none" rtlCol="0">
-            <a:spAutoFit/>
-          </a:bodyPr>
-          <a:lstStyle/>
-          <a:p>
-            <a:r>
-              <a:rPr lang="en-US" altLang="ko-KR" sz="8000" b="1" dirty="0"/>
-              <a:t>T</a:t>
-            </a:r>
-            <a:endParaRPr lang="ko-KR" altLang="en-US" sz="8000" b="1" dirty="0"/>
-          </a:p>
-        </p:txBody>
-      </p:sp>
-      <p:sp>
-        <p:nvSpPr>
-          <p:cNvPr id="25" name="TextBox 24">
-            <a:extLst>
-              <a:ext uri="{FF2B5EF4-FFF2-40B4-BE49-F238E27FC236}">
-                <a16:creationId xmlns:a16="http://schemas.microsoft.com/office/drawing/2014/main" id="{5CFB707C-4367-4BA5-8061-A54480D55512}"/>
-              </a:ext>
-            </a:extLst>
-          </p:cNvPr>
-          <p:cNvSpPr txBox="1"/>
-          <p:nvPr/>
-        </p:nvSpPr>
-        <p:spPr>
-          <a:xfrm>
-            <a:off x="2180537" y="2202641"/>
-            <a:ext cx="2190023" cy="523220"/>
-          </a:xfrm>
-          <a:prstGeom prst="rect">
-            <a:avLst/>
-          </a:prstGeom>
-          <a:noFill/>
-        </p:spPr>
-        <p:txBody>
-          <a:bodyPr wrap="none" rtlCol="0">
-            <a:spAutoFit/>
-          </a:bodyPr>
-          <a:lstStyle/>
-          <a:p>
-            <a:r>
-              <a:rPr lang="en-US" altLang="ko-KR" sz="1400" dirty="0"/>
-              <a:t>1. </a:t>
-            </a:r>
-            <a:r>
-              <a:rPr lang="ko-KR" altLang="en-US" sz="1400" dirty="0"/>
-              <a:t>코로나 </a:t>
-            </a:r>
-            <a:r>
-              <a:rPr lang="ko-KR" altLang="en-US" sz="1400" dirty="0" err="1"/>
-              <a:t>엔데믹</a:t>
-            </a:r>
-            <a:r>
-              <a:rPr lang="ko-KR" altLang="en-US" sz="1400" dirty="0"/>
-              <a:t> 가능성</a:t>
-            </a:r>
-            <a:endParaRPr lang="en-US" altLang="ko-KR" sz="1400" dirty="0"/>
-          </a:p>
-          <a:p>
-            <a:r>
-              <a:rPr lang="en-US" altLang="ko-KR" sz="1400" dirty="0"/>
-              <a:t>2. </a:t>
-            </a:r>
-            <a:r>
-              <a:rPr lang="ko-KR" altLang="en-US" sz="1400" dirty="0"/>
-              <a:t>소수자 인권 문제 대두</a:t>
-            </a:r>
-          </a:p>
-        </p:txBody>
-      </p:sp>
-      <p:sp>
-        <p:nvSpPr>
-          <p:cNvPr id="26" name="TextBox 25">
-            <a:extLst>
-              <a:ext uri="{FF2B5EF4-FFF2-40B4-BE49-F238E27FC236}">
-                <a16:creationId xmlns:a16="http://schemas.microsoft.com/office/drawing/2014/main" id="{2822AEE1-86CA-4134-9326-4D8C0EC0D934}"/>
-              </a:ext>
-            </a:extLst>
-          </p:cNvPr>
-          <p:cNvSpPr txBox="1"/>
-          <p:nvPr/>
-        </p:nvSpPr>
-        <p:spPr>
-          <a:xfrm>
-            <a:off x="1282159" y="3515638"/>
-            <a:ext cx="3934090" cy="369332"/>
-          </a:xfrm>
-          <a:prstGeom prst="rect">
-            <a:avLst/>
-          </a:prstGeom>
-          <a:noFill/>
-        </p:spPr>
-        <p:txBody>
-          <a:bodyPr wrap="none" rtlCol="0">
-            <a:spAutoFit/>
-          </a:bodyPr>
-          <a:lstStyle/>
-          <a:p>
-            <a:pPr marL="285750" indent="-285750">
-              <a:buFont typeface="Arial" panose="020B0604020202020204" pitchFamily="34" charset="0"/>
-              <a:buChar char="•"/>
-            </a:pPr>
+          <p:cNvSpPr>
+            <a:spLocks noGrp="1"/>
+          </p:cNvSpPr>
+          <p:nvPr>
+            <p:ph idx="1"/>
+          </p:nvPr>
+        </p:nvSpPr>
+        <p:spPr/>
+        <p:txBody>
+          <a:bodyPr/>
+          <a:lstStyle/>
+          <a:p>
             <a:r>
               <a:rPr lang="ko-KR" altLang="en-US" dirty="0"/>
-              <a:t>게임 내 바이러스</a:t>
-            </a:r>
-            <a:r>
-              <a:rPr lang="en-US" altLang="ko-KR" dirty="0"/>
-              <a:t>, </a:t>
-            </a:r>
-            <a:r>
-              <a:rPr lang="ko-KR" altLang="en-US" dirty="0"/>
-              <a:t>감염 요소 추가</a:t>
-            </a:r>
-          </a:p>
-        </p:txBody>
-      </p:sp>
-      <p:sp>
-        <p:nvSpPr>
-          <p:cNvPr id="27" name="TextBox 26">
-            <a:extLst>
-              <a:ext uri="{FF2B5EF4-FFF2-40B4-BE49-F238E27FC236}">
-                <a16:creationId xmlns:a16="http://schemas.microsoft.com/office/drawing/2014/main" id="{B91F9046-83D0-4EC3-80D0-D8F308D2624B}"/>
-              </a:ext>
-            </a:extLst>
-          </p:cNvPr>
-          <p:cNvSpPr txBox="1"/>
-          <p:nvPr/>
-        </p:nvSpPr>
-        <p:spPr>
-          <a:xfrm>
-            <a:off x="1282159" y="4937440"/>
-            <a:ext cx="3240855" cy="369332"/>
-          </a:xfrm>
-          <a:prstGeom prst="rect">
-            <a:avLst/>
-          </a:prstGeom>
-          <a:noFill/>
-        </p:spPr>
-        <p:txBody>
-          <a:bodyPr wrap="square" rtlCol="0">
-            <a:spAutoFit/>
-          </a:bodyPr>
-          <a:lstStyle/>
-          <a:p>
-            <a:pPr marL="285750" indent="-285750">
-              <a:buFont typeface="Arial" panose="020B0604020202020204" pitchFamily="34" charset="0"/>
-              <a:buChar char="•"/>
-            </a:pPr>
-            <a:r>
-              <a:rPr lang="ko-KR" altLang="en-US" dirty="0"/>
-              <a:t>소수자 캐릭터</a:t>
+              <a:t>거시경제 분석을 통한 사회 요인</a:t>
             </a:r>
             <a:r>
               <a:rPr lang="en-US" altLang="ko-KR" dirty="0"/>
@@ -3905,136 +5461,60 @@
             </a:r>
             <a:r>
               <a:rPr lang="ko-KR" altLang="en-US" dirty="0"/>
-              <a:t>모델 추가</a:t>
-            </a:r>
-          </a:p>
-        </p:txBody>
-      </p:sp>
-      <p:cxnSp>
-        <p:nvCxnSpPr>
-          <p:cNvPr id="29" name="직선 연결선 28">
-            <a:extLst>
-              <a:ext uri="{FF2B5EF4-FFF2-40B4-BE49-F238E27FC236}">
-                <a16:creationId xmlns:a16="http://schemas.microsoft.com/office/drawing/2014/main" id="{B2CAD27C-CCEC-44B1-9C32-2F44EE97A8B7}"/>
-              </a:ext>
-            </a:extLst>
-          </p:cNvPr>
-          <p:cNvCxnSpPr>
-            <a:cxnSpLocks/>
-            <a:stCxn id="2" idx="2"/>
-          </p:cNvCxnSpPr>
-          <p:nvPr/>
-        </p:nvCxnSpPr>
-        <p:spPr>
-          <a:xfrm>
-            <a:off x="6096000" y="1690688"/>
-            <a:ext cx="0" cy="4677455"/>
-          </a:xfrm>
-          <a:prstGeom prst="line">
-            <a:avLst/>
-          </a:prstGeom>
-        </p:spPr>
-        <p:style>
-          <a:lnRef idx="1">
-            <a:schemeClr val="accent1"/>
-          </a:lnRef>
-          <a:fillRef idx="0">
-            <a:schemeClr val="accent1"/>
-          </a:fillRef>
-          <a:effectRef idx="0">
-            <a:schemeClr val="accent1"/>
-          </a:effectRef>
-          <a:fontRef idx="minor">
-            <a:schemeClr val="tx1"/>
-          </a:fontRef>
-        </p:style>
-      </p:cxnSp>
-      <p:sp>
-        <p:nvSpPr>
-          <p:cNvPr id="32" name="TextBox 31">
-            <a:extLst>
-              <a:ext uri="{FF2B5EF4-FFF2-40B4-BE49-F238E27FC236}">
-                <a16:creationId xmlns:a16="http://schemas.microsoft.com/office/drawing/2014/main" id="{CAFA15AF-C5C2-40AF-9818-91EE87C9DC76}"/>
-              </a:ext>
-            </a:extLst>
-          </p:cNvPr>
-          <p:cNvSpPr txBox="1"/>
-          <p:nvPr/>
-        </p:nvSpPr>
-        <p:spPr>
-          <a:xfrm>
-            <a:off x="7739139" y="2215740"/>
-            <a:ext cx="2970685" cy="307777"/>
-          </a:xfrm>
-          <a:prstGeom prst="rect">
-            <a:avLst/>
-          </a:prstGeom>
-          <a:noFill/>
-        </p:spPr>
-        <p:txBody>
-          <a:bodyPr wrap="none" rtlCol="0">
-            <a:spAutoFit/>
-          </a:bodyPr>
-          <a:lstStyle/>
-          <a:p>
-            <a:r>
-              <a:rPr lang="en-US" altLang="ko-KR" sz="1400" dirty="0"/>
-              <a:t>1. </a:t>
-            </a:r>
-            <a:r>
-              <a:rPr lang="ko-KR" altLang="en-US" sz="1400" dirty="0"/>
-              <a:t>비디오 스트리밍 이용자 수 증가</a:t>
-            </a:r>
-          </a:p>
-        </p:txBody>
-      </p:sp>
-      <p:sp>
-        <p:nvSpPr>
-          <p:cNvPr id="33" name="TextBox 32">
-            <a:extLst>
-              <a:ext uri="{FF2B5EF4-FFF2-40B4-BE49-F238E27FC236}">
-                <a16:creationId xmlns:a16="http://schemas.microsoft.com/office/drawing/2014/main" id="{208118B7-0E2F-4D6B-8577-423964D8AD7F}"/>
-              </a:ext>
-            </a:extLst>
-          </p:cNvPr>
-          <p:cNvSpPr txBox="1"/>
-          <p:nvPr/>
-        </p:nvSpPr>
-        <p:spPr>
-          <a:xfrm>
-            <a:off x="6840761" y="3528737"/>
-            <a:ext cx="2181046" cy="369332"/>
-          </a:xfrm>
-          <a:prstGeom prst="rect">
-            <a:avLst/>
-          </a:prstGeom>
-          <a:noFill/>
-        </p:spPr>
-        <p:txBody>
-          <a:bodyPr wrap="none" rtlCol="0">
-            <a:spAutoFit/>
-          </a:bodyPr>
-          <a:lstStyle/>
-          <a:p>
-            <a:pPr marL="285750" indent="-285750">
-              <a:buFont typeface="Arial" panose="020B0604020202020204" pitchFamily="34" charset="0"/>
-              <a:buChar char="•"/>
-            </a:pPr>
+              <a:t>분석</a:t>
+            </a:r>
+            <a:endParaRPr lang="en-US" altLang="ko-KR" dirty="0"/>
+          </a:p>
+          <a:p>
+            <a:endParaRPr lang="en-US" altLang="ko-KR" dirty="0"/>
+          </a:p>
+          <a:p>
+            <a:r>
+              <a:rPr lang="ko-KR" altLang="en-US" dirty="0"/>
+              <a:t>타 유사 게임 비교 분석을 통한 게임 방향성 제시</a:t>
+            </a:r>
+            <a:endParaRPr lang="en-US" altLang="ko-KR" dirty="0"/>
+          </a:p>
+          <a:p>
+            <a:endParaRPr lang="en-US" altLang="ko-KR" dirty="0"/>
+          </a:p>
+          <a:p>
+            <a:r>
+              <a:rPr lang="ko-KR" altLang="en-US" dirty="0" err="1"/>
+              <a:t>비고객</a:t>
+            </a:r>
+            <a:r>
+              <a:rPr lang="ko-KR" altLang="en-US" dirty="0"/>
+              <a:t> 분석을 통한 잠재적 고객 파악</a:t>
+            </a:r>
+            <a:endParaRPr lang="en-US" altLang="ko-KR" dirty="0"/>
+          </a:p>
+          <a:p>
+            <a:endParaRPr lang="en-US" altLang="ko-KR" dirty="0"/>
+          </a:p>
+          <a:p>
             <a:r>
               <a:rPr lang="en-US" altLang="ko-KR" dirty="0"/>
-              <a:t>Twitch API </a:t>
+              <a:t> </a:t>
             </a:r>
             <a:r>
               <a:rPr lang="ko-KR" altLang="en-US" dirty="0"/>
-              <a:t>연동</a:t>
-            </a:r>
+              <a:t>위의 분석들을 통한 시장 동향 인지</a:t>
+            </a:r>
+            <a:endParaRPr lang="en-US" altLang="ko-KR" dirty="0"/>
+          </a:p>
+          <a:p>
+            <a:endParaRPr lang="en-US" altLang="ko-KR" dirty="0"/>
+          </a:p>
+          <a:p>
+            <a:endParaRPr lang="ko-KR" altLang="en-US" dirty="0"/>
           </a:p>
         </p:txBody>
       </p:sp>
     </p:spTree>
     <p:extLst>
       <p:ext uri="{BB962C8B-B14F-4D97-AF65-F5344CB8AC3E}">
-        <p14:creationId xmlns:p14="http://schemas.microsoft.com/office/powerpoint/2010/main" val="2313503042"/>
+        <p14:creationId xmlns:p14="http://schemas.microsoft.com/office/powerpoint/2010/main" val="1399626227"/>
       </p:ext>
     </p:extLst>
   </p:cSld>
@@ -4083,21 +5563,14 @@
           <a:lstStyle/>
           <a:p>
             <a:r>
+              <a:rPr lang="ko-KR" altLang="en-US" dirty="0"/>
+              <a:t>거시경제 분석 </a:t>
+            </a:r>
+            <a:r>
               <a:rPr lang="en-US" altLang="ko-KR" dirty="0"/>
-              <a:t>STEEP</a:t>
-            </a:r>
-            <a:r>
-              <a:rPr lang="ko-KR" altLang="en-US" dirty="0"/>
-              <a:t>분석을 통한 </a:t>
-            </a:r>
-            <a:r>
-              <a:rPr lang="en-US" altLang="ko-KR" dirty="0"/>
-              <a:t>Needs </a:t>
-            </a:r>
-            <a:r>
-              <a:rPr lang="ko-KR" altLang="en-US" dirty="0"/>
-              <a:t>분석</a:t>
-            </a:r>
+              <a:t>(1)</a:t>
+            </a:r>
+            <a:endParaRPr lang="ko-KR" altLang="en-US" dirty="0"/>
           </a:p>
         </p:txBody>
       </p:sp>
@@ -4115,8 +5588,8 @@
         </p:nvSpPr>
         <p:spPr>
           <a:xfrm>
-            <a:off x="1078024" y="1954129"/>
-            <a:ext cx="1197764" cy="830997"/>
+            <a:off x="1373777" y="1853754"/>
+            <a:ext cx="764953" cy="1323439"/>
           </a:xfrm>
           <a:prstGeom prst="rect">
             <a:avLst/>
@@ -4130,10 +5603,10 @@
           <a:lstStyle/>
           <a:p>
             <a:r>
-              <a:rPr lang="en-US" altLang="ko-KR" sz="4800" b="1" dirty="0"/>
-              <a:t>Eco</a:t>
-            </a:r>
-            <a:endParaRPr lang="ko-KR" altLang="en-US" sz="4800" b="1" dirty="0"/>
+              <a:rPr lang="en-US" altLang="ko-KR" sz="8000" b="1" dirty="0"/>
+              <a:t>S</a:t>
+            </a:r>
+            <a:endParaRPr lang="ko-KR" altLang="en-US" sz="8000" b="1" dirty="0"/>
           </a:p>
         </p:txBody>
       </p:sp>
@@ -4151,8 +5624,8 @@
         </p:nvSpPr>
         <p:spPr>
           <a:xfrm>
-            <a:off x="6599632" y="1934103"/>
-            <a:ext cx="1221809" cy="830997"/>
+            <a:off x="6699784" y="1853754"/>
+            <a:ext cx="782587" cy="1323439"/>
           </a:xfrm>
           <a:prstGeom prst="rect">
             <a:avLst/>
@@ -4166,10 +5639,10 @@
           <a:lstStyle/>
           <a:p>
             <a:r>
-              <a:rPr lang="en-US" altLang="ko-KR" sz="4800" b="1" dirty="0"/>
-              <a:t>Env</a:t>
-            </a:r>
-            <a:endParaRPr lang="ko-KR" altLang="en-US" sz="4800" b="1" dirty="0"/>
+              <a:rPr lang="en-US" altLang="ko-KR" sz="8000" b="1" dirty="0"/>
+              <a:t>T</a:t>
+            </a:r>
+            <a:endParaRPr lang="ko-KR" altLang="en-US" sz="8000" b="1" dirty="0"/>
           </a:p>
         </p:txBody>
       </p:sp>
@@ -4187,8 +5660,8 @@
         </p:nvSpPr>
         <p:spPr>
           <a:xfrm>
-            <a:off x="2180537" y="2202641"/>
-            <a:ext cx="2132956" cy="523220"/>
+            <a:off x="2272155" y="2515473"/>
+            <a:ext cx="2190023" cy="523220"/>
           </a:xfrm>
           <a:prstGeom prst="rect">
             <a:avLst/>
@@ -4201,38 +5674,32 @@
           </a:bodyPr>
           <a:lstStyle/>
           <a:p>
-            <a:pPr marL="342900" indent="-342900">
-              <a:buAutoNum type="arabicPeriod"/>
-            </a:pPr>
             <a:r>
               <a:rPr lang="en-US" altLang="ko-KR" sz="1400" dirty="0"/>
-              <a:t>PC </a:t>
+              <a:t>1. </a:t>
             </a:r>
             <a:r>
               <a:rPr lang="ko-KR" altLang="en-US" sz="1400" dirty="0"/>
-              <a:t>부품 매출</a:t>
-            </a:r>
+              <a:t>코로나 </a:t>
+            </a:r>
+            <a:r>
+              <a:rPr lang="ko-KR" altLang="en-US" sz="1400" dirty="0" err="1"/>
+              <a:t>엔데믹</a:t>
+            </a:r>
+            <a:r>
+              <a:rPr lang="ko-KR" altLang="en-US" sz="1400" dirty="0"/>
+              <a:t> 가능성</a:t>
+            </a:r>
+            <a:endParaRPr lang="en-US" altLang="ko-KR" sz="1400" dirty="0"/>
+          </a:p>
+          <a:p>
             <a:r>
               <a:rPr lang="en-US" altLang="ko-KR" sz="1400" dirty="0"/>
-              <a:t> </a:t>
+              <a:t>2. </a:t>
             </a:r>
             <a:r>
               <a:rPr lang="ko-KR" altLang="en-US" sz="1400" dirty="0"/>
-              <a:t>증가</a:t>
-            </a:r>
-            <a:endParaRPr lang="en-US" altLang="ko-KR" sz="1400" dirty="0"/>
-          </a:p>
-          <a:p>
-            <a:pPr marL="342900" indent="-342900">
-              <a:buAutoNum type="arabicPeriod"/>
-            </a:pPr>
-            <a:r>
-              <a:rPr lang="en-US" altLang="ko-KR" sz="1400" dirty="0"/>
-              <a:t>RPG </a:t>
-            </a:r>
-            <a:r>
-              <a:rPr lang="ko-KR" altLang="en-US" sz="1400" dirty="0"/>
-              <a:t>게임 개발 추세</a:t>
+              <a:t>소수자 인권 문제 대두</a:t>
             </a:r>
           </a:p>
         </p:txBody>
@@ -4252,7 +5719,7 @@
         <p:spPr>
           <a:xfrm>
             <a:off x="1282159" y="3515638"/>
-            <a:ext cx="2611612" cy="369332"/>
+            <a:ext cx="3934090" cy="369332"/>
           </a:xfrm>
           <a:prstGeom prst="rect">
             <a:avLst/>
@@ -4270,18 +5737,17 @@
               <a:buChar char="•"/>
             </a:pPr>
             <a:r>
+              <a:rPr lang="ko-KR" altLang="en-US" dirty="0"/>
+              <a:t>게임 내 바이러스</a:t>
+            </a:r>
+            <a:r>
               <a:rPr lang="en-US" altLang="ko-KR" dirty="0"/>
-              <a:t>PC </a:t>
+              <a:t>, </a:t>
             </a:r>
             <a:r>
               <a:rPr lang="ko-KR" altLang="en-US" dirty="0"/>
-              <a:t>게임 개발 </a:t>
-            </a:r>
-            <a:r>
-              <a:rPr lang="ko-KR" altLang="en-US" dirty="0" err="1"/>
-              <a:t>적정기</a:t>
-            </a:r>
-            <a:endParaRPr lang="ko-KR" altLang="en-US" dirty="0"/>
+              <a:t>감염 요소 추가</a:t>
+            </a:r>
           </a:p>
         </p:txBody>
       </p:sp>
@@ -4299,7 +5765,7 @@
         </p:nvSpPr>
         <p:spPr>
           <a:xfrm>
-            <a:off x="1282159" y="4937440"/>
+            <a:off x="1282159" y="4674747"/>
             <a:ext cx="3240855" cy="369332"/>
           </a:xfrm>
           <a:prstGeom prst="rect">
@@ -4319,15 +5785,15 @@
             </a:pPr>
             <a:r>
               <a:rPr lang="ko-KR" altLang="en-US" dirty="0"/>
-              <a:t>게임 내 </a:t>
+              <a:t>소수자 캐릭터</a:t>
             </a:r>
             <a:r>
               <a:rPr lang="en-US" altLang="ko-KR" dirty="0"/>
-              <a:t>RPG</a:t>
+              <a:t> </a:t>
             </a:r>
             <a:r>
               <a:rPr lang="ko-KR" altLang="en-US" dirty="0"/>
-              <a:t>요소 삽입</a:t>
+              <a:t>모델 추가</a:t>
             </a:r>
           </a:p>
         </p:txBody>
@@ -4385,8 +5851,8 @@
         </p:nvSpPr>
         <p:spPr>
           <a:xfrm>
-            <a:off x="7739139" y="2215740"/>
-            <a:ext cx="3231975" cy="523220"/>
+            <a:off x="7830757" y="2528572"/>
+            <a:ext cx="2970685" cy="307777"/>
           </a:xfrm>
           <a:prstGeom prst="rect">
             <a:avLst/>
@@ -4399,22 +5865,13 @@
           </a:bodyPr>
           <a:lstStyle/>
           <a:p>
-            <a:pPr marL="342900" indent="-342900">
-              <a:buAutoNum type="arabicPeriod"/>
-            </a:pPr>
+            <a:r>
+              <a:rPr lang="en-US" altLang="ko-KR" sz="1400" dirty="0"/>
+              <a:t>1. </a:t>
+            </a:r>
             <a:r>
               <a:rPr lang="ko-KR" altLang="en-US" sz="1400" dirty="0"/>
-              <a:t>환경 오염에 대한 관심 증가</a:t>
-            </a:r>
-            <a:endParaRPr lang="en-US" altLang="ko-KR" sz="1400" dirty="0"/>
-          </a:p>
-          <a:p>
-            <a:pPr marL="342900" indent="-342900">
-              <a:buAutoNum type="arabicPeriod"/>
-            </a:pPr>
-            <a:r>
-              <a:rPr lang="ko-KR" altLang="en-US" sz="1400" dirty="0"/>
-              <a:t>코로나로 인한 라이프스타일 변화</a:t>
+              <a:t>비디오 스트리밍 이용자 수 증가</a:t>
             </a:r>
           </a:p>
         </p:txBody>
@@ -4434,7 +5891,7 @@
         <p:spPr>
           <a:xfrm>
             <a:off x="6840761" y="3528737"/>
-            <a:ext cx="3942105" cy="369332"/>
+            <a:ext cx="2181046" cy="369332"/>
           </a:xfrm>
           <a:prstGeom prst="rect">
             <a:avLst/>
@@ -4452,77 +5909,20 @@
               <a:buChar char="•"/>
             </a:pPr>
             <a:r>
+              <a:rPr lang="en-US" altLang="ko-KR" dirty="0"/>
+              <a:t>Twitch API </a:t>
+            </a:r>
+            <a:r>
               <a:rPr lang="ko-KR" altLang="en-US" dirty="0"/>
-              <a:t>환경 파괴 요소 삽입 </a:t>
-            </a:r>
-            <a:r>
-              <a:rPr lang="en-US" altLang="ko-KR" dirty="0"/>
-              <a:t>(</a:t>
-            </a:r>
-            <a:r>
-              <a:rPr lang="ko-KR" altLang="en-US" dirty="0"/>
-              <a:t>디스토피아</a:t>
-            </a:r>
-            <a:r>
-              <a:rPr lang="en-US" altLang="ko-KR" dirty="0"/>
-              <a:t>)</a:t>
-            </a:r>
-            <a:endParaRPr lang="ko-KR" altLang="en-US" dirty="0"/>
-          </a:p>
-        </p:txBody>
-      </p:sp>
-      <p:sp>
-        <p:nvSpPr>
-          <p:cNvPr id="11" name="TextBox 10">
-            <a:extLst>
-              <a:ext uri="{FF2B5EF4-FFF2-40B4-BE49-F238E27FC236}">
-                <a16:creationId xmlns:a16="http://schemas.microsoft.com/office/drawing/2014/main" id="{D81A467A-DC9F-42B3-A60E-DEBD88C78EA8}"/>
-              </a:ext>
-            </a:extLst>
-          </p:cNvPr>
-          <p:cNvSpPr txBox="1"/>
-          <p:nvPr/>
-        </p:nvSpPr>
-        <p:spPr>
-          <a:xfrm>
-            <a:off x="6840760" y="4937440"/>
-            <a:ext cx="2611612" cy="369332"/>
-          </a:xfrm>
-          <a:prstGeom prst="rect">
-            <a:avLst/>
-          </a:prstGeom>
-          <a:noFill/>
-        </p:spPr>
-        <p:txBody>
-          <a:bodyPr wrap="none" rtlCol="0">
-            <a:spAutoFit/>
-          </a:bodyPr>
-          <a:lstStyle/>
-          <a:p>
-            <a:pPr marL="285750" indent="-285750">
-              <a:buFont typeface="Arial" panose="020B0604020202020204" pitchFamily="34" charset="0"/>
-              <a:buChar char="•"/>
-            </a:pPr>
-            <a:r>
-              <a:rPr lang="en-US" altLang="ko-KR" dirty="0"/>
-              <a:t>PC</a:t>
-            </a:r>
-            <a:r>
-              <a:rPr lang="ko-KR" altLang="en-US" dirty="0"/>
-              <a:t> 게임 개발 </a:t>
-            </a:r>
-            <a:r>
-              <a:rPr lang="ko-KR" altLang="en-US" dirty="0" err="1"/>
-              <a:t>적정기</a:t>
-            </a:r>
-            <a:endParaRPr lang="ko-KR" altLang="en-US" dirty="0"/>
+              <a:t>연동</a:t>
+            </a:r>
           </a:p>
         </p:txBody>
       </p:sp>
     </p:spTree>
     <p:extLst>
       <p:ext uri="{BB962C8B-B14F-4D97-AF65-F5344CB8AC3E}">
-        <p14:creationId xmlns:p14="http://schemas.microsoft.com/office/powerpoint/2010/main" val="3000522526"/>
+        <p14:creationId xmlns:p14="http://schemas.microsoft.com/office/powerpoint/2010/main" val="2313503042"/>
       </p:ext>
     </p:extLst>
   </p:cSld>
@@ -4571,30 +5971,23 @@
           <a:lstStyle/>
           <a:p>
             <a:r>
+              <a:rPr lang="ko-KR" altLang="en-US" dirty="0"/>
+              <a:t>거시경제 분석</a:t>
+            </a:r>
+            <a:r>
               <a:rPr lang="en-US" altLang="ko-KR" dirty="0"/>
-              <a:t>STEEP</a:t>
-            </a:r>
-            <a:r>
-              <a:rPr lang="ko-KR" altLang="en-US" dirty="0"/>
-              <a:t>분석을 통한 </a:t>
-            </a:r>
-            <a:r>
-              <a:rPr lang="en-US" altLang="ko-KR" dirty="0"/>
-              <a:t>Needs </a:t>
-            </a:r>
-            <a:r>
-              <a:rPr lang="ko-KR" altLang="en-US" dirty="0"/>
-              <a:t>분석</a:t>
-            </a:r>
-          </a:p>
-        </p:txBody>
-      </p:sp>
-      <p:sp>
-        <p:nvSpPr>
-          <p:cNvPr id="17" name="TextBox 16">
+              <a:t> (2)</a:t>
+            </a:r>
+            <a:endParaRPr lang="ko-KR" altLang="en-US" dirty="0"/>
+          </a:p>
+        </p:txBody>
+      </p:sp>
+      <p:sp>
+        <p:nvSpPr>
+          <p:cNvPr id="23" name="TextBox 22">
             <a:extLst>
               <a:ext uri="{FF2B5EF4-FFF2-40B4-BE49-F238E27FC236}">
-                <a16:creationId xmlns:a16="http://schemas.microsoft.com/office/drawing/2014/main" id="{1BF9A074-B09A-4F7B-B6D8-699001C69069}"/>
+                <a16:creationId xmlns:a16="http://schemas.microsoft.com/office/drawing/2014/main" id="{AAF0C796-A1BE-4AD2-9B28-3B5696815D3E}"/>
               </a:ext>
             </a:extLst>
           </p:cNvPr>
@@ -4603,8 +5996,8 @@
         </p:nvSpPr>
         <p:spPr>
           <a:xfrm>
-            <a:off x="4302945" y="1690688"/>
-            <a:ext cx="814647" cy="1323439"/>
+            <a:off x="1078024" y="1954129"/>
+            <a:ext cx="1197764" cy="830997"/>
           </a:xfrm>
           <a:prstGeom prst="rect">
             <a:avLst/>
@@ -4618,19 +6011,19 @@
           <a:lstStyle/>
           <a:p>
             <a:r>
-              <a:rPr lang="en-US" altLang="ko-KR" sz="8000" b="1" dirty="0"/>
-              <a:t>P</a:t>
-            </a:r>
-            <a:endParaRPr lang="ko-KR" altLang="en-US" sz="8000" b="1" dirty="0"/>
-          </a:p>
-        </p:txBody>
-      </p:sp>
-      <p:sp>
-        <p:nvSpPr>
-          <p:cNvPr id="18" name="TextBox 17">
+              <a:rPr lang="en-US" altLang="ko-KR" sz="4800" b="1" dirty="0"/>
+              <a:t>Eco</a:t>
+            </a:r>
+            <a:endParaRPr lang="ko-KR" altLang="en-US" sz="4800" b="1" dirty="0"/>
+          </a:p>
+        </p:txBody>
+      </p:sp>
+      <p:sp>
+        <p:nvSpPr>
+          <p:cNvPr id="24" name="TextBox 23">
             <a:extLst>
               <a:ext uri="{FF2B5EF4-FFF2-40B4-BE49-F238E27FC236}">
-                <a16:creationId xmlns:a16="http://schemas.microsoft.com/office/drawing/2014/main" id="{A7D828FE-DA8E-4FB9-9B13-FD83116FAB95}"/>
+                <a16:creationId xmlns:a16="http://schemas.microsoft.com/office/drawing/2014/main" id="{AEFE506C-A36E-42A6-A23E-EE8A63A6B33A}"/>
               </a:ext>
             </a:extLst>
           </p:cNvPr>
@@ -4639,8 +6032,8 @@
         </p:nvSpPr>
         <p:spPr>
           <a:xfrm>
-            <a:off x="5201323" y="2352407"/>
-            <a:ext cx="2935419" cy="523220"/>
+            <a:off x="6599632" y="1934103"/>
+            <a:ext cx="1221809" cy="830997"/>
           </a:xfrm>
           <a:prstGeom prst="rect">
             <a:avLst/>
@@ -4653,36 +6046,20 @@
           </a:bodyPr>
           <a:lstStyle/>
           <a:p>
-            <a:pPr marL="342900" indent="-342900">
-              <a:buAutoNum type="arabicPeriod"/>
-            </a:pPr>
-            <a:r>
-              <a:rPr lang="ko-KR" altLang="en-US" sz="1400" dirty="0"/>
-              <a:t>사회 지도층에 대한 시위 증가</a:t>
-            </a:r>
-            <a:endParaRPr lang="en-US" altLang="ko-KR" sz="1400" dirty="0"/>
-          </a:p>
-          <a:p>
-            <a:pPr marL="342900" indent="-342900">
-              <a:buAutoNum type="arabicPeriod"/>
-            </a:pPr>
-            <a:r>
-              <a:rPr lang="en-US" altLang="ko-KR" sz="1400" dirty="0"/>
-              <a:t>Shut down</a:t>
-            </a:r>
-            <a:r>
-              <a:rPr lang="ko-KR" altLang="en-US" sz="1400" dirty="0"/>
-              <a:t> 제도</a:t>
-            </a:r>
-          </a:p>
-        </p:txBody>
-      </p:sp>
-      <p:sp>
-        <p:nvSpPr>
-          <p:cNvPr id="19" name="TextBox 18">
+            <a:r>
+              <a:rPr lang="en-US" altLang="ko-KR" sz="4800" b="1" dirty="0"/>
+              <a:t>Env</a:t>
+            </a:r>
+            <a:endParaRPr lang="ko-KR" altLang="en-US" sz="4800" b="1" dirty="0"/>
+          </a:p>
+        </p:txBody>
+      </p:sp>
+      <p:sp>
+        <p:nvSpPr>
+          <p:cNvPr id="25" name="TextBox 24">
             <a:extLst>
               <a:ext uri="{FF2B5EF4-FFF2-40B4-BE49-F238E27FC236}">
-                <a16:creationId xmlns:a16="http://schemas.microsoft.com/office/drawing/2014/main" id="{4D56FA91-CF7D-4C03-B7C5-3C5E07F87879}"/>
+                <a16:creationId xmlns:a16="http://schemas.microsoft.com/office/drawing/2014/main" id="{5CFB707C-4367-4BA5-8061-A54480D55512}"/>
               </a:ext>
             </a:extLst>
           </p:cNvPr>
@@ -4691,8 +6068,8 @@
         </p:nvSpPr>
         <p:spPr>
           <a:xfrm>
-            <a:off x="4302945" y="3665404"/>
-            <a:ext cx="4113627" cy="369332"/>
+            <a:off x="2180537" y="2202641"/>
+            <a:ext cx="2132956" cy="523220"/>
           </a:xfrm>
           <a:prstGeom prst="rect">
             <a:avLst/>
@@ -4705,21 +6082,328 @@
           </a:bodyPr>
           <a:lstStyle/>
           <a:p>
+            <a:pPr marL="342900" indent="-342900">
+              <a:buAutoNum type="arabicPeriod"/>
+            </a:pPr>
+            <a:r>
+              <a:rPr lang="en-US" altLang="ko-KR" sz="1400" dirty="0"/>
+              <a:t>PC </a:t>
+            </a:r>
+            <a:r>
+              <a:rPr lang="ko-KR" altLang="en-US" sz="1400" dirty="0"/>
+              <a:t>부품 매출</a:t>
+            </a:r>
+            <a:r>
+              <a:rPr lang="en-US" altLang="ko-KR" sz="1400" dirty="0"/>
+              <a:t> </a:t>
+            </a:r>
+            <a:r>
+              <a:rPr lang="ko-KR" altLang="en-US" sz="1400" dirty="0"/>
+              <a:t>증가</a:t>
+            </a:r>
+            <a:endParaRPr lang="en-US" altLang="ko-KR" sz="1400" dirty="0"/>
+          </a:p>
+          <a:p>
+            <a:pPr marL="342900" indent="-342900">
+              <a:buAutoNum type="arabicPeriod"/>
+            </a:pPr>
+            <a:r>
+              <a:rPr lang="en-US" altLang="ko-KR" sz="1400" dirty="0"/>
+              <a:t>RPG </a:t>
+            </a:r>
+            <a:r>
+              <a:rPr lang="ko-KR" altLang="en-US" sz="1400" dirty="0"/>
+              <a:t>게임 개발 추세</a:t>
+            </a:r>
+          </a:p>
+        </p:txBody>
+      </p:sp>
+      <p:sp>
+        <p:nvSpPr>
+          <p:cNvPr id="26" name="TextBox 25">
+            <a:extLst>
+              <a:ext uri="{FF2B5EF4-FFF2-40B4-BE49-F238E27FC236}">
+                <a16:creationId xmlns:a16="http://schemas.microsoft.com/office/drawing/2014/main" id="{2822AEE1-86CA-4134-9326-4D8C0EC0D934}"/>
+              </a:ext>
+            </a:extLst>
+          </p:cNvPr>
+          <p:cNvSpPr txBox="1"/>
+          <p:nvPr/>
+        </p:nvSpPr>
+        <p:spPr>
+          <a:xfrm>
+            <a:off x="1282159" y="3515638"/>
+            <a:ext cx="2611612" cy="369332"/>
+          </a:xfrm>
+          <a:prstGeom prst="rect">
+            <a:avLst/>
+          </a:prstGeom>
+          <a:noFill/>
+        </p:spPr>
+        <p:txBody>
+          <a:bodyPr wrap="none" rtlCol="0">
+            <a:spAutoFit/>
+          </a:bodyPr>
+          <a:lstStyle/>
+          <a:p>
             <a:pPr marL="285750" indent="-285750">
               <a:buFont typeface="Arial" panose="020B0604020202020204" pitchFamily="34" charset="0"/>
               <a:buChar char="•"/>
             </a:pPr>
             <a:r>
+              <a:rPr lang="en-US" altLang="ko-KR" dirty="0"/>
+              <a:t>PC </a:t>
+            </a:r>
+            <a:r>
               <a:rPr lang="ko-KR" altLang="en-US" dirty="0"/>
-              <a:t>부패 지도층을 게임 내 적으로 설정</a:t>
-            </a:r>
+              <a:t>게임 개발 </a:t>
+            </a:r>
+            <a:r>
+              <a:rPr lang="ko-KR" altLang="en-US" dirty="0" err="1"/>
+              <a:t>적정기</a:t>
+            </a:r>
+            <a:endParaRPr lang="ko-KR" altLang="en-US" dirty="0"/>
+          </a:p>
+        </p:txBody>
+      </p:sp>
+      <p:sp>
+        <p:nvSpPr>
+          <p:cNvPr id="27" name="TextBox 26">
+            <a:extLst>
+              <a:ext uri="{FF2B5EF4-FFF2-40B4-BE49-F238E27FC236}">
+                <a16:creationId xmlns:a16="http://schemas.microsoft.com/office/drawing/2014/main" id="{B91F9046-83D0-4EC3-80D0-D8F308D2624B}"/>
+              </a:ext>
+            </a:extLst>
+          </p:cNvPr>
+          <p:cNvSpPr txBox="1"/>
+          <p:nvPr/>
+        </p:nvSpPr>
+        <p:spPr>
+          <a:xfrm>
+            <a:off x="1282159" y="4599719"/>
+            <a:ext cx="3240855" cy="369332"/>
+          </a:xfrm>
+          <a:prstGeom prst="rect">
+            <a:avLst/>
+          </a:prstGeom>
+          <a:noFill/>
+        </p:spPr>
+        <p:txBody>
+          <a:bodyPr wrap="square" rtlCol="0">
+            <a:spAutoFit/>
+          </a:bodyPr>
+          <a:lstStyle/>
+          <a:p>
+            <a:pPr marL="285750" indent="-285750">
+              <a:buFont typeface="Arial" panose="020B0604020202020204" pitchFamily="34" charset="0"/>
+              <a:buChar char="•"/>
+            </a:pPr>
+            <a:r>
+              <a:rPr lang="ko-KR" altLang="en-US" dirty="0"/>
+              <a:t>게임 내 </a:t>
+            </a:r>
+            <a:r>
+              <a:rPr lang="en-US" altLang="ko-KR" dirty="0"/>
+              <a:t>RPG</a:t>
+            </a:r>
+            <a:r>
+              <a:rPr lang="ko-KR" altLang="en-US" dirty="0"/>
+              <a:t>요소 삽입</a:t>
+            </a:r>
+          </a:p>
+        </p:txBody>
+      </p:sp>
+      <p:cxnSp>
+        <p:nvCxnSpPr>
+          <p:cNvPr id="29" name="직선 연결선 28">
+            <a:extLst>
+              <a:ext uri="{FF2B5EF4-FFF2-40B4-BE49-F238E27FC236}">
+                <a16:creationId xmlns:a16="http://schemas.microsoft.com/office/drawing/2014/main" id="{B2CAD27C-CCEC-44B1-9C32-2F44EE97A8B7}"/>
+              </a:ext>
+            </a:extLst>
+          </p:cNvPr>
+          <p:cNvCxnSpPr>
+            <a:cxnSpLocks/>
+            <a:stCxn id="2" idx="2"/>
+          </p:cNvCxnSpPr>
+          <p:nvPr/>
+        </p:nvCxnSpPr>
+        <p:spPr>
+          <a:xfrm>
+            <a:off x="6096000" y="1690688"/>
+            <a:ext cx="0" cy="4677455"/>
+          </a:xfrm>
+          <a:prstGeom prst="line">
+            <a:avLst/>
+          </a:prstGeom>
+        </p:spPr>
+        <p:style>
+          <a:lnRef idx="1">
+            <a:schemeClr val="accent1"/>
+          </a:lnRef>
+          <a:fillRef idx="0">
+            <a:schemeClr val="accent1"/>
+          </a:fillRef>
+          <a:effectRef idx="0">
+            <a:schemeClr val="accent1"/>
+          </a:effectRef>
+          <a:fontRef idx="minor">
+            <a:schemeClr val="tx1"/>
+          </a:fontRef>
+        </p:style>
+      </p:cxnSp>
+      <p:sp>
+        <p:nvSpPr>
+          <p:cNvPr id="32" name="TextBox 31">
+            <a:extLst>
+              <a:ext uri="{FF2B5EF4-FFF2-40B4-BE49-F238E27FC236}">
+                <a16:creationId xmlns:a16="http://schemas.microsoft.com/office/drawing/2014/main" id="{CAFA15AF-C5C2-40AF-9818-91EE87C9DC76}"/>
+              </a:ext>
+            </a:extLst>
+          </p:cNvPr>
+          <p:cNvSpPr txBox="1"/>
+          <p:nvPr/>
+        </p:nvSpPr>
+        <p:spPr>
+          <a:xfrm>
+            <a:off x="7739139" y="2215740"/>
+            <a:ext cx="3231975" cy="523220"/>
+          </a:xfrm>
+          <a:prstGeom prst="rect">
+            <a:avLst/>
+          </a:prstGeom>
+          <a:noFill/>
+        </p:spPr>
+        <p:txBody>
+          <a:bodyPr wrap="none" rtlCol="0">
+            <a:spAutoFit/>
+          </a:bodyPr>
+          <a:lstStyle/>
+          <a:p>
+            <a:pPr marL="342900" indent="-342900">
+              <a:buAutoNum type="arabicPeriod"/>
+            </a:pPr>
+            <a:r>
+              <a:rPr lang="ko-KR" altLang="en-US" sz="1400" dirty="0"/>
+              <a:t>환경 오염에 대한 관심 증가</a:t>
+            </a:r>
+            <a:endParaRPr lang="en-US" altLang="ko-KR" sz="1400" dirty="0"/>
+          </a:p>
+          <a:p>
+            <a:pPr marL="342900" indent="-342900">
+              <a:buAutoNum type="arabicPeriod"/>
+            </a:pPr>
+            <a:r>
+              <a:rPr lang="ko-KR" altLang="en-US" sz="1400" dirty="0"/>
+              <a:t>코로나로 인한 라이프스타일 변화</a:t>
+            </a:r>
+          </a:p>
+        </p:txBody>
+      </p:sp>
+      <p:sp>
+        <p:nvSpPr>
+          <p:cNvPr id="33" name="TextBox 32">
+            <a:extLst>
+              <a:ext uri="{FF2B5EF4-FFF2-40B4-BE49-F238E27FC236}">
+                <a16:creationId xmlns:a16="http://schemas.microsoft.com/office/drawing/2014/main" id="{208118B7-0E2F-4D6B-8577-423964D8AD7F}"/>
+              </a:ext>
+            </a:extLst>
+          </p:cNvPr>
+          <p:cNvSpPr txBox="1"/>
+          <p:nvPr/>
+        </p:nvSpPr>
+        <p:spPr>
+          <a:xfrm>
+            <a:off x="7210536" y="4599719"/>
+            <a:ext cx="3942105" cy="369332"/>
+          </a:xfrm>
+          <a:prstGeom prst="rect">
+            <a:avLst/>
+          </a:prstGeom>
+          <a:noFill/>
+        </p:spPr>
+        <p:txBody>
+          <a:bodyPr wrap="none" rtlCol="0">
+            <a:spAutoFit/>
+          </a:bodyPr>
+          <a:lstStyle/>
+          <a:p>
+            <a:pPr marL="285750" indent="-285750">
+              <a:buFont typeface="Arial" panose="020B0604020202020204" pitchFamily="34" charset="0"/>
+              <a:buChar char="•"/>
+            </a:pPr>
+            <a:r>
+              <a:rPr lang="ko-KR" altLang="en-US" dirty="0"/>
+              <a:t>환경 파괴 요소 삽입 </a:t>
+            </a:r>
+            <a:r>
+              <a:rPr lang="en-US" altLang="ko-KR" dirty="0"/>
+              <a:t>(</a:t>
+            </a:r>
+            <a:r>
+              <a:rPr lang="ko-KR" altLang="en-US" dirty="0"/>
+              <a:t>디스토피아</a:t>
+            </a:r>
+            <a:r>
+              <a:rPr lang="en-US" altLang="ko-KR" dirty="0"/>
+              <a:t>)</a:t>
+            </a:r>
+            <a:endParaRPr lang="ko-KR" altLang="en-US" dirty="0"/>
+          </a:p>
+        </p:txBody>
+      </p:sp>
+      <p:sp>
+        <p:nvSpPr>
+          <p:cNvPr id="11" name="TextBox 10">
+            <a:extLst>
+              <a:ext uri="{FF2B5EF4-FFF2-40B4-BE49-F238E27FC236}">
+                <a16:creationId xmlns:a16="http://schemas.microsoft.com/office/drawing/2014/main" id="{D81A467A-DC9F-42B3-A60E-DEBD88C78EA8}"/>
+              </a:ext>
+            </a:extLst>
+          </p:cNvPr>
+          <p:cNvSpPr txBox="1"/>
+          <p:nvPr/>
+        </p:nvSpPr>
+        <p:spPr>
+          <a:xfrm>
+            <a:off x="7210536" y="3429000"/>
+            <a:ext cx="2611612" cy="369332"/>
+          </a:xfrm>
+          <a:prstGeom prst="rect">
+            <a:avLst/>
+          </a:prstGeom>
+          <a:noFill/>
+        </p:spPr>
+        <p:txBody>
+          <a:bodyPr wrap="none" rtlCol="0">
+            <a:spAutoFit/>
+          </a:bodyPr>
+          <a:lstStyle/>
+          <a:p>
+            <a:pPr marL="285750" indent="-285750">
+              <a:buFont typeface="Arial" panose="020B0604020202020204" pitchFamily="34" charset="0"/>
+              <a:buChar char="•"/>
+            </a:pPr>
+            <a:r>
+              <a:rPr lang="en-US" altLang="ko-KR" dirty="0"/>
+              <a:t>PC</a:t>
+            </a:r>
+            <a:r>
+              <a:rPr lang="ko-KR" altLang="en-US" dirty="0"/>
+              <a:t> 게임 개발 </a:t>
+            </a:r>
+            <a:r>
+              <a:rPr lang="ko-KR" altLang="en-US" dirty="0" err="1"/>
+              <a:t>적정기</a:t>
+            </a:r>
+            <a:endParaRPr lang="ko-KR" altLang="en-US" dirty="0"/>
           </a:p>
         </p:txBody>
       </p:sp>
     </p:spTree>
     <p:extLst>
       <p:ext uri="{BB962C8B-B14F-4D97-AF65-F5344CB8AC3E}">
-        <p14:creationId xmlns:p14="http://schemas.microsoft.com/office/powerpoint/2010/main" val="3807218418"/>
+        <p14:creationId xmlns:p14="http://schemas.microsoft.com/office/powerpoint/2010/main" val="3000522526"/>
       </p:ext>
     </p:extLst>
   </p:cSld>
@@ -4751,7 +6435,7 @@
           <p:cNvPr id="2" name="제목 1">
             <a:extLst>
               <a:ext uri="{FF2B5EF4-FFF2-40B4-BE49-F238E27FC236}">
-                <a16:creationId xmlns:a16="http://schemas.microsoft.com/office/drawing/2014/main" id="{751F3685-5DB0-4937-A900-9BD0DD28B843}"/>
+                <a16:creationId xmlns:a16="http://schemas.microsoft.com/office/drawing/2014/main" id="{4FE58AF2-0BC5-441E-AB12-6BB6E9B0D21C}"/>
               </a:ext>
             </a:extLst>
           </p:cNvPr>
@@ -4764,22 +6448,16 @@
         </p:nvSpPr>
         <p:spPr/>
         <p:txBody>
-          <a:bodyPr>
-            <a:normAutofit/>
-          </a:bodyPr>
-          <a:lstStyle/>
-          <a:p>
+          <a:bodyPr/>
+          <a:lstStyle/>
+          <a:p>
+            <a:r>
+              <a:rPr lang="ko-KR" altLang="en-US" dirty="0"/>
+              <a:t>거시경제 분석 </a:t>
+            </a:r>
             <a:r>
               <a:rPr lang="en-US" altLang="ko-KR" dirty="0"/>
-              <a:t>Approach (</a:t>
-            </a:r>
-            <a:r>
-              <a:rPr lang="ko-KR" altLang="en-US" dirty="0"/>
-              <a:t>본론</a:t>
-            </a:r>
-            <a:r>
-              <a:rPr lang="en-US" altLang="ko-KR" dirty="0"/>
-              <a:t>)</a:t>
+              <a:t>(3)</a:t>
             </a:r>
             <a:endParaRPr lang="ko-KR" altLang="en-US" dirty="0"/>
           </a:p>
@@ -4787,172 +6465,135 @@
       </p:sp>
       <p:sp>
         <p:nvSpPr>
-          <p:cNvPr id="3" name="내용 개체 틀 2">
+          <p:cNvPr id="17" name="TextBox 16">
             <a:extLst>
               <a:ext uri="{FF2B5EF4-FFF2-40B4-BE49-F238E27FC236}">
-                <a16:creationId xmlns:a16="http://schemas.microsoft.com/office/drawing/2014/main" id="{95896442-D389-48B0-9D6A-2A2013260D9A}"/>
+                <a16:creationId xmlns:a16="http://schemas.microsoft.com/office/drawing/2014/main" id="{1BF9A074-B09A-4F7B-B6D8-699001C69069}"/>
               </a:ext>
             </a:extLst>
           </p:cNvPr>
-          <p:cNvSpPr>
-            <a:spLocks noGrp="1"/>
-          </p:cNvSpPr>
-          <p:nvPr>
-            <p:ph idx="1"/>
-          </p:nvPr>
-        </p:nvSpPr>
-        <p:spPr/>
-        <p:txBody>
-          <a:bodyPr>
-            <a:normAutofit fontScale="92500"/>
+          <p:cNvSpPr txBox="1"/>
+          <p:nvPr/>
+        </p:nvSpPr>
+        <p:spPr>
+          <a:xfrm>
+            <a:off x="4273916" y="2244061"/>
+            <a:ext cx="814647" cy="1323439"/>
+          </a:xfrm>
+          <a:prstGeom prst="rect">
+            <a:avLst/>
+          </a:prstGeom>
+          <a:noFill/>
+        </p:spPr>
+        <p:txBody>
+          <a:bodyPr wrap="none" rtlCol="0">
+            <a:spAutoFit/>
           </a:bodyPr>
           <a:lstStyle/>
           <a:p>
             <a:r>
-              <a:rPr lang="en-US" altLang="ko-KR" dirty="0"/>
-              <a:t>1.</a:t>
-            </a:r>
+              <a:rPr lang="en-US" altLang="ko-KR" sz="8000" b="1" dirty="0"/>
+              <a:t>P</a:t>
+            </a:r>
+            <a:endParaRPr lang="ko-KR" altLang="en-US" sz="8000" b="1" dirty="0"/>
+          </a:p>
+        </p:txBody>
+      </p:sp>
+      <p:sp>
+        <p:nvSpPr>
+          <p:cNvPr id="18" name="TextBox 17">
+            <a:extLst>
+              <a:ext uri="{FF2B5EF4-FFF2-40B4-BE49-F238E27FC236}">
+                <a16:creationId xmlns:a16="http://schemas.microsoft.com/office/drawing/2014/main" id="{A7D828FE-DA8E-4FB9-9B13-FD83116FAB95}"/>
+              </a:ext>
+            </a:extLst>
+          </p:cNvPr>
+          <p:cNvSpPr txBox="1"/>
+          <p:nvPr/>
+        </p:nvSpPr>
+        <p:spPr>
+          <a:xfrm>
+            <a:off x="5172294" y="2905780"/>
+            <a:ext cx="3223959" cy="584775"/>
+          </a:xfrm>
+          <a:prstGeom prst="rect">
+            <a:avLst/>
+          </a:prstGeom>
+          <a:noFill/>
+        </p:spPr>
+        <p:txBody>
+          <a:bodyPr wrap="none" rtlCol="0">
+            <a:spAutoFit/>
+          </a:bodyPr>
+          <a:lstStyle/>
+          <a:p>
+            <a:pPr marL="342900" indent="-342900">
+              <a:buAutoNum type="arabicPeriod"/>
+            </a:pPr>
+            <a:r>
+              <a:rPr lang="ko-KR" altLang="en-US" sz="1600" dirty="0"/>
+              <a:t>사회 지도층에 대한 시위 증가</a:t>
+            </a:r>
+            <a:endParaRPr lang="en-US" altLang="ko-KR" sz="1600" dirty="0"/>
+          </a:p>
+          <a:p>
+            <a:pPr marL="342900" indent="-342900">
+              <a:buAutoNum type="arabicPeriod"/>
+            </a:pPr>
+            <a:r>
+              <a:rPr lang="en-US" altLang="ko-KR" sz="1600" dirty="0"/>
+              <a:t>Shut down</a:t>
+            </a:r>
+            <a:r>
+              <a:rPr lang="ko-KR" altLang="en-US" sz="1600" dirty="0"/>
+              <a:t> 제도</a:t>
+            </a:r>
+          </a:p>
+        </p:txBody>
+      </p:sp>
+      <p:sp>
+        <p:nvSpPr>
+          <p:cNvPr id="19" name="TextBox 18">
+            <a:extLst>
+              <a:ext uri="{FF2B5EF4-FFF2-40B4-BE49-F238E27FC236}">
+                <a16:creationId xmlns:a16="http://schemas.microsoft.com/office/drawing/2014/main" id="{4D56FA91-CF7D-4C03-B7C5-3C5E07F87879}"/>
+              </a:ext>
+            </a:extLst>
+          </p:cNvPr>
+          <p:cNvSpPr txBox="1"/>
+          <p:nvPr/>
+        </p:nvSpPr>
+        <p:spPr>
+          <a:xfrm>
+            <a:off x="4273916" y="4218777"/>
+            <a:ext cx="4113627" cy="369332"/>
+          </a:xfrm>
+          <a:prstGeom prst="rect">
+            <a:avLst/>
+          </a:prstGeom>
+          <a:noFill/>
+        </p:spPr>
+        <p:txBody>
+          <a:bodyPr wrap="none" rtlCol="0">
+            <a:spAutoFit/>
+          </a:bodyPr>
+          <a:lstStyle/>
+          <a:p>
+            <a:pPr marL="285750" indent="-285750">
+              <a:buFont typeface="Arial" panose="020B0604020202020204" pitchFamily="34" charset="0"/>
+              <a:buChar char="•"/>
+            </a:pPr>
             <a:r>
               <a:rPr lang="ko-KR" altLang="en-US" dirty="0"/>
-              <a:t> 게임의 배경 스토리</a:t>
-            </a:r>
-            <a:endParaRPr lang="en-US" altLang="ko-KR" dirty="0"/>
-          </a:p>
-          <a:p>
-            <a:pPr>
-              <a:lnSpc>
-                <a:spcPct val="150000"/>
-              </a:lnSpc>
-              <a:buFontTx/>
-              <a:buChar char="-"/>
-            </a:pPr>
-            <a:r>
-              <a:rPr lang="ko-KR" altLang="en-US" b="0" i="0" dirty="0">
-                <a:solidFill>
-                  <a:srgbClr val="24292E"/>
-                </a:solidFill>
-                <a:effectLst/>
-                <a:latin typeface="-apple-system"/>
-              </a:rPr>
-              <a:t>전염병과 각종 환경 문제로 </a:t>
-            </a:r>
-            <a:r>
-              <a:rPr lang="ko-KR" altLang="en-US" b="0" i="0" dirty="0" err="1">
-                <a:solidFill>
-                  <a:srgbClr val="24292E"/>
-                </a:solidFill>
-                <a:effectLst/>
-                <a:latin typeface="-apple-system"/>
-              </a:rPr>
-              <a:t>디스토피아로</a:t>
-            </a:r>
-            <a:r>
-              <a:rPr lang="ko-KR" altLang="en-US" b="0" i="0" dirty="0">
-                <a:solidFill>
-                  <a:srgbClr val="24292E"/>
-                </a:solidFill>
-                <a:effectLst/>
-                <a:latin typeface="-apple-system"/>
-              </a:rPr>
-              <a:t> 변해 버린 세상에서 사회 고위층이 새로운 유토피아를 따로 건설한다</a:t>
-            </a:r>
-            <a:r>
-              <a:rPr lang="en-US" altLang="ko-KR" b="0" i="0" dirty="0">
-                <a:solidFill>
-                  <a:srgbClr val="24292E"/>
-                </a:solidFill>
-                <a:effectLst/>
-                <a:latin typeface="-apple-system"/>
-              </a:rPr>
-              <a:t>. </a:t>
-            </a:r>
-          </a:p>
-          <a:p>
-            <a:pPr>
-              <a:lnSpc>
-                <a:spcPct val="150000"/>
-              </a:lnSpc>
-              <a:buFontTx/>
-              <a:buChar char="-"/>
-            </a:pPr>
-            <a:r>
-              <a:rPr lang="ko-KR" altLang="en-US" b="0" i="0" dirty="0">
-                <a:solidFill>
-                  <a:srgbClr val="24292E"/>
-                </a:solidFill>
-                <a:effectLst/>
-                <a:latin typeface="-apple-system"/>
-              </a:rPr>
-              <a:t>차별적인 대우에 반 유토피아 시위가 빈번히 일어나게 되고</a:t>
-            </a:r>
-            <a:r>
-              <a:rPr lang="en-US" altLang="ko-KR" b="0" i="0" dirty="0">
-                <a:solidFill>
-                  <a:srgbClr val="24292E"/>
-                </a:solidFill>
-                <a:effectLst/>
-                <a:latin typeface="-apple-system"/>
-              </a:rPr>
-              <a:t>, </a:t>
-            </a:r>
-            <a:r>
-              <a:rPr lang="ko-KR" altLang="en-US" b="0" i="0" dirty="0" err="1">
-                <a:solidFill>
-                  <a:srgbClr val="24292E"/>
-                </a:solidFill>
-                <a:effectLst/>
-                <a:latin typeface="-apple-system"/>
-              </a:rPr>
-              <a:t>디스토피아의</a:t>
-            </a:r>
-            <a:r>
-              <a:rPr lang="ko-KR" altLang="en-US" b="0" i="0" dirty="0">
-                <a:solidFill>
-                  <a:srgbClr val="24292E"/>
-                </a:solidFill>
-                <a:effectLst/>
-                <a:latin typeface="-apple-system"/>
-              </a:rPr>
-              <a:t> 주민인 주인공의 가족이 유토피아에 대한 시위에 참여했다가 잡혀가게 된다</a:t>
-            </a:r>
-            <a:r>
-              <a:rPr lang="en-US" altLang="ko-KR" b="0" i="0" dirty="0">
-                <a:solidFill>
-                  <a:srgbClr val="24292E"/>
-                </a:solidFill>
-                <a:effectLst/>
-                <a:latin typeface="-apple-system"/>
-              </a:rPr>
-              <a:t>. </a:t>
-            </a:r>
-            <a:r>
-              <a:rPr lang="ko-KR" altLang="en-US" b="0" i="0" dirty="0">
-                <a:solidFill>
-                  <a:srgbClr val="24292E"/>
-                </a:solidFill>
-                <a:effectLst/>
-                <a:latin typeface="-apple-system"/>
-              </a:rPr>
-              <a:t>이것을 계기로 주인공은 유토피아로 가고자 하는데 세력을 키우기 위해 디스토피아 전역을 돌아다니며 시위대를 모은다</a:t>
-            </a:r>
-            <a:r>
-              <a:rPr lang="en-US" altLang="ko-KR" b="0" i="0" dirty="0">
-                <a:solidFill>
-                  <a:srgbClr val="24292E"/>
-                </a:solidFill>
-                <a:effectLst/>
-                <a:latin typeface="-apple-system"/>
-              </a:rPr>
-              <a:t>.</a:t>
-            </a:r>
-            <a:endParaRPr lang="ko-KR" altLang="en-US" dirty="0"/>
+              <a:t>부패 지도층을 게임 내 적으로 설정</a:t>
+            </a:r>
           </a:p>
         </p:txBody>
       </p:sp>
     </p:spTree>
     <p:extLst>
       <p:ext uri="{BB962C8B-B14F-4D97-AF65-F5344CB8AC3E}">
-        <p14:creationId xmlns:p14="http://schemas.microsoft.com/office/powerpoint/2010/main" val="104245878"/>
+        <p14:creationId xmlns:p14="http://schemas.microsoft.com/office/powerpoint/2010/main" val="3807218418"/>
       </p:ext>
     </p:extLst>
   </p:cSld>
@@ -4965,6 +6606,30 @@
 <file path=ppt/slides/slide7.xml><?xml version="1.0" encoding="utf-8"?>
 <p:sld xmlns:a="http://schemas.openxmlformats.org/drawingml/2006/main" xmlns:r="http://schemas.openxmlformats.org/officeDocument/2006/relationships" xmlns:p="http://schemas.openxmlformats.org/presentationml/2006/main">
   <p:cSld>
+    <p:bg>
+      <p:bgPr>
+        <a:gradFill rotWithShape="1">
+          <a:gsLst>
+            <a:gs pos="0">
+              <a:schemeClr val="bg2">
+                <a:tint val="94000"/>
+                <a:satMod val="80000"/>
+                <a:lumMod val="106000"/>
+              </a:schemeClr>
+            </a:gs>
+            <a:gs pos="100000">
+              <a:schemeClr val="bg2">
+                <a:shade val="80000"/>
+              </a:schemeClr>
+            </a:gs>
+          </a:gsLst>
+          <a:path path="circle">
+            <a:fillToRect l="43000" r="43000" b="100000"/>
+          </a:path>
+        </a:gradFill>
+        <a:effectLst/>
+      </p:bgPr>
+    </p:bg>
     <p:spTree>
       <p:nvGrpSpPr>
         <p:cNvPr id="1" name=""/>
@@ -4984,7 +6649,7 @@
           <p:cNvPr id="2" name="제목 1">
             <a:extLst>
               <a:ext uri="{FF2B5EF4-FFF2-40B4-BE49-F238E27FC236}">
-                <a16:creationId xmlns:a16="http://schemas.microsoft.com/office/drawing/2014/main" id="{36C8F1D2-F0F2-44BF-BEA0-44C3D3E8F405}"/>
+                <a16:creationId xmlns:a16="http://schemas.microsoft.com/office/drawing/2014/main" id="{751F3685-5DB0-4937-A900-9BD0DD28B843}"/>
               </a:ext>
             </a:extLst>
           </p:cNvPr>
@@ -4995,18 +6660,29 @@
             <p:ph type="title"/>
           </p:nvPr>
         </p:nvSpPr>
-        <p:spPr/>
-        <p:txBody>
-          <a:bodyPr/>
-          <a:lstStyle/>
-          <a:p>
+        <p:spPr>
+          <a:xfrm>
+            <a:off x="1451579" y="804519"/>
+            <a:ext cx="9603275" cy="1049235"/>
+          </a:xfrm>
+        </p:spPr>
+        <p:txBody>
+          <a:bodyPr>
+            <a:normAutofit/>
+          </a:bodyPr>
+          <a:lstStyle/>
+          <a:p>
+            <a:r>
+              <a:rPr lang="ko-KR" altLang="en-US" dirty="0"/>
+              <a:t>게임 소개 </a:t>
+            </a:r>
             <a:r>
               <a:rPr lang="en-US" altLang="ko-KR" dirty="0"/>
-              <a:t>Approach (</a:t>
+              <a:t>(</a:t>
             </a:r>
             <a:r>
               <a:rPr lang="ko-KR" altLang="en-US" dirty="0"/>
-              <a:t>본론</a:t>
+              <a:t>배경</a:t>
             </a:r>
             <a:r>
               <a:rPr lang="en-US" altLang="ko-KR" dirty="0"/>
@@ -5016,87 +6692,12 @@
           </a:p>
         </p:txBody>
       </p:sp>
-      <p:sp>
-        <p:nvSpPr>
-          <p:cNvPr id="3" name="내용 개체 틀 2">
+      <p:pic>
+        <p:nvPicPr>
+          <p:cNvPr id="5" name="그림 4" descr="실외, 눈, 남자, 덮여있는이(가) 표시된 사진&#10;&#10;자동 생성된 설명">
             <a:extLst>
               <a:ext uri="{FF2B5EF4-FFF2-40B4-BE49-F238E27FC236}">
-                <a16:creationId xmlns:a16="http://schemas.microsoft.com/office/drawing/2014/main" id="{768B48A2-607C-477A-A993-12067C59045C}"/>
-              </a:ext>
-            </a:extLst>
-          </p:cNvPr>
-          <p:cNvSpPr>
-            <a:spLocks noGrp="1"/>
-          </p:cNvSpPr>
-          <p:nvPr>
-            <p:ph idx="1"/>
-          </p:nvPr>
-        </p:nvSpPr>
-        <p:spPr>
-          <a:xfrm>
-            <a:off x="6096000" y="1825625"/>
-            <a:ext cx="5257800" cy="4351338"/>
-          </a:xfrm>
-        </p:spPr>
-        <p:txBody>
-          <a:bodyPr/>
-          <a:lstStyle/>
-          <a:p>
-            <a:r>
-              <a:rPr lang="en-US" altLang="ko-KR" dirty="0"/>
-              <a:t>2. </a:t>
-            </a:r>
-            <a:r>
-              <a:rPr lang="ko-KR" altLang="en-US" dirty="0"/>
-              <a:t>맵 설정</a:t>
-            </a:r>
-            <a:endParaRPr lang="en-US" altLang="ko-KR" dirty="0"/>
-          </a:p>
-          <a:p>
-            <a:pPr>
-              <a:buFontTx/>
-              <a:buChar char="-"/>
-            </a:pPr>
-            <a:r>
-              <a:rPr lang="ko-KR" altLang="en-US" dirty="0" err="1"/>
-              <a:t>디스토피아와</a:t>
-            </a:r>
-            <a:r>
-              <a:rPr lang="ko-KR" altLang="en-US" dirty="0"/>
-              <a:t> 유토피아의 격차를 시각적으로 느낄 수 있는 맵 설정</a:t>
-            </a:r>
-            <a:endParaRPr lang="en-US" altLang="ko-KR" dirty="0"/>
-          </a:p>
-          <a:p>
-            <a:pPr>
-              <a:buFontTx/>
-              <a:buChar char="-"/>
-            </a:pPr>
-            <a:r>
-              <a:rPr lang="ko-KR" altLang="en-US" dirty="0"/>
-              <a:t>유저는 대부분 </a:t>
-            </a:r>
-            <a:r>
-              <a:rPr lang="ko-KR" altLang="en-US" dirty="0" err="1"/>
-              <a:t>디스토피아에서</a:t>
-            </a:r>
-            <a:r>
-              <a:rPr lang="ko-KR" altLang="en-US" dirty="0"/>
-              <a:t> 플레이한다</a:t>
-            </a:r>
-            <a:r>
-              <a:rPr lang="en-US" altLang="ko-KR" dirty="0"/>
-              <a:t>.</a:t>
-            </a:r>
-          </a:p>
-        </p:txBody>
-      </p:sp>
-      <p:pic>
-        <p:nvPicPr>
-          <p:cNvPr id="7" name="그림 6">
-            <a:extLst>
-              <a:ext uri="{FF2B5EF4-FFF2-40B4-BE49-F238E27FC236}">
-                <a16:creationId xmlns:a16="http://schemas.microsoft.com/office/drawing/2014/main" id="{04B02959-55E5-47B9-86C8-8E234F2FF346}"/>
+                <a16:creationId xmlns:a16="http://schemas.microsoft.com/office/drawing/2014/main" id="{CB2EFD53-61BF-49F9-A8E8-9A7237D79487}"/>
               </a:ext>
             </a:extLst>
           </p:cNvPr>
@@ -5106,25 +6707,168 @@
           <p:nvPr/>
         </p:nvPicPr>
         <p:blipFill>
-          <a:blip r:embed="rId2"/>
+          <a:blip r:embed="rId2">
+            <a:extLst>
+              <a:ext uri="{28A0092B-C50C-407E-A947-70E740481C1C}">
+                <a14:useLocalDpi xmlns:a14="http://schemas.microsoft.com/office/drawing/2010/main" val="0"/>
+              </a:ext>
+            </a:extLst>
+          </a:blip>
           <a:stretch>
             <a:fillRect/>
           </a:stretch>
         </p:blipFill>
         <p:spPr>
           <a:xfrm>
-            <a:off x="838200" y="1693353"/>
-            <a:ext cx="5257800" cy="4603211"/>
+            <a:off x="1451579" y="2352116"/>
+            <a:ext cx="4960443" cy="2777848"/>
           </a:xfrm>
           <a:prstGeom prst="rect">
             <a:avLst/>
           </a:prstGeom>
         </p:spPr>
       </p:pic>
+      <p:sp>
+        <p:nvSpPr>
+          <p:cNvPr id="3" name="내용 개체 틀 2">
+            <a:extLst>
+              <a:ext uri="{FF2B5EF4-FFF2-40B4-BE49-F238E27FC236}">
+                <a16:creationId xmlns:a16="http://schemas.microsoft.com/office/drawing/2014/main" id="{95896442-D389-48B0-9D6A-2A2013260D9A}"/>
+              </a:ext>
+            </a:extLst>
+          </p:cNvPr>
+          <p:cNvSpPr>
+            <a:spLocks noGrp="1"/>
+          </p:cNvSpPr>
+          <p:nvPr>
+            <p:ph idx="1"/>
+          </p:nvPr>
+        </p:nvSpPr>
+        <p:spPr>
+          <a:xfrm>
+            <a:off x="6892299" y="2015734"/>
+            <a:ext cx="4162555" cy="3450613"/>
+          </a:xfrm>
+        </p:spPr>
+        <p:txBody>
+          <a:bodyPr>
+            <a:normAutofit/>
+          </a:bodyPr>
+          <a:lstStyle/>
+          <a:p>
+            <a:pPr>
+              <a:lnSpc>
+                <a:spcPct val="110000"/>
+              </a:lnSpc>
+            </a:pPr>
+            <a:r>
+              <a:rPr lang="ko-KR" altLang="en-US" sz="1600" dirty="0"/>
+              <a:t>게임의 배경 스토리</a:t>
+            </a:r>
+            <a:endParaRPr lang="en-US" altLang="ko-KR" sz="1600" dirty="0"/>
+          </a:p>
+          <a:p>
+            <a:pPr>
+              <a:lnSpc>
+                <a:spcPct val="110000"/>
+              </a:lnSpc>
+              <a:buFontTx/>
+              <a:buChar char="-"/>
+            </a:pPr>
+            <a:r>
+              <a:rPr lang="ko-KR" altLang="en-US" sz="1600" b="0" i="0" dirty="0">
+                <a:effectLst/>
+                <a:latin typeface="-apple-system"/>
+              </a:rPr>
+              <a:t>전염병과 각종 환경 문제로 </a:t>
+            </a:r>
+            <a:r>
+              <a:rPr lang="ko-KR" altLang="en-US" sz="1600" b="0" i="0" dirty="0" err="1">
+                <a:effectLst/>
+                <a:latin typeface="-apple-system"/>
+              </a:rPr>
+              <a:t>디스토피아로</a:t>
+            </a:r>
+            <a:r>
+              <a:rPr lang="ko-KR" altLang="en-US" sz="1600" b="0" i="0" dirty="0">
+                <a:effectLst/>
+                <a:latin typeface="-apple-system"/>
+              </a:rPr>
+              <a:t> 변해 버린 세상에서 사회 고위층이 새로운 유토피아를 따로 건설한다</a:t>
+            </a:r>
+            <a:r>
+              <a:rPr lang="en-US" altLang="ko-KR" sz="1600" b="0" i="0" dirty="0">
+                <a:effectLst/>
+                <a:latin typeface="-apple-system"/>
+              </a:rPr>
+              <a:t>. </a:t>
+            </a:r>
+          </a:p>
+          <a:p>
+            <a:pPr>
+              <a:lnSpc>
+                <a:spcPct val="110000"/>
+              </a:lnSpc>
+              <a:buFontTx/>
+              <a:buChar char="-"/>
+            </a:pPr>
+            <a:r>
+              <a:rPr lang="ko-KR" altLang="en-US" sz="1600" b="0" i="0" dirty="0">
+                <a:effectLst/>
+                <a:latin typeface="-apple-system"/>
+              </a:rPr>
+              <a:t>차별적인 대우에 반 유토피아 시위가 빈번히 일어나게 되고</a:t>
+            </a:r>
+            <a:r>
+              <a:rPr lang="en-US" altLang="ko-KR" sz="1600" b="0" i="0" dirty="0">
+                <a:effectLst/>
+                <a:latin typeface="-apple-system"/>
+              </a:rPr>
+              <a:t>, </a:t>
+            </a:r>
+            <a:r>
+              <a:rPr lang="ko-KR" altLang="en-US" sz="1600" b="0" i="0" dirty="0" err="1">
+                <a:effectLst/>
+                <a:latin typeface="-apple-system"/>
+              </a:rPr>
+              <a:t>디스토피아의</a:t>
+            </a:r>
+            <a:r>
+              <a:rPr lang="ko-KR" altLang="en-US" sz="1600" b="0" i="0" dirty="0">
+                <a:effectLst/>
+                <a:latin typeface="-apple-system"/>
+              </a:rPr>
+              <a:t> 주민인 주인공의 가족이 유토피아에 대한 시위에 참여했다가 잡혀가게 된다</a:t>
+            </a:r>
+            <a:r>
+              <a:rPr lang="en-US" altLang="ko-KR" sz="1600" b="0" i="0" dirty="0">
+                <a:effectLst/>
+                <a:latin typeface="-apple-system"/>
+              </a:rPr>
+              <a:t>. </a:t>
+            </a:r>
+            <a:r>
+              <a:rPr lang="ko-KR" altLang="en-US" sz="1600" b="0" i="0" dirty="0">
+                <a:effectLst/>
+                <a:latin typeface="-apple-system"/>
+              </a:rPr>
+              <a:t>이것을 계기로 주인공은 유토피아로 가는 방법을 찾기 위해 디스토피아 전역을 돌아다니며 시위대를 모은다</a:t>
+            </a:r>
+            <a:r>
+              <a:rPr lang="en-US" altLang="ko-KR" sz="1600" b="0" i="0" dirty="0">
+                <a:effectLst/>
+                <a:latin typeface="-apple-system"/>
+              </a:rPr>
+              <a:t>.</a:t>
+            </a:r>
+            <a:endParaRPr lang="ko-KR" altLang="en-US" sz="1600" dirty="0"/>
+          </a:p>
+        </p:txBody>
+      </p:sp>
     </p:spTree>
     <p:extLst>
       <p:ext uri="{BB962C8B-B14F-4D97-AF65-F5344CB8AC3E}">
-        <p14:creationId xmlns:p14="http://schemas.microsoft.com/office/powerpoint/2010/main" val="1057948021"/>
+        <p14:creationId xmlns:p14="http://schemas.microsoft.com/office/powerpoint/2010/main" val="104245878"/>
       </p:ext>
     </p:extLst>
   </p:cSld>
@@ -5156,7 +6900,7 @@
           <p:cNvPr id="2" name="제목 1">
             <a:extLst>
               <a:ext uri="{FF2B5EF4-FFF2-40B4-BE49-F238E27FC236}">
-                <a16:creationId xmlns:a16="http://schemas.microsoft.com/office/drawing/2014/main" id="{7A77052A-66D7-48EF-BDC0-49E02A695A70}"/>
+                <a16:creationId xmlns:a16="http://schemas.microsoft.com/office/drawing/2014/main" id="{36C8F1D2-F0F2-44BF-BEA0-44C3D3E8F405}"/>
               </a:ext>
             </a:extLst>
           </p:cNvPr>
@@ -5173,12 +6917,16 @@
           <a:lstStyle/>
           <a:p>
             <a:r>
+              <a:rPr lang="ko-KR" altLang="en-US" dirty="0"/>
+              <a:t>게임 소개 </a:t>
+            </a:r>
+            <a:r>
               <a:rPr lang="en-US" altLang="ko-KR" dirty="0"/>
-              <a:t>Approach (</a:t>
+              <a:t>(</a:t>
             </a:r>
             <a:r>
               <a:rPr lang="ko-KR" altLang="en-US" dirty="0"/>
-              <a:t>본론</a:t>
+              <a:t>맵</a:t>
             </a:r>
             <a:r>
               <a:rPr lang="en-US" altLang="ko-KR" dirty="0"/>
@@ -5193,7 +6941,7 @@
           <p:cNvPr id="3" name="내용 개체 틀 2">
             <a:extLst>
               <a:ext uri="{FF2B5EF4-FFF2-40B4-BE49-F238E27FC236}">
-                <a16:creationId xmlns:a16="http://schemas.microsoft.com/office/drawing/2014/main" id="{D1D155F3-9FBA-4EEC-81E3-5768F6C3B4C2}"/>
+                <a16:creationId xmlns:a16="http://schemas.microsoft.com/office/drawing/2014/main" id="{768B48A2-607C-477A-A993-12067C59045C}"/>
               </a:ext>
             </a:extLst>
           </p:cNvPr>
@@ -5204,114 +6952,105 @@
             <p:ph idx="1"/>
           </p:nvPr>
         </p:nvSpPr>
-        <p:spPr/>
+        <p:spPr>
+          <a:xfrm>
+            <a:off x="6096000" y="1825625"/>
+            <a:ext cx="5257800" cy="4351338"/>
+          </a:xfrm>
+        </p:spPr>
         <p:txBody>
           <a:bodyPr/>
           <a:lstStyle/>
           <a:p>
             <a:r>
-              <a:rPr lang="en-US" altLang="ko-KR" dirty="0"/>
-              <a:t>3. </a:t>
-            </a:r>
-            <a:r>
               <a:rPr lang="ko-KR" altLang="en-US" dirty="0"/>
-              <a:t>게임 플레이</a:t>
+              <a:t>맵 설정</a:t>
             </a:r>
             <a:endParaRPr lang="en-US" altLang="ko-KR" dirty="0"/>
           </a:p>
           <a:p>
+            <a:endParaRPr lang="en-US" altLang="ko-KR" dirty="0"/>
+          </a:p>
+          <a:p>
             <a:pPr>
-              <a:buFont typeface="Wingdings" panose="05000000000000000000" pitchFamily="2" charset="2"/>
-              <a:buChar char="v"/>
+              <a:buFontTx/>
+              <a:buChar char="-"/>
             </a:pPr>
             <a:r>
-              <a:rPr lang="en-US" altLang="ko-KR" dirty="0"/>
-              <a:t> </a:t>
+              <a:rPr lang="ko-KR" altLang="en-US" dirty="0" err="1"/>
+              <a:t>디스토피아와</a:t>
             </a:r>
             <a:r>
               <a:rPr lang="ko-KR" altLang="en-US" dirty="0"/>
-              <a:t>기본적으로 디스토피아 세계를 돌아다니며 시위 참여를 설득하는 주인공</a:t>
+              <a:t> 유토피아의 격차를 시각적으로 느낄 수 있는 맵 설정</a:t>
             </a:r>
             <a:endParaRPr lang="en-US" altLang="ko-KR" dirty="0"/>
           </a:p>
           <a:p>
             <a:pPr>
-              <a:buFont typeface="Wingdings" panose="05000000000000000000" pitchFamily="2" charset="2"/>
-              <a:buChar char="v"/>
+              <a:buFontTx/>
+              <a:buChar char="-"/>
             </a:pPr>
+            <a:endParaRPr lang="en-US" altLang="ko-KR" dirty="0"/>
+          </a:p>
+          <a:p>
+            <a:pPr>
+              <a:buFontTx/>
+              <a:buChar char="-"/>
+            </a:pPr>
             <a:r>
               <a:rPr lang="ko-KR" altLang="en-US" dirty="0"/>
-              <a:t>몬스터</a:t>
-            </a:r>
-            <a:r>
-              <a:rPr lang="en-US" altLang="ko-KR" dirty="0"/>
-              <a:t>(</a:t>
+              <a:t>유저는 대부분 </a:t>
+            </a:r>
+            <a:r>
+              <a:rPr lang="ko-KR" altLang="en-US" dirty="0" err="1"/>
+              <a:t>디스토피아에서</a:t>
             </a:r>
             <a:r>
               <a:rPr lang="ko-KR" altLang="en-US" dirty="0"/>
-              <a:t>적</a:t>
-            </a:r>
-            <a:r>
-              <a:rPr lang="en-US" altLang="ko-KR" dirty="0"/>
-              <a:t>)</a:t>
-            </a:r>
-            <a:r>
-              <a:rPr lang="ko-KR" altLang="en-US" dirty="0"/>
-              <a:t>는 유토피아의 경비대로 설정하고 스토리를 진행한다</a:t>
+              <a:t> 플레이한다</a:t>
             </a:r>
             <a:r>
               <a:rPr lang="en-US" altLang="ko-KR" dirty="0"/>
               <a:t>.</a:t>
             </a:r>
           </a:p>
-          <a:p>
-            <a:pPr>
-              <a:buFont typeface="Wingdings" panose="05000000000000000000" pitchFamily="2" charset="2"/>
-              <a:buChar char="v"/>
-            </a:pPr>
-            <a:r>
-              <a:rPr lang="ko-KR" altLang="en-US" dirty="0"/>
-              <a:t>플레이 중 적을 제거하고 미션을 성공하여 아이템과 경험치를 얻어 이를 바탕으로 </a:t>
-            </a:r>
-            <a:r>
-              <a:rPr lang="ko-KR" altLang="en-US" dirty="0" err="1"/>
-              <a:t>스텟을</a:t>
-            </a:r>
-            <a:r>
-              <a:rPr lang="ko-KR" altLang="en-US" dirty="0"/>
-              <a:t> 증가시키는 방식의 게임이다</a:t>
-            </a:r>
-            <a:r>
-              <a:rPr lang="en-US" altLang="ko-KR" dirty="0"/>
-              <a:t>.</a:t>
-            </a:r>
-          </a:p>
-          <a:p>
-            <a:pPr marL="0" indent="0">
-              <a:buNone/>
-            </a:pPr>
-            <a:r>
-              <a:rPr lang="en-US" altLang="ko-KR" dirty="0"/>
-              <a:t>// </a:t>
-            </a:r>
-            <a:r>
-              <a:rPr lang="ko-KR" altLang="en-US" dirty="0"/>
-              <a:t>기타 플레이 사진들</a:t>
-            </a:r>
-            <a:endParaRPr lang="en-US" altLang="ko-KR" dirty="0"/>
-          </a:p>
-          <a:p>
-            <a:pPr marL="0" indent="0">
-              <a:buNone/>
-            </a:pPr>
-            <a:endParaRPr lang="ko-KR" altLang="en-US" dirty="0"/>
-          </a:p>
-        </p:txBody>
-      </p:sp>
+        </p:txBody>
+      </p:sp>
+      <p:pic>
+        <p:nvPicPr>
+          <p:cNvPr id="7" name="그림 6">
+            <a:extLst>
+              <a:ext uri="{FF2B5EF4-FFF2-40B4-BE49-F238E27FC236}">
+                <a16:creationId xmlns:a16="http://schemas.microsoft.com/office/drawing/2014/main" id="{04B02959-55E5-47B9-86C8-8E234F2FF346}"/>
+              </a:ext>
+            </a:extLst>
+          </p:cNvPr>
+          <p:cNvPicPr>
+            <a:picLocks noChangeAspect="1"/>
+          </p:cNvPicPr>
+          <p:nvPr/>
+        </p:nvPicPr>
+        <p:blipFill>
+          <a:blip r:embed="rId2"/>
+          <a:stretch>
+            <a:fillRect/>
+          </a:stretch>
+        </p:blipFill>
+        <p:spPr>
+          <a:xfrm>
+            <a:off x="838200" y="1693353"/>
+            <a:ext cx="5257800" cy="4351339"/>
+          </a:xfrm>
+          <a:prstGeom prst="rect">
+            <a:avLst/>
+          </a:prstGeom>
+        </p:spPr>
+      </p:pic>
     </p:spTree>
     <p:extLst>
       <p:ext uri="{BB962C8B-B14F-4D97-AF65-F5344CB8AC3E}">
-        <p14:creationId xmlns:p14="http://schemas.microsoft.com/office/powerpoint/2010/main" val="771866413"/>
+        <p14:creationId xmlns:p14="http://schemas.microsoft.com/office/powerpoint/2010/main" val="1057948021"/>
       </p:ext>
     </p:extLst>
   </p:cSld>
@@ -5360,12 +7099,16 @@
           <a:lstStyle/>
           <a:p>
             <a:r>
+              <a:rPr lang="ko-KR" altLang="en-US" dirty="0"/>
+              <a:t>게임 소개</a:t>
+            </a:r>
+            <a:r>
               <a:rPr lang="en-US" altLang="ko-KR" dirty="0"/>
-              <a:t>Approach (</a:t>
+              <a:t> (</a:t>
             </a:r>
             <a:r>
               <a:rPr lang="ko-KR" altLang="en-US" dirty="0"/>
-              <a:t>본론</a:t>
+              <a:t>플레이</a:t>
             </a:r>
             <a:r>
               <a:rPr lang="en-US" altLang="ko-KR" dirty="0"/>
@@ -5391,20 +7134,25 @@
             <p:ph idx="1"/>
           </p:nvPr>
         </p:nvSpPr>
-        <p:spPr/>
+        <p:spPr>
+          <a:xfrm>
+            <a:off x="1451579" y="2015732"/>
+            <a:ext cx="9603275" cy="2324039"/>
+          </a:xfrm>
+        </p:spPr>
         <p:txBody>
           <a:bodyPr/>
           <a:lstStyle/>
           <a:p>
             <a:r>
-              <a:rPr lang="en-US" altLang="ko-KR" dirty="0"/>
-              <a:t>4. </a:t>
-            </a:r>
-            <a:r>
-              <a:rPr lang="ko-KR" altLang="en-US" dirty="0"/>
-              <a:t>디자인 설정</a:t>
-            </a:r>
-            <a:endParaRPr lang="en-US" altLang="ko-KR" dirty="0"/>
+              <a:rPr lang="ko-KR" altLang="en-US" dirty="0">
+                <a:latin typeface="Consolas" panose="020B0609020204030204" pitchFamily="49" charset="0"/>
+              </a:rPr>
+              <a:t>게임 플레이</a:t>
+            </a:r>
+            <a:endParaRPr lang="en-US" altLang="ko-KR" dirty="0">
+              <a:latin typeface="Consolas" panose="020B0609020204030204" pitchFamily="49" charset="0"/>
+            </a:endParaRPr>
           </a:p>
           <a:p>
             <a:pPr>
@@ -5412,45 +7160,20 @@
               <a:buChar char="v"/>
             </a:pPr>
             <a:r>
-              <a:rPr lang="en-US" altLang="ko-KR" dirty="0"/>
+              <a:rPr lang="en-US" altLang="ko-KR" dirty="0">
+                <a:latin typeface="Consolas" panose="020B0609020204030204" pitchFamily="49" charset="0"/>
+              </a:rPr>
               <a:t> </a:t>
             </a:r>
             <a:r>
-              <a:rPr lang="ko-KR" altLang="en-US" dirty="0"/>
-              <a:t>리틀 </a:t>
-            </a:r>
-            <a:r>
-              <a:rPr lang="ko-KR" altLang="en-US" dirty="0" err="1"/>
-              <a:t>데빌</a:t>
-            </a:r>
-            <a:r>
-              <a:rPr lang="ko-KR" altLang="en-US" dirty="0"/>
-              <a:t> 인사이드</a:t>
-            </a:r>
-            <a:r>
-              <a:rPr lang="en-US" altLang="ko-KR" dirty="0"/>
-              <a:t>, </a:t>
-            </a:r>
-            <a:r>
-              <a:rPr lang="ko-KR" altLang="en-US" dirty="0"/>
-              <a:t>동물의 숲</a:t>
-            </a:r>
-            <a:r>
-              <a:rPr lang="en-US" altLang="ko-KR" dirty="0"/>
-              <a:t>, </a:t>
-            </a:r>
-            <a:r>
-              <a:rPr lang="ko-KR" altLang="en-US" dirty="0" err="1"/>
-              <a:t>어몽어스</a:t>
-            </a:r>
-            <a:r>
-              <a:rPr lang="ko-KR" altLang="en-US" dirty="0"/>
-              <a:t> 와 같은 캐릭터</a:t>
-            </a:r>
-            <a:r>
-              <a:rPr lang="en-US" altLang="ko-KR" dirty="0"/>
-              <a:t>.</a:t>
-            </a:r>
+              <a:rPr lang="ko-KR" altLang="en-US" dirty="0">
+                <a:latin typeface="Consolas" panose="020B0609020204030204" pitchFamily="49" charset="0"/>
+              </a:rPr>
+              <a:t>기본적으로 디스토피아 세계를 돌아다니며 시위 참여를 설득하는 주인공</a:t>
+            </a:r>
+            <a:endParaRPr lang="en-US" altLang="ko-KR" dirty="0">
+              <a:latin typeface="Consolas" panose="020B0609020204030204" pitchFamily="49" charset="0"/>
+            </a:endParaRPr>
           </a:p>
           <a:p>
             <a:pPr>
@@ -5458,20 +7181,92 @@
               <a:buChar char="v"/>
             </a:pPr>
             <a:r>
-              <a:rPr lang="en-US" altLang="ko-KR" dirty="0"/>
-              <a:t>// </a:t>
-            </a:r>
-            <a:r>
-              <a:rPr lang="ko-KR" altLang="en-US" dirty="0"/>
-              <a:t>디자인 예시</a:t>
-            </a:r>
+              <a:rPr lang="ko-KR" altLang="en-US" dirty="0">
+                <a:latin typeface="Consolas" panose="020B0609020204030204" pitchFamily="49" charset="0"/>
+              </a:rPr>
+              <a:t>몬스터</a:t>
+            </a:r>
+            <a:r>
+              <a:rPr lang="en-US" altLang="ko-KR" dirty="0">
+                <a:latin typeface="Consolas" panose="020B0609020204030204" pitchFamily="49" charset="0"/>
+              </a:rPr>
+              <a:t>(</a:t>
+            </a:r>
+            <a:r>
+              <a:rPr lang="ko-KR" altLang="en-US" dirty="0">
+                <a:latin typeface="Consolas" panose="020B0609020204030204" pitchFamily="49" charset="0"/>
+              </a:rPr>
+              <a:t>적</a:t>
+            </a:r>
+            <a:r>
+              <a:rPr lang="en-US" altLang="ko-KR" dirty="0">
+                <a:latin typeface="Consolas" panose="020B0609020204030204" pitchFamily="49" charset="0"/>
+              </a:rPr>
+              <a:t>)</a:t>
+            </a:r>
+            <a:r>
+              <a:rPr lang="ko-KR" altLang="en-US" dirty="0">
+                <a:latin typeface="Consolas" panose="020B0609020204030204" pitchFamily="49" charset="0"/>
+              </a:rPr>
+              <a:t>는 유토피아의 경비대로 설정하고 스토리를 진행한다</a:t>
+            </a:r>
+            <a:r>
+              <a:rPr lang="en-US" altLang="ko-KR" dirty="0">
+                <a:latin typeface="Consolas" panose="020B0609020204030204" pitchFamily="49" charset="0"/>
+              </a:rPr>
+              <a:t>.</a:t>
+            </a:r>
+          </a:p>
+          <a:p>
+            <a:pPr>
+              <a:buFont typeface="Wingdings" panose="05000000000000000000" pitchFamily="2" charset="2"/>
+              <a:buChar char="v"/>
+            </a:pPr>
+            <a:r>
+              <a:rPr lang="ko-KR" altLang="en-US" dirty="0">
+                <a:latin typeface="Consolas" panose="020B0609020204030204" pitchFamily="49" charset="0"/>
+              </a:rPr>
+              <a:t>플레이 중 적을 제거하고 미션을 성공하여 아이템과 경험치를 얻어 이를 바탕으로 </a:t>
+            </a:r>
+            <a:r>
+              <a:rPr lang="ko-KR" altLang="en-US" dirty="0" err="1">
+                <a:latin typeface="Consolas" panose="020B0609020204030204" pitchFamily="49" charset="0"/>
+              </a:rPr>
+              <a:t>스텟을</a:t>
+            </a:r>
+            <a:r>
+              <a:rPr lang="ko-KR" altLang="en-US" dirty="0">
+                <a:latin typeface="Consolas" panose="020B0609020204030204" pitchFamily="49" charset="0"/>
+              </a:rPr>
+              <a:t> 증가시키는 방식의 게임이다</a:t>
+            </a:r>
+            <a:r>
+              <a:rPr lang="en-US" altLang="ko-KR" dirty="0">
+                <a:latin typeface="Consolas" panose="020B0609020204030204" pitchFamily="49" charset="0"/>
+              </a:rPr>
+              <a:t>.</a:t>
+            </a:r>
+          </a:p>
+          <a:p>
+            <a:pPr marL="0" indent="0">
+              <a:buNone/>
+            </a:pPr>
+            <a:endParaRPr lang="en-US" altLang="ko-KR" dirty="0">
+              <a:latin typeface="Consolas" panose="020B0609020204030204" pitchFamily="49" charset="0"/>
+            </a:endParaRPr>
+          </a:p>
+          <a:p>
+            <a:pPr marL="0" indent="0">
+              <a:buNone/>
+            </a:pPr>
+            <a:endParaRPr lang="ko-KR" altLang="en-US" dirty="0"/>
           </a:p>
         </p:txBody>
       </p:sp>
     </p:spTree>
     <p:extLst>
       <p:ext uri="{BB962C8B-B14F-4D97-AF65-F5344CB8AC3E}">
-        <p14:creationId xmlns:p14="http://schemas.microsoft.com/office/powerpoint/2010/main" val="1804665668"/>
+        <p14:creationId xmlns:p14="http://schemas.microsoft.com/office/powerpoint/2010/main" val="771866413"/>
       </p:ext>
     </p:extLst>
   </p:cSld>
@@ -5482,9 +7277,9 @@
 </file>
 
 <file path=ppt/theme/theme1.xml><?xml version="1.0" encoding="utf-8"?>
-<a:theme xmlns:a="http://schemas.openxmlformats.org/drawingml/2006/main" name="Office 테마">
+<a:theme xmlns:a="http://schemas.openxmlformats.org/drawingml/2006/main" name="갤러리">
   <a:themeElements>
-    <a:clrScheme name="Office">
+    <a:clrScheme name="갤러리">
       <a:dk1>
         <a:sysClr val="windowText" lastClr="000000"/>
       </a:dk1>
@@ -5492,39 +7287,39 @@
         <a:sysClr val="window" lastClr="FFFFFF"/>
       </a:lt1>
       <a:dk2>
-        <a:srgbClr val="44546A"/>
+        <a:srgbClr val="454545"/>
       </a:dk2>
       <a:lt2>
-        <a:srgbClr val="E7E6E6"/>
+        <a:srgbClr val="DFDBD5"/>
       </a:lt2>
       <a:accent1>
-        <a:srgbClr val="4472C4"/>
+        <a:srgbClr val="B71E42"/>
       </a:accent1>
       <a:accent2>
-        <a:srgbClr val="ED7D31"/>
+        <a:srgbClr val="DE478E"/>
       </a:accent2>
       <a:accent3>
-        <a:srgbClr val="A5A5A5"/>
+        <a:srgbClr val="BC72F0"/>
       </a:accent3>
       <a:accent4>
-        <a:srgbClr val="FFC000"/>
+        <a:srgbClr val="795FAF"/>
       </a:accent4>
       <a:accent5>
-        <a:srgbClr val="5B9BD5"/>
+        <a:srgbClr val="586EA6"/>
       </a:accent5>
       <a:accent6>
-        <a:srgbClr val="70AD47"/>
+        <a:srgbClr val="6892A0"/>
       </a:accent6>
       <a:hlink>
-        <a:srgbClr val="0563C1"/>
+        <a:srgbClr val="FA2B5C"/>
       </a:hlink>
       <a:folHlink>
-        <a:srgbClr val="954F72"/>
+        <a:srgbClr val="BC658E"/>
       </a:folHlink>
     </a:clrScheme>
-    <a:fontScheme name="Office">
+    <a:fontScheme name="갤러리">
       <a:majorFont>
-        <a:latin typeface="맑은 고딕" panose="020F0302020204030204"/>
+        <a:latin typeface="Gill Sans MT" panose="020B0502020104020203"/>
         <a:ea typeface=""/>
         <a:cs typeface=""/>
         <a:font script="Jpan" typeface="游ゴシック Light"/>
@@ -5557,26 +7352,9 @@
         <a:font script="Viet" typeface="Times New Roman"/>
         <a:font script="Uigh" typeface="Microsoft Uighur"/>
         <a:font script="Geor" typeface="Sylfaen"/>
-        <a:font script="Armn" typeface="Arial"/>
-        <a:font script="Bugi" typeface="Leelawadee UI"/>
-        <a:font script="Bopo" typeface="Microsoft JhengHei"/>
-        <a:font script="Java" typeface="Javanese Text"/>
-        <a:font script="Lisu" typeface="Segoe UI"/>
-        <a:font script="Mymr" typeface="Myanmar Text"/>
-        <a:font script="Nkoo" typeface="Ebrima"/>
-        <a:font script="Olck" typeface="Nirmala UI"/>
-        <a:font script="Osma" typeface="Ebrima"/>
-        <a:font script="Phag" typeface="Phagspa"/>
-        <a:font script="Syrn" typeface="Estrangelo Edessa"/>
-        <a:font script="Syrj" typeface="Estrangelo Edessa"/>
-        <a:font script="Syre" typeface="Estrangelo Edessa"/>
-        <a:font script="Sora" typeface="Nirmala UI"/>
-        <a:font script="Tale" typeface="Microsoft Tai Le"/>
-        <a:font script="Talu" typeface="Microsoft New Tai Lue"/>
-        <a:font script="Tfng" typeface="Ebrima"/>
       </a:majorFont>
       <a:minorFont>
-        <a:latin typeface="맑은 고딕" panose="020F0502020204030204"/>
+        <a:latin typeface="Gill Sans MT" panose="020B0502020104020203"/>
         <a:ea typeface=""/>
         <a:cs typeface=""/>
         <a:font script="Jpan" typeface="游ゴシック"/>
@@ -5609,26 +7387,9 @@
         <a:font script="Viet" typeface="Arial"/>
         <a:font script="Uigh" typeface="Microsoft Uighur"/>
         <a:font script="Geor" typeface="Sylfaen"/>
-        <a:font script="Armn" typeface="Arial"/>
-        <a:font script="Bugi" typeface="Leelawadee UI"/>
-        <a:font script="Bopo" typeface="Microsoft JhengHei"/>
-        <a:font script="Java" typeface="Javanese Text"/>
-        <a:font script="Lisu" typeface="Segoe UI"/>
-        <a:font script="Mymr" typeface="Myanmar Text"/>
-        <a:font script="Nkoo" typeface="Ebrima"/>
-        <a:font script="Olck" typeface="Nirmala UI"/>
-        <a:font script="Osma" typeface="Ebrima"/>
-        <a:font script="Phag" typeface="Phagspa"/>
-        <a:font script="Syrn" typeface="Estrangelo Edessa"/>
-        <a:font script="Syrj" typeface="Estrangelo Edessa"/>
-        <a:font script="Syre" typeface="Estrangelo Edessa"/>
-        <a:font script="Sora" typeface="Nirmala UI"/>
-        <a:font script="Tale" typeface="Microsoft Tai Le"/>
-        <a:font script="Talu" typeface="Microsoft New Tai Lue"/>
-        <a:font script="Tfng" typeface="Ebrima"/>
       </a:minorFont>
     </a:fontScheme>
-    <a:fmtScheme name="Office">
+    <a:fmtScheme name="갤러리">
       <a:fillStyleLst>
         <a:solidFill>
           <a:schemeClr val="phClr"/>
@@ -5637,23 +7398,18 @@
           <a:gsLst>
             <a:gs pos="0">
               <a:schemeClr val="phClr">
+                <a:tint val="54000"/>
+                <a:alpha val="100000"/>
+                <a:satMod val="105000"/>
                 <a:lumMod val="110000"/>
-                <a:satMod val="105000"/>
-                <a:tint val="67000"/>
-              </a:schemeClr>
-            </a:gs>
-            <a:gs pos="50000">
-              <a:schemeClr val="phClr">
-                <a:lumMod val="105000"/>
-                <a:satMod val="103000"/>
-                <a:tint val="73000"/>
               </a:schemeClr>
             </a:gs>
             <a:gs pos="100000">
               <a:schemeClr val="phClr">
-                <a:lumMod val="105000"/>
+                <a:tint val="78000"/>
+                <a:alpha val="92000"/>
                 <a:satMod val="109000"/>
-                <a:tint val="81000"/>
+                <a:lumMod val="100000"/>
               </a:schemeClr>
             </a:gs>
           </a:gsLst>
@@ -5663,23 +7419,23 @@
           <a:gsLst>
             <a:gs pos="0">
               <a:schemeClr val="phClr">
-                <a:satMod val="103000"/>
-                <a:lumMod val="102000"/>
-                <a:tint val="94000"/>
+                <a:tint val="98000"/>
+                <a:satMod val="110000"/>
+                <a:lumMod val="104000"/>
               </a:schemeClr>
             </a:gs>
-            <a:gs pos="50000">
+            <a:gs pos="69000">
               <a:schemeClr val="phClr">
-                <a:satMod val="110000"/>
-                <a:lumMod val="100000"/>
-                <a:shade val="100000"/>
+                <a:shade val="88000"/>
+                <a:satMod val="130000"/>
+                <a:lumMod val="92000"/>
               </a:schemeClr>
             </a:gs>
             <a:gs pos="100000">
               <a:schemeClr val="phClr">
-                <a:lumMod val="99000"/>
-                <a:satMod val="120000"/>
                 <a:shade val="78000"/>
+                <a:satMod val="130000"/>
+                <a:lumMod val="92000"/>
               </a:schemeClr>
             </a:gs>
           </a:gsLst>
@@ -5687,26 +7443,23 @@
         </a:gradFill>
       </a:fillStyleLst>
       <a:lnStyleLst>
-        <a:ln w="6350" cap="flat" cmpd="sng" algn="ctr">
+        <a:ln w="9525" cap="flat" cmpd="sng" algn="ctr">
           <a:solidFill>
             <a:schemeClr val="phClr"/>
           </a:solidFill>
           <a:prstDash val="solid"/>
-          <a:miter lim="800000"/>
         </a:ln>
-        <a:ln w="12700" cap="flat" cmpd="sng" algn="ctr">
+        <a:ln w="15875" cap="flat" cmpd="sng" algn="ctr">
           <a:solidFill>
             <a:schemeClr val="phClr"/>
           </a:solidFill>
           <a:prstDash val="solid"/>
-          <a:miter lim="800000"/>
         </a:ln>
-        <a:ln w="19050" cap="flat" cmpd="sng" algn="ctr">
+        <a:ln w="22225" cap="flat" cmpd="sng" algn="ctr">
           <a:solidFill>
             <a:schemeClr val="phClr"/>
           </a:solidFill>
           <a:prstDash val="solid"/>
-          <a:miter lim="800000"/>
         </a:ln>
       </a:lnStyleLst>
       <a:effectStyleLst>
@@ -5718,12 +7471,23 @@
         </a:effectStyle>
         <a:effectStyle>
           <a:effectLst>
-            <a:outerShdw blurRad="57150" dist="19050" dir="5400000" algn="ctr" rotWithShape="0">
+            <a:outerShdw blurRad="50800" dist="50800" dir="5400000" sx="96000" sy="96000" rotWithShape="0">
               <a:srgbClr val="000000">
-                <a:alpha val="63000"/>
+                <a:alpha val="48000"/>
               </a:srgbClr>
             </a:outerShdw>
           </a:effectLst>
+          <a:scene3d>
+            <a:camera prst="orthographicFront">
+              <a:rot lat="0" lon="0" rev="0"/>
+            </a:camera>
+            <a:lightRig rig="balanced" dir="t">
+              <a:rot lat="0" lon="0" rev="1080000"/>
+            </a:lightRig>
+          </a:scene3d>
+          <a:sp3d>
+            <a:bevelT w="38100" h="12700" prst="softRound"/>
+          </a:sp3d>
         </a:effectStyle>
       </a:effectStyleLst>
       <a:bgFillStyleLst>
@@ -5731,37 +7495,26 @@
           <a:schemeClr val="phClr"/>
         </a:solidFill>
         <a:solidFill>
-          <a:schemeClr val="phClr">
-            <a:tint val="95000"/>
-            <a:satMod val="170000"/>
-          </a:schemeClr>
+          <a:schemeClr val="phClr"/>
         </a:solidFill>
         <a:gradFill rotWithShape="1">
           <a:gsLst>
             <a:gs pos="0">
               <a:schemeClr val="phClr">
-                <a:tint val="93000"/>
-                <a:satMod val="150000"/>
-                <a:shade val="98000"/>
-                <a:lumMod val="102000"/>
-              </a:schemeClr>
-            </a:gs>
-            <a:gs pos="50000">
-              <a:schemeClr val="phClr">
-                <a:tint val="98000"/>
-                <a:satMod val="130000"/>
-                <a:shade val="90000"/>
-                <a:lumMod val="103000"/>
+                <a:tint val="94000"/>
+                <a:satMod val="80000"/>
+                <a:lumMod val="106000"/>
               </a:schemeClr>
             </a:gs>
             <a:gs pos="100000">
               <a:schemeClr val="phClr">
-                <a:shade val="63000"/>
-                <a:satMod val="120000"/>
+                <a:shade val="80000"/>
               </a:schemeClr>
             </a:gs>
           </a:gsLst>
-          <a:lin ang="5400000" scaled="0"/>
+          <a:path path="circle">
+            <a:fillToRect l="50000" t="50000" r="50000" b="50000"/>
+          </a:path>
         </a:gradFill>
       </a:bgFillStyleLst>
     </a:fmtScheme>
@@ -5770,7 +7523,7 @@
   <a:extraClrSchemeLst/>
   <a:extLst>
     <a:ext uri="{05A4C25C-085E-4340-85A3-A5531E510DB2}">
-      <thm15:themeFamily xmlns:thm15="http://schemas.microsoft.com/office/thememl/2012/main" name="Office Theme" id="{62F939B6-93AF-4DB8-9C6B-D6C7DFDC589F}" vid="{4A3C46E8-61CC-4603-A589-7422A47A8E4A}"/>
+      <thm15:themeFamily xmlns:thm15="http://schemas.microsoft.com/office/thememl/2012/main" name="Gallery" id="{BBFCD31E-59A1-489D-B089-A3EAD7CAE12E}" vid="{F5E91637-A7B6-4E27-B710-77DA7014EE1E}"/>
     </a:ext>
   </a:extLst>
 </a:theme>
